--- a/Projects/Mod 1 Final Project/presentation.pptx
+++ b/Projects/Mod 1 Final Project/presentation.pptx
@@ -8,9 +8,9 @@
     <p:sldId id="256" r:id="rId2"/>
     <p:sldId id="257" r:id="rId3"/>
     <p:sldId id="258" r:id="rId4"/>
-    <p:sldId id="259" r:id="rId5"/>
-    <p:sldId id="260" r:id="rId6"/>
-    <p:sldId id="261" r:id="rId7"/>
+    <p:sldId id="260" r:id="rId5"/>
+    <p:sldId id="262" r:id="rId6"/>
+    <p:sldId id="259" r:id="rId7"/>
   </p:sldIdLst>
   <p:sldSz cx="12192000" cy="6858000"/>
   <p:notesSz cx="6858000" cy="9144000"/>
@@ -109,7 +109,2820 @@
       </a:defRPr>
     </a:lvl9pPr>
   </p:defaultTextStyle>
+  <p:extLst>
+    <p:ext uri="{EFAFB233-063F-42B5-8137-9DF3F51BA10A}">
+      <p15:sldGuideLst xmlns:p15="http://schemas.microsoft.com/office/powerpoint/2012/main"/>
+    </p:ext>
+  </p:extLst>
 </p:presentation>
+</file>
+
+<file path=ppt/diagrams/colors1.xml><?xml version="1.0" encoding="utf-8"?>
+<dgm:colorsDef xmlns:dgm="http://schemas.openxmlformats.org/drawingml/2006/diagram" xmlns:a="http://schemas.openxmlformats.org/drawingml/2006/main" uniqueId="urn:microsoft.com/office/officeart/2005/8/colors/accent0_3">
+  <dgm:title val=""/>
+  <dgm:desc val=""/>
+  <dgm:catLst>
+    <dgm:cat type="mainScheme" pri="10300"/>
+  </dgm:catLst>
+  <dgm:styleLbl name="node0">
+    <dgm:fillClrLst meth="repeat">
+      <a:schemeClr val="dk2"/>
+    </dgm:fillClrLst>
+    <dgm:linClrLst meth="repeat">
+      <a:schemeClr val="lt2"/>
+    </dgm:linClrLst>
+    <dgm:effectClrLst/>
+    <dgm:txLinClrLst/>
+    <dgm:txFillClrLst/>
+    <dgm:txEffectClrLst/>
+  </dgm:styleLbl>
+  <dgm:styleLbl name="alignNode1">
+    <dgm:fillClrLst meth="repeat">
+      <a:schemeClr val="dk2"/>
+    </dgm:fillClrLst>
+    <dgm:linClrLst meth="repeat">
+      <a:schemeClr val="dk2"/>
+    </dgm:linClrLst>
+    <dgm:effectClrLst/>
+    <dgm:txLinClrLst/>
+    <dgm:txFillClrLst/>
+    <dgm:txEffectClrLst/>
+  </dgm:styleLbl>
+  <dgm:styleLbl name="node1">
+    <dgm:fillClrLst meth="repeat">
+      <a:schemeClr val="dk2"/>
+    </dgm:fillClrLst>
+    <dgm:linClrLst meth="repeat">
+      <a:schemeClr val="lt2"/>
+    </dgm:linClrLst>
+    <dgm:effectClrLst/>
+    <dgm:txLinClrLst/>
+    <dgm:txFillClrLst/>
+    <dgm:txEffectClrLst/>
+  </dgm:styleLbl>
+  <dgm:styleLbl name="lnNode1">
+    <dgm:fillClrLst meth="repeat">
+      <a:schemeClr val="dk2"/>
+    </dgm:fillClrLst>
+    <dgm:linClrLst meth="repeat">
+      <a:schemeClr val="lt2"/>
+    </dgm:linClrLst>
+    <dgm:effectClrLst/>
+    <dgm:txLinClrLst/>
+    <dgm:txFillClrLst/>
+    <dgm:txEffectClrLst/>
+  </dgm:styleLbl>
+  <dgm:styleLbl name="vennNode1">
+    <dgm:fillClrLst meth="repeat">
+      <a:schemeClr val="dk2">
+        <a:alpha val="50000"/>
+      </a:schemeClr>
+    </dgm:fillClrLst>
+    <dgm:linClrLst meth="repeat">
+      <a:schemeClr val="lt2"/>
+    </dgm:linClrLst>
+    <dgm:effectClrLst/>
+    <dgm:txLinClrLst/>
+    <dgm:txFillClrLst/>
+    <dgm:txEffectClrLst/>
+  </dgm:styleLbl>
+  <dgm:styleLbl name="node2">
+    <dgm:fillClrLst meth="repeat">
+      <a:schemeClr val="dk2"/>
+    </dgm:fillClrLst>
+    <dgm:linClrLst meth="repeat">
+      <a:schemeClr val="lt2"/>
+    </dgm:linClrLst>
+    <dgm:effectClrLst/>
+    <dgm:txLinClrLst/>
+    <dgm:txFillClrLst/>
+    <dgm:txEffectClrLst/>
+  </dgm:styleLbl>
+  <dgm:styleLbl name="node3">
+    <dgm:fillClrLst meth="repeat">
+      <a:schemeClr val="dk2"/>
+    </dgm:fillClrLst>
+    <dgm:linClrLst meth="repeat">
+      <a:schemeClr val="lt2"/>
+    </dgm:linClrLst>
+    <dgm:effectClrLst/>
+    <dgm:txLinClrLst/>
+    <dgm:txFillClrLst/>
+    <dgm:txEffectClrLst/>
+  </dgm:styleLbl>
+  <dgm:styleLbl name="node4">
+    <dgm:fillClrLst meth="repeat">
+      <a:schemeClr val="dk2"/>
+    </dgm:fillClrLst>
+    <dgm:linClrLst meth="repeat">
+      <a:schemeClr val="lt2"/>
+    </dgm:linClrLst>
+    <dgm:effectClrLst/>
+    <dgm:txLinClrLst/>
+    <dgm:txFillClrLst/>
+    <dgm:txEffectClrLst/>
+  </dgm:styleLbl>
+  <dgm:styleLbl name="fgImgPlace1">
+    <dgm:fillClrLst meth="repeat">
+      <a:schemeClr val="dk2">
+        <a:tint val="50000"/>
+      </a:schemeClr>
+    </dgm:fillClrLst>
+    <dgm:linClrLst meth="repeat">
+      <a:schemeClr val="lt2"/>
+    </dgm:linClrLst>
+    <dgm:effectClrLst/>
+    <dgm:txLinClrLst/>
+    <dgm:txFillClrLst meth="repeat">
+      <a:schemeClr val="lt2"/>
+    </dgm:txFillClrLst>
+    <dgm:txEffectClrLst/>
+  </dgm:styleLbl>
+  <dgm:styleLbl name="alignImgPlace1">
+    <dgm:fillClrLst meth="repeat">
+      <a:schemeClr val="dk2">
+        <a:tint val="50000"/>
+      </a:schemeClr>
+    </dgm:fillClrLst>
+    <dgm:linClrLst meth="repeat">
+      <a:schemeClr val="dk2">
+        <a:shade val="80000"/>
+      </a:schemeClr>
+    </dgm:linClrLst>
+    <dgm:effectClrLst/>
+    <dgm:txLinClrLst/>
+    <dgm:txFillClrLst meth="repeat">
+      <a:schemeClr val="lt2"/>
+    </dgm:txFillClrLst>
+    <dgm:txEffectClrLst/>
+  </dgm:styleLbl>
+  <dgm:styleLbl name="bgImgPlace1">
+    <dgm:fillClrLst meth="repeat">
+      <a:schemeClr val="dk2">
+        <a:tint val="50000"/>
+      </a:schemeClr>
+    </dgm:fillClrLst>
+    <dgm:linClrLst meth="repeat">
+      <a:schemeClr val="dk2">
+        <a:shade val="80000"/>
+      </a:schemeClr>
+    </dgm:linClrLst>
+    <dgm:effectClrLst/>
+    <dgm:txLinClrLst/>
+    <dgm:txFillClrLst meth="repeat">
+      <a:schemeClr val="lt2"/>
+    </dgm:txFillClrLst>
+    <dgm:txEffectClrLst/>
+  </dgm:styleLbl>
+  <dgm:styleLbl name="sibTrans2D1">
+    <dgm:fillClrLst meth="repeat">
+      <a:schemeClr val="dk2">
+        <a:tint val="60000"/>
+      </a:schemeClr>
+    </dgm:fillClrLst>
+    <dgm:linClrLst meth="repeat">
+      <a:schemeClr val="dk2">
+        <a:tint val="60000"/>
+      </a:schemeClr>
+    </dgm:linClrLst>
+    <dgm:effectClrLst/>
+    <dgm:txLinClrLst/>
+    <dgm:txFillClrLst/>
+    <dgm:txEffectClrLst/>
+  </dgm:styleLbl>
+  <dgm:styleLbl name="fgSibTrans2D1">
+    <dgm:fillClrLst meth="repeat">
+      <a:schemeClr val="dk2">
+        <a:tint val="60000"/>
+      </a:schemeClr>
+    </dgm:fillClrLst>
+    <dgm:linClrLst meth="repeat">
+      <a:schemeClr val="dk2">
+        <a:tint val="60000"/>
+      </a:schemeClr>
+    </dgm:linClrLst>
+    <dgm:effectClrLst/>
+    <dgm:txLinClrLst/>
+    <dgm:txFillClrLst/>
+    <dgm:txEffectClrLst/>
+  </dgm:styleLbl>
+  <dgm:styleLbl name="bgSibTrans2D1">
+    <dgm:fillClrLst meth="repeat">
+      <a:schemeClr val="dk2">
+        <a:tint val="60000"/>
+      </a:schemeClr>
+    </dgm:fillClrLst>
+    <dgm:linClrLst meth="repeat">
+      <a:schemeClr val="dk2">
+        <a:tint val="60000"/>
+      </a:schemeClr>
+    </dgm:linClrLst>
+    <dgm:effectClrLst/>
+    <dgm:txLinClrLst/>
+    <dgm:txFillClrLst/>
+    <dgm:txEffectClrLst/>
+  </dgm:styleLbl>
+  <dgm:styleLbl name="sibTrans1D1">
+    <dgm:fillClrLst meth="repeat">
+      <a:schemeClr val="dk2"/>
+    </dgm:fillClrLst>
+    <dgm:linClrLst meth="repeat">
+      <a:schemeClr val="dk2"/>
+    </dgm:linClrLst>
+    <dgm:effectClrLst/>
+    <dgm:txLinClrLst/>
+    <dgm:txFillClrLst meth="repeat">
+      <a:schemeClr val="lt2"/>
+    </dgm:txFillClrLst>
+    <dgm:txEffectClrLst/>
+  </dgm:styleLbl>
+  <dgm:styleLbl name="callout">
+    <dgm:fillClrLst meth="repeat">
+      <a:schemeClr val="dk2"/>
+    </dgm:fillClrLst>
+    <dgm:linClrLst meth="repeat">
+      <a:schemeClr val="dk2">
+        <a:tint val="50000"/>
+      </a:schemeClr>
+    </dgm:linClrLst>
+    <dgm:effectClrLst/>
+    <dgm:txLinClrLst/>
+    <dgm:txFillClrLst meth="repeat">
+      <a:schemeClr val="lt2"/>
+    </dgm:txFillClrLst>
+    <dgm:txEffectClrLst/>
+  </dgm:styleLbl>
+  <dgm:styleLbl name="asst0">
+    <dgm:fillClrLst meth="repeat">
+      <a:schemeClr val="dk2"/>
+    </dgm:fillClrLst>
+    <dgm:linClrLst meth="repeat">
+      <a:schemeClr val="lt2"/>
+    </dgm:linClrLst>
+    <dgm:effectClrLst/>
+    <dgm:txLinClrLst/>
+    <dgm:txFillClrLst/>
+    <dgm:txEffectClrLst/>
+  </dgm:styleLbl>
+  <dgm:styleLbl name="asst1">
+    <dgm:fillClrLst meth="repeat">
+      <a:schemeClr val="dk2"/>
+    </dgm:fillClrLst>
+    <dgm:linClrLst meth="repeat">
+      <a:schemeClr val="lt2"/>
+    </dgm:linClrLst>
+    <dgm:effectClrLst/>
+    <dgm:txLinClrLst/>
+    <dgm:txFillClrLst/>
+    <dgm:txEffectClrLst/>
+  </dgm:styleLbl>
+  <dgm:styleLbl name="asst2">
+    <dgm:fillClrLst meth="repeat">
+      <a:schemeClr val="dk2"/>
+    </dgm:fillClrLst>
+    <dgm:linClrLst meth="repeat">
+      <a:schemeClr val="lt2"/>
+    </dgm:linClrLst>
+    <dgm:effectClrLst/>
+    <dgm:txLinClrLst/>
+    <dgm:txFillClrLst/>
+    <dgm:txEffectClrLst/>
+  </dgm:styleLbl>
+  <dgm:styleLbl name="asst3">
+    <dgm:fillClrLst meth="repeat">
+      <a:schemeClr val="dk2"/>
+    </dgm:fillClrLst>
+    <dgm:linClrLst meth="repeat">
+      <a:schemeClr val="lt2"/>
+    </dgm:linClrLst>
+    <dgm:effectClrLst/>
+    <dgm:txLinClrLst/>
+    <dgm:txFillClrLst/>
+    <dgm:txEffectClrLst/>
+  </dgm:styleLbl>
+  <dgm:styleLbl name="asst4">
+    <dgm:fillClrLst meth="repeat">
+      <a:schemeClr val="dk2"/>
+    </dgm:fillClrLst>
+    <dgm:linClrLst meth="repeat">
+      <a:schemeClr val="lt2"/>
+    </dgm:linClrLst>
+    <dgm:effectClrLst/>
+    <dgm:txLinClrLst/>
+    <dgm:txFillClrLst/>
+    <dgm:txEffectClrLst/>
+  </dgm:styleLbl>
+  <dgm:styleLbl name="parChTrans2D1">
+    <dgm:fillClrLst meth="repeat">
+      <a:schemeClr val="dk2">
+        <a:tint val="60000"/>
+      </a:schemeClr>
+    </dgm:fillClrLst>
+    <dgm:linClrLst meth="repeat">
+      <a:schemeClr val="dk2">
+        <a:tint val="60000"/>
+      </a:schemeClr>
+    </dgm:linClrLst>
+    <dgm:effectClrLst/>
+    <dgm:txLinClrLst/>
+    <dgm:txFillClrLst meth="repeat">
+      <a:schemeClr val="lt2"/>
+    </dgm:txFillClrLst>
+    <dgm:txEffectClrLst/>
+  </dgm:styleLbl>
+  <dgm:styleLbl name="parChTrans2D2">
+    <dgm:fillClrLst meth="repeat">
+      <a:schemeClr val="dk2"/>
+    </dgm:fillClrLst>
+    <dgm:linClrLst meth="repeat">
+      <a:schemeClr val="dk2"/>
+    </dgm:linClrLst>
+    <dgm:effectClrLst/>
+    <dgm:txLinClrLst/>
+    <dgm:txFillClrLst meth="repeat">
+      <a:schemeClr val="lt2"/>
+    </dgm:txFillClrLst>
+    <dgm:txEffectClrLst/>
+  </dgm:styleLbl>
+  <dgm:styleLbl name="parChTrans2D3">
+    <dgm:fillClrLst meth="repeat">
+      <a:schemeClr val="dk2"/>
+    </dgm:fillClrLst>
+    <dgm:linClrLst meth="repeat">
+      <a:schemeClr val="dk2"/>
+    </dgm:linClrLst>
+    <dgm:effectClrLst/>
+    <dgm:txLinClrLst/>
+    <dgm:txFillClrLst meth="repeat">
+      <a:schemeClr val="lt2"/>
+    </dgm:txFillClrLst>
+    <dgm:txEffectClrLst/>
+  </dgm:styleLbl>
+  <dgm:styleLbl name="parChTrans2D4">
+    <dgm:fillClrLst meth="repeat">
+      <a:schemeClr val="dk2"/>
+    </dgm:fillClrLst>
+    <dgm:linClrLst meth="repeat">
+      <a:schemeClr val="dk2"/>
+    </dgm:linClrLst>
+    <dgm:effectClrLst/>
+    <dgm:txLinClrLst/>
+    <dgm:txFillClrLst meth="repeat">
+      <a:schemeClr val="lt2"/>
+    </dgm:txFillClrLst>
+    <dgm:txEffectClrLst/>
+  </dgm:styleLbl>
+  <dgm:styleLbl name="parChTrans1D1">
+    <dgm:fillClrLst meth="repeat">
+      <a:schemeClr val="dk2"/>
+    </dgm:fillClrLst>
+    <dgm:linClrLst meth="repeat">
+      <a:schemeClr val="dk2">
+        <a:shade val="60000"/>
+      </a:schemeClr>
+    </dgm:linClrLst>
+    <dgm:effectClrLst/>
+    <dgm:txLinClrLst/>
+    <dgm:txFillClrLst meth="repeat">
+      <a:schemeClr val="tx1"/>
+    </dgm:txFillClrLst>
+    <dgm:txEffectClrLst/>
+  </dgm:styleLbl>
+  <dgm:styleLbl name="parChTrans1D2">
+    <dgm:fillClrLst meth="repeat">
+      <a:schemeClr val="dk2"/>
+    </dgm:fillClrLst>
+    <dgm:linClrLst meth="repeat">
+      <a:schemeClr val="dk2">
+        <a:shade val="60000"/>
+      </a:schemeClr>
+    </dgm:linClrLst>
+    <dgm:effectClrLst/>
+    <dgm:txLinClrLst/>
+    <dgm:txFillClrLst meth="repeat">
+      <a:schemeClr val="tx1"/>
+    </dgm:txFillClrLst>
+    <dgm:txEffectClrLst/>
+  </dgm:styleLbl>
+  <dgm:styleLbl name="parChTrans1D3">
+    <dgm:fillClrLst meth="repeat">
+      <a:schemeClr val="dk2"/>
+    </dgm:fillClrLst>
+    <dgm:linClrLst meth="repeat">
+      <a:schemeClr val="dk2">
+        <a:shade val="80000"/>
+      </a:schemeClr>
+    </dgm:linClrLst>
+    <dgm:effectClrLst/>
+    <dgm:txLinClrLst/>
+    <dgm:txFillClrLst meth="repeat">
+      <a:schemeClr val="tx1"/>
+    </dgm:txFillClrLst>
+    <dgm:txEffectClrLst/>
+  </dgm:styleLbl>
+  <dgm:styleLbl name="parChTrans1D4">
+    <dgm:fillClrLst meth="repeat">
+      <a:schemeClr val="dk2"/>
+    </dgm:fillClrLst>
+    <dgm:linClrLst meth="repeat">
+      <a:schemeClr val="dk2">
+        <a:shade val="80000"/>
+      </a:schemeClr>
+    </dgm:linClrLst>
+    <dgm:effectClrLst/>
+    <dgm:txLinClrLst/>
+    <dgm:txFillClrLst meth="repeat">
+      <a:schemeClr val="tx1"/>
+    </dgm:txFillClrLst>
+    <dgm:txEffectClrLst/>
+  </dgm:styleLbl>
+  <dgm:styleLbl name="fgAcc1">
+    <dgm:fillClrLst meth="repeat">
+      <a:schemeClr val="lt2">
+        <a:alpha val="90000"/>
+      </a:schemeClr>
+    </dgm:fillClrLst>
+    <dgm:linClrLst meth="repeat">
+      <a:schemeClr val="dk2"/>
+    </dgm:linClrLst>
+    <dgm:effectClrLst/>
+    <dgm:txLinClrLst/>
+    <dgm:txFillClrLst meth="repeat">
+      <a:schemeClr val="dk1"/>
+    </dgm:txFillClrLst>
+    <dgm:txEffectClrLst/>
+  </dgm:styleLbl>
+  <dgm:styleLbl name="conFgAcc1">
+    <dgm:fillClrLst meth="repeat">
+      <a:schemeClr val="lt2">
+        <a:alpha val="90000"/>
+      </a:schemeClr>
+    </dgm:fillClrLst>
+    <dgm:linClrLst meth="repeat">
+      <a:schemeClr val="dk2"/>
+    </dgm:linClrLst>
+    <dgm:effectClrLst/>
+    <dgm:txLinClrLst/>
+    <dgm:txFillClrLst meth="repeat">
+      <a:schemeClr val="dk1"/>
+    </dgm:txFillClrLst>
+    <dgm:txEffectClrLst/>
+  </dgm:styleLbl>
+  <dgm:styleLbl name="alignAcc1">
+    <dgm:fillClrLst meth="repeat">
+      <a:schemeClr val="lt2">
+        <a:alpha val="90000"/>
+      </a:schemeClr>
+    </dgm:fillClrLst>
+    <dgm:linClrLst meth="repeat">
+      <a:schemeClr val="dk2"/>
+    </dgm:linClrLst>
+    <dgm:effectClrLst/>
+    <dgm:txLinClrLst/>
+    <dgm:txFillClrLst meth="repeat">
+      <a:schemeClr val="dk1"/>
+    </dgm:txFillClrLst>
+    <dgm:txEffectClrLst/>
+  </dgm:styleLbl>
+  <dgm:styleLbl name="trAlignAcc1">
+    <dgm:fillClrLst meth="repeat">
+      <a:schemeClr val="lt2">
+        <a:alpha val="40000"/>
+      </a:schemeClr>
+    </dgm:fillClrLst>
+    <dgm:linClrLst meth="repeat">
+      <a:schemeClr val="dk2"/>
+    </dgm:linClrLst>
+    <dgm:effectClrLst/>
+    <dgm:txLinClrLst/>
+    <dgm:txFillClrLst meth="repeat">
+      <a:schemeClr val="dk1"/>
+    </dgm:txFillClrLst>
+    <dgm:txEffectClrLst/>
+  </dgm:styleLbl>
+  <dgm:styleLbl name="bgAcc1">
+    <dgm:fillClrLst meth="repeat">
+      <a:schemeClr val="lt2">
+        <a:alpha val="90000"/>
+      </a:schemeClr>
+    </dgm:fillClrLst>
+    <dgm:linClrLst meth="repeat">
+      <a:schemeClr val="dk2"/>
+    </dgm:linClrLst>
+    <dgm:effectClrLst/>
+    <dgm:txLinClrLst/>
+    <dgm:txFillClrLst meth="repeat">
+      <a:schemeClr val="dk1"/>
+    </dgm:txFillClrLst>
+    <dgm:txEffectClrLst/>
+  </dgm:styleLbl>
+  <dgm:styleLbl name="solidFgAcc1">
+    <dgm:fillClrLst meth="repeat">
+      <a:schemeClr val="lt2"/>
+    </dgm:fillClrLst>
+    <dgm:linClrLst meth="repeat">
+      <a:schemeClr val="dk2"/>
+    </dgm:linClrLst>
+    <dgm:effectClrLst/>
+    <dgm:txLinClrLst/>
+    <dgm:txFillClrLst meth="repeat">
+      <a:schemeClr val="dk1"/>
+    </dgm:txFillClrLst>
+    <dgm:txEffectClrLst/>
+  </dgm:styleLbl>
+  <dgm:styleLbl name="solidAlignAcc1">
+    <dgm:fillClrLst meth="repeat">
+      <a:schemeClr val="lt2"/>
+    </dgm:fillClrLst>
+    <dgm:linClrLst meth="repeat">
+      <a:schemeClr val="dk2"/>
+    </dgm:linClrLst>
+    <dgm:effectClrLst/>
+    <dgm:txLinClrLst/>
+    <dgm:txFillClrLst meth="repeat">
+      <a:schemeClr val="dk1"/>
+    </dgm:txFillClrLst>
+    <dgm:txEffectClrLst/>
+  </dgm:styleLbl>
+  <dgm:styleLbl name="solidBgAcc1">
+    <dgm:fillClrLst meth="repeat">
+      <a:schemeClr val="lt2"/>
+    </dgm:fillClrLst>
+    <dgm:linClrLst meth="repeat">
+      <a:schemeClr val="dk2"/>
+    </dgm:linClrLst>
+    <dgm:effectClrLst/>
+    <dgm:txLinClrLst/>
+    <dgm:txFillClrLst meth="repeat">
+      <a:schemeClr val="dk1"/>
+    </dgm:txFillClrLst>
+    <dgm:txEffectClrLst/>
+  </dgm:styleLbl>
+  <dgm:styleLbl name="fgAccFollowNode1">
+    <dgm:fillClrLst meth="repeat">
+      <a:schemeClr val="dk2">
+        <a:alpha val="90000"/>
+        <a:tint val="40000"/>
+      </a:schemeClr>
+    </dgm:fillClrLst>
+    <dgm:linClrLst meth="repeat">
+      <a:schemeClr val="dk2">
+        <a:alpha val="90000"/>
+        <a:tint val="40000"/>
+      </a:schemeClr>
+    </dgm:linClrLst>
+    <dgm:effectClrLst/>
+    <dgm:txLinClrLst/>
+    <dgm:txFillClrLst meth="repeat">
+      <a:schemeClr val="dk1"/>
+    </dgm:txFillClrLst>
+    <dgm:txEffectClrLst/>
+  </dgm:styleLbl>
+  <dgm:styleLbl name="alignAccFollowNode1">
+    <dgm:fillClrLst meth="repeat">
+      <a:schemeClr val="dk2">
+        <a:alpha val="90000"/>
+        <a:tint val="40000"/>
+      </a:schemeClr>
+    </dgm:fillClrLst>
+    <dgm:linClrLst meth="repeat">
+      <a:schemeClr val="dk2">
+        <a:alpha val="90000"/>
+        <a:tint val="40000"/>
+      </a:schemeClr>
+    </dgm:linClrLst>
+    <dgm:effectClrLst/>
+    <dgm:txLinClrLst/>
+    <dgm:txFillClrLst meth="repeat">
+      <a:schemeClr val="dk1"/>
+    </dgm:txFillClrLst>
+    <dgm:txEffectClrLst/>
+  </dgm:styleLbl>
+  <dgm:styleLbl name="bgAccFollowNode1">
+    <dgm:fillClrLst meth="repeat">
+      <a:schemeClr val="dk2">
+        <a:alpha val="90000"/>
+        <a:tint val="40000"/>
+      </a:schemeClr>
+    </dgm:fillClrLst>
+    <dgm:linClrLst meth="repeat">
+      <a:schemeClr val="dk2">
+        <a:alpha val="90000"/>
+        <a:tint val="40000"/>
+      </a:schemeClr>
+    </dgm:linClrLst>
+    <dgm:effectClrLst/>
+    <dgm:txLinClrLst/>
+    <dgm:txFillClrLst meth="repeat">
+      <a:schemeClr val="dk1"/>
+    </dgm:txFillClrLst>
+    <dgm:txEffectClrLst/>
+  </dgm:styleLbl>
+  <dgm:styleLbl name="fgAcc0">
+    <dgm:fillClrLst meth="repeat">
+      <a:schemeClr val="lt2">
+        <a:alpha val="90000"/>
+      </a:schemeClr>
+    </dgm:fillClrLst>
+    <dgm:linClrLst meth="repeat">
+      <a:schemeClr val="dk2"/>
+    </dgm:linClrLst>
+    <dgm:effectClrLst/>
+    <dgm:txLinClrLst/>
+    <dgm:txFillClrLst meth="repeat">
+      <a:schemeClr val="dk1"/>
+    </dgm:txFillClrLst>
+    <dgm:txEffectClrLst/>
+  </dgm:styleLbl>
+  <dgm:styleLbl name="fgAcc2">
+    <dgm:fillClrLst meth="repeat">
+      <a:schemeClr val="lt2">
+        <a:alpha val="90000"/>
+      </a:schemeClr>
+    </dgm:fillClrLst>
+    <dgm:linClrLst meth="repeat">
+      <a:schemeClr val="dk2"/>
+    </dgm:linClrLst>
+    <dgm:effectClrLst/>
+    <dgm:txLinClrLst/>
+    <dgm:txFillClrLst meth="repeat">
+      <a:schemeClr val="dk1"/>
+    </dgm:txFillClrLst>
+    <dgm:txEffectClrLst/>
+  </dgm:styleLbl>
+  <dgm:styleLbl name="fgAcc3">
+    <dgm:fillClrLst meth="repeat">
+      <a:schemeClr val="lt2">
+        <a:alpha val="90000"/>
+      </a:schemeClr>
+    </dgm:fillClrLst>
+    <dgm:linClrLst meth="repeat">
+      <a:schemeClr val="dk2"/>
+    </dgm:linClrLst>
+    <dgm:effectClrLst/>
+    <dgm:txLinClrLst/>
+    <dgm:txFillClrLst meth="repeat">
+      <a:schemeClr val="dk1"/>
+    </dgm:txFillClrLst>
+    <dgm:txEffectClrLst/>
+  </dgm:styleLbl>
+  <dgm:styleLbl name="fgAcc4">
+    <dgm:fillClrLst meth="repeat">
+      <a:schemeClr val="lt2">
+        <a:alpha val="90000"/>
+      </a:schemeClr>
+    </dgm:fillClrLst>
+    <dgm:linClrLst meth="repeat">
+      <a:schemeClr val="dk2"/>
+    </dgm:linClrLst>
+    <dgm:effectClrLst/>
+    <dgm:txLinClrLst/>
+    <dgm:txFillClrLst meth="repeat">
+      <a:schemeClr val="dk1"/>
+    </dgm:txFillClrLst>
+    <dgm:txEffectClrLst/>
+  </dgm:styleLbl>
+  <dgm:styleLbl name="bgShp">
+    <dgm:fillClrLst meth="repeat">
+      <a:schemeClr val="dk2">
+        <a:tint val="40000"/>
+      </a:schemeClr>
+    </dgm:fillClrLst>
+    <dgm:linClrLst meth="repeat">
+      <a:schemeClr val="dk2"/>
+    </dgm:linClrLst>
+    <dgm:effectClrLst/>
+    <dgm:txLinClrLst/>
+    <dgm:txFillClrLst meth="repeat">
+      <a:schemeClr val="dk1"/>
+    </dgm:txFillClrLst>
+    <dgm:txEffectClrLst/>
+  </dgm:styleLbl>
+  <dgm:styleLbl name="dkBgShp">
+    <dgm:fillClrLst meth="repeat">
+      <a:schemeClr val="dk2">
+        <a:shade val="80000"/>
+      </a:schemeClr>
+    </dgm:fillClrLst>
+    <dgm:linClrLst meth="repeat">
+      <a:schemeClr val="dk2"/>
+    </dgm:linClrLst>
+    <dgm:effectClrLst/>
+    <dgm:txLinClrLst/>
+    <dgm:txFillClrLst meth="repeat">
+      <a:schemeClr val="lt1"/>
+    </dgm:txFillClrLst>
+    <dgm:txEffectClrLst/>
+  </dgm:styleLbl>
+  <dgm:styleLbl name="trBgShp">
+    <dgm:fillClrLst meth="repeat">
+      <a:schemeClr val="dk2">
+        <a:tint val="50000"/>
+        <a:alpha val="40000"/>
+      </a:schemeClr>
+    </dgm:fillClrLst>
+    <dgm:linClrLst meth="repeat">
+      <a:schemeClr val="dk2"/>
+    </dgm:linClrLst>
+    <dgm:effectClrLst/>
+    <dgm:txLinClrLst/>
+    <dgm:txFillClrLst meth="repeat">
+      <a:schemeClr val="lt1"/>
+    </dgm:txFillClrLst>
+    <dgm:txEffectClrLst/>
+  </dgm:styleLbl>
+  <dgm:styleLbl name="fgShp">
+    <dgm:fillClrLst meth="repeat">
+      <a:schemeClr val="dk2">
+        <a:tint val="60000"/>
+      </a:schemeClr>
+    </dgm:fillClrLst>
+    <dgm:linClrLst meth="repeat">
+      <a:schemeClr val="lt2"/>
+    </dgm:linClrLst>
+    <dgm:effectClrLst/>
+    <dgm:txLinClrLst/>
+    <dgm:txFillClrLst meth="repeat">
+      <a:schemeClr val="dk1"/>
+    </dgm:txFillClrLst>
+    <dgm:txEffectClrLst/>
+  </dgm:styleLbl>
+  <dgm:styleLbl name="revTx">
+    <dgm:fillClrLst meth="repeat">
+      <a:schemeClr val="lt2">
+        <a:alpha val="0"/>
+      </a:schemeClr>
+    </dgm:fillClrLst>
+    <dgm:linClrLst meth="repeat">
+      <a:schemeClr val="dk1">
+        <a:alpha val="0"/>
+      </a:schemeClr>
+    </dgm:linClrLst>
+    <dgm:effectClrLst/>
+    <dgm:txLinClrLst/>
+    <dgm:txFillClrLst meth="repeat">
+      <a:schemeClr val="tx1"/>
+    </dgm:txFillClrLst>
+    <dgm:txEffectClrLst/>
+  </dgm:styleLbl>
+</dgm:colorsDef>
+</file>
+
+<file path=ppt/diagrams/data1.xml><?xml version="1.0" encoding="utf-8"?>
+<dgm:dataModel xmlns:dgm="http://schemas.openxmlformats.org/drawingml/2006/diagram" xmlns:a="http://schemas.openxmlformats.org/drawingml/2006/main">
+  <dgm:ptLst>
+    <dgm:pt modelId="{E61B140D-38C6-4744-93E6-31623CA39CDE}" type="doc">
+      <dgm:prSet loTypeId="urn:microsoft.com/office/officeart/2005/8/layout/hierarchy1" loCatId="hierarchy" qsTypeId="urn:microsoft.com/office/officeart/2005/8/quickstyle/simple1" qsCatId="simple" csTypeId="urn:microsoft.com/office/officeart/2005/8/colors/accent0_3" csCatId="mainScheme" phldr="1"/>
+      <dgm:spPr/>
+      <dgm:t>
+        <a:bodyPr/>
+        <a:lstStyle/>
+        <a:p>
+          <a:endParaRPr lang="en-US"/>
+        </a:p>
+      </dgm:t>
+    </dgm:pt>
+    <dgm:pt modelId="{4EC4F5B8-1001-4547-B8E0-49D4822E76A8}">
+      <dgm:prSet/>
+      <dgm:spPr/>
+      <dgm:t>
+        <a:bodyPr/>
+        <a:lstStyle/>
+        <a:p>
+          <a:r>
+            <a:rPr lang="en-US" dirty="0"/>
+            <a:t>Average home value varies greatly depending on which Zip Code you reside in.</a:t>
+          </a:r>
+        </a:p>
+      </dgm:t>
+    </dgm:pt>
+    <dgm:pt modelId="{925B9580-E1CE-4CF0-933D-115CCEC98E36}" type="parTrans" cxnId="{16C6042E-9AF5-48A2-BCAF-26064F10A42F}">
+      <dgm:prSet/>
+      <dgm:spPr/>
+      <dgm:t>
+        <a:bodyPr/>
+        <a:lstStyle/>
+        <a:p>
+          <a:endParaRPr lang="en-US"/>
+        </a:p>
+      </dgm:t>
+    </dgm:pt>
+    <dgm:pt modelId="{EF8D4071-D58F-476D-B9AD-2985FD4491D1}" type="sibTrans" cxnId="{16C6042E-9AF5-48A2-BCAF-26064F10A42F}">
+      <dgm:prSet/>
+      <dgm:spPr/>
+      <dgm:t>
+        <a:bodyPr/>
+        <a:lstStyle/>
+        <a:p>
+          <a:endParaRPr lang="en-US"/>
+        </a:p>
+      </dgm:t>
+    </dgm:pt>
+    <dgm:pt modelId="{4A66EC24-6758-4A0F-AA5D-DF4E4330D3D0}">
+      <dgm:prSet/>
+      <dgm:spPr/>
+      <dgm:t>
+        <a:bodyPr/>
+        <a:lstStyle/>
+        <a:p>
+          <a:r>
+            <a:rPr lang="en-US" dirty="0"/>
+            <a:t>Many other factors can play into the area desirability(Crime, Proximity to School Systems, Appearance, </a:t>
+          </a:r>
+          <a:r>
+            <a:rPr lang="en-US" dirty="0" err="1"/>
+            <a:t>etc</a:t>
+          </a:r>
+          <a:r>
+            <a:rPr lang="en-US" dirty="0"/>
+            <a:t>)</a:t>
+          </a:r>
+        </a:p>
+      </dgm:t>
+    </dgm:pt>
+    <dgm:pt modelId="{FC5C54E3-4B4C-4E7B-8A0B-0F7A6351907B}" type="parTrans" cxnId="{2EF9E386-BCA3-4782-B465-4CA83B0D2131}">
+      <dgm:prSet/>
+      <dgm:spPr/>
+      <dgm:t>
+        <a:bodyPr/>
+        <a:lstStyle/>
+        <a:p>
+          <a:endParaRPr lang="en-US"/>
+        </a:p>
+      </dgm:t>
+    </dgm:pt>
+    <dgm:pt modelId="{FB2256EF-DD5C-40EB-8093-87088E1C871D}" type="sibTrans" cxnId="{2EF9E386-BCA3-4782-B465-4CA83B0D2131}">
+      <dgm:prSet/>
+      <dgm:spPr/>
+      <dgm:t>
+        <a:bodyPr/>
+        <a:lstStyle/>
+        <a:p>
+          <a:endParaRPr lang="en-US"/>
+        </a:p>
+      </dgm:t>
+    </dgm:pt>
+    <dgm:pt modelId="{FA89EE16-681B-4AC2-B802-546825C2FEEB}" type="pres">
+      <dgm:prSet presAssocID="{E61B140D-38C6-4744-93E6-31623CA39CDE}" presName="hierChild1" presStyleCnt="0">
+        <dgm:presLayoutVars>
+          <dgm:chPref val="1"/>
+          <dgm:dir/>
+          <dgm:animOne val="branch"/>
+          <dgm:animLvl val="lvl"/>
+          <dgm:resizeHandles/>
+        </dgm:presLayoutVars>
+      </dgm:prSet>
+      <dgm:spPr/>
+    </dgm:pt>
+    <dgm:pt modelId="{475A3698-10CE-4402-B74C-E6006F9ABCE3}" type="pres">
+      <dgm:prSet presAssocID="{4EC4F5B8-1001-4547-B8E0-49D4822E76A8}" presName="hierRoot1" presStyleCnt="0"/>
+      <dgm:spPr/>
+    </dgm:pt>
+    <dgm:pt modelId="{FFAA70CA-B9F9-49FC-B29E-34CEA31A8562}" type="pres">
+      <dgm:prSet presAssocID="{4EC4F5B8-1001-4547-B8E0-49D4822E76A8}" presName="composite" presStyleCnt="0"/>
+      <dgm:spPr/>
+    </dgm:pt>
+    <dgm:pt modelId="{251CA99F-1991-4B23-91E2-D5DE4F2A7C1D}" type="pres">
+      <dgm:prSet presAssocID="{4EC4F5B8-1001-4547-B8E0-49D4822E76A8}" presName="background" presStyleLbl="node0" presStyleIdx="0" presStyleCnt="2"/>
+      <dgm:spPr/>
+    </dgm:pt>
+    <dgm:pt modelId="{3B8D9BF4-05BD-4261-A82E-D6B314A57245}" type="pres">
+      <dgm:prSet presAssocID="{4EC4F5B8-1001-4547-B8E0-49D4822E76A8}" presName="text" presStyleLbl="fgAcc0" presStyleIdx="0" presStyleCnt="2">
+        <dgm:presLayoutVars>
+          <dgm:chPref val="3"/>
+        </dgm:presLayoutVars>
+      </dgm:prSet>
+      <dgm:spPr/>
+    </dgm:pt>
+    <dgm:pt modelId="{54936840-33BD-4049-94E8-8230A7EBBD5C}" type="pres">
+      <dgm:prSet presAssocID="{4EC4F5B8-1001-4547-B8E0-49D4822E76A8}" presName="hierChild2" presStyleCnt="0"/>
+      <dgm:spPr/>
+    </dgm:pt>
+    <dgm:pt modelId="{3ABB8287-D4B7-4B9D-85A6-B21C0E24B212}" type="pres">
+      <dgm:prSet presAssocID="{4A66EC24-6758-4A0F-AA5D-DF4E4330D3D0}" presName="hierRoot1" presStyleCnt="0"/>
+      <dgm:spPr/>
+    </dgm:pt>
+    <dgm:pt modelId="{F629B0BD-C11E-4504-AAFC-C5CFE0DA565A}" type="pres">
+      <dgm:prSet presAssocID="{4A66EC24-6758-4A0F-AA5D-DF4E4330D3D0}" presName="composite" presStyleCnt="0"/>
+      <dgm:spPr/>
+    </dgm:pt>
+    <dgm:pt modelId="{1ED0EB4D-EB24-48B7-B80F-CF836E0D879E}" type="pres">
+      <dgm:prSet presAssocID="{4A66EC24-6758-4A0F-AA5D-DF4E4330D3D0}" presName="background" presStyleLbl="node0" presStyleIdx="1" presStyleCnt="2"/>
+      <dgm:spPr/>
+    </dgm:pt>
+    <dgm:pt modelId="{97AD6730-2B22-4606-A46B-94CF03666783}" type="pres">
+      <dgm:prSet presAssocID="{4A66EC24-6758-4A0F-AA5D-DF4E4330D3D0}" presName="text" presStyleLbl="fgAcc0" presStyleIdx="1" presStyleCnt="2">
+        <dgm:presLayoutVars>
+          <dgm:chPref val="3"/>
+        </dgm:presLayoutVars>
+      </dgm:prSet>
+      <dgm:spPr/>
+    </dgm:pt>
+    <dgm:pt modelId="{A0902C11-FD76-4817-8483-44FA37E540AD}" type="pres">
+      <dgm:prSet presAssocID="{4A66EC24-6758-4A0F-AA5D-DF4E4330D3D0}" presName="hierChild2" presStyleCnt="0"/>
+      <dgm:spPr/>
+    </dgm:pt>
+  </dgm:ptLst>
+  <dgm:cxnLst>
+    <dgm:cxn modelId="{74BE6C14-D39E-4620-9B8F-AC5E1B2CD581}" type="presOf" srcId="{4A66EC24-6758-4A0F-AA5D-DF4E4330D3D0}" destId="{97AD6730-2B22-4606-A46B-94CF03666783}" srcOrd="0" destOrd="0" presId="urn:microsoft.com/office/officeart/2005/8/layout/hierarchy1"/>
+    <dgm:cxn modelId="{16C6042E-9AF5-48A2-BCAF-26064F10A42F}" srcId="{E61B140D-38C6-4744-93E6-31623CA39CDE}" destId="{4EC4F5B8-1001-4547-B8E0-49D4822E76A8}" srcOrd="0" destOrd="0" parTransId="{925B9580-E1CE-4CF0-933D-115CCEC98E36}" sibTransId="{EF8D4071-D58F-476D-B9AD-2985FD4491D1}"/>
+    <dgm:cxn modelId="{445BAB75-42FB-4552-BA76-EDDBB656D936}" type="presOf" srcId="{E61B140D-38C6-4744-93E6-31623CA39CDE}" destId="{FA89EE16-681B-4AC2-B802-546825C2FEEB}" srcOrd="0" destOrd="0" presId="urn:microsoft.com/office/officeart/2005/8/layout/hierarchy1"/>
+    <dgm:cxn modelId="{2EF9E386-BCA3-4782-B465-4CA83B0D2131}" srcId="{E61B140D-38C6-4744-93E6-31623CA39CDE}" destId="{4A66EC24-6758-4A0F-AA5D-DF4E4330D3D0}" srcOrd="1" destOrd="0" parTransId="{FC5C54E3-4B4C-4E7B-8A0B-0F7A6351907B}" sibTransId="{FB2256EF-DD5C-40EB-8093-87088E1C871D}"/>
+    <dgm:cxn modelId="{4910B999-D5E4-4647-998F-95B9106BD248}" type="presOf" srcId="{4EC4F5B8-1001-4547-B8E0-49D4822E76A8}" destId="{3B8D9BF4-05BD-4261-A82E-D6B314A57245}" srcOrd="0" destOrd="0" presId="urn:microsoft.com/office/officeart/2005/8/layout/hierarchy1"/>
+    <dgm:cxn modelId="{54877EB8-2216-4EBC-AEA0-BE72E034A619}" type="presParOf" srcId="{FA89EE16-681B-4AC2-B802-546825C2FEEB}" destId="{475A3698-10CE-4402-B74C-E6006F9ABCE3}" srcOrd="0" destOrd="0" presId="urn:microsoft.com/office/officeart/2005/8/layout/hierarchy1"/>
+    <dgm:cxn modelId="{E6ADE9EE-F112-490F-A041-84C774CB9CE2}" type="presParOf" srcId="{475A3698-10CE-4402-B74C-E6006F9ABCE3}" destId="{FFAA70CA-B9F9-49FC-B29E-34CEA31A8562}" srcOrd="0" destOrd="0" presId="urn:microsoft.com/office/officeart/2005/8/layout/hierarchy1"/>
+    <dgm:cxn modelId="{843644AE-BC75-4252-89F7-0DC6A0E5F8AC}" type="presParOf" srcId="{FFAA70CA-B9F9-49FC-B29E-34CEA31A8562}" destId="{251CA99F-1991-4B23-91E2-D5DE4F2A7C1D}" srcOrd="0" destOrd="0" presId="urn:microsoft.com/office/officeart/2005/8/layout/hierarchy1"/>
+    <dgm:cxn modelId="{CEABD7CA-8067-427B-9BCF-F0E4A22238FA}" type="presParOf" srcId="{FFAA70CA-B9F9-49FC-B29E-34CEA31A8562}" destId="{3B8D9BF4-05BD-4261-A82E-D6B314A57245}" srcOrd="1" destOrd="0" presId="urn:microsoft.com/office/officeart/2005/8/layout/hierarchy1"/>
+    <dgm:cxn modelId="{7F7C96BB-F4F3-4233-A074-5F26868CF279}" type="presParOf" srcId="{475A3698-10CE-4402-B74C-E6006F9ABCE3}" destId="{54936840-33BD-4049-94E8-8230A7EBBD5C}" srcOrd="1" destOrd="0" presId="urn:microsoft.com/office/officeart/2005/8/layout/hierarchy1"/>
+    <dgm:cxn modelId="{AC331526-DE38-4E9E-8748-3106DBBAA732}" type="presParOf" srcId="{FA89EE16-681B-4AC2-B802-546825C2FEEB}" destId="{3ABB8287-D4B7-4B9D-85A6-B21C0E24B212}" srcOrd="1" destOrd="0" presId="urn:microsoft.com/office/officeart/2005/8/layout/hierarchy1"/>
+    <dgm:cxn modelId="{A2B1C174-0711-42FA-9F9F-21D0FB7B89E3}" type="presParOf" srcId="{3ABB8287-D4B7-4B9D-85A6-B21C0E24B212}" destId="{F629B0BD-C11E-4504-AAFC-C5CFE0DA565A}" srcOrd="0" destOrd="0" presId="urn:microsoft.com/office/officeart/2005/8/layout/hierarchy1"/>
+    <dgm:cxn modelId="{85904FE6-60F7-424D-9C80-702BBFEA95C4}" type="presParOf" srcId="{F629B0BD-C11E-4504-AAFC-C5CFE0DA565A}" destId="{1ED0EB4D-EB24-48B7-B80F-CF836E0D879E}" srcOrd="0" destOrd="0" presId="urn:microsoft.com/office/officeart/2005/8/layout/hierarchy1"/>
+    <dgm:cxn modelId="{A3792E3E-EC5A-44B3-A7C0-66DC3D7D0F7F}" type="presParOf" srcId="{F629B0BD-C11E-4504-AAFC-C5CFE0DA565A}" destId="{97AD6730-2B22-4606-A46B-94CF03666783}" srcOrd="1" destOrd="0" presId="urn:microsoft.com/office/officeart/2005/8/layout/hierarchy1"/>
+    <dgm:cxn modelId="{7A2B77DE-E7F4-4BBD-90B3-B88D51ECB8B5}" type="presParOf" srcId="{3ABB8287-D4B7-4B9D-85A6-B21C0E24B212}" destId="{A0902C11-FD76-4817-8483-44FA37E540AD}" srcOrd="1" destOrd="0" presId="urn:microsoft.com/office/officeart/2005/8/layout/hierarchy1"/>
+  </dgm:cxnLst>
+  <dgm:bg/>
+  <dgm:whole/>
+  <dgm:extLst>
+    <a:ext uri="http://schemas.microsoft.com/office/drawing/2008/diagram">
+      <dsp:dataModelExt xmlns:dsp="http://schemas.microsoft.com/office/drawing/2008/diagram" relId="rId6" minVer="http://schemas.openxmlformats.org/drawingml/2006/diagram"/>
+    </a:ext>
+  </dgm:extLst>
+</dgm:dataModel>
+</file>
+
+<file path=ppt/diagrams/drawing1.xml><?xml version="1.0" encoding="utf-8"?>
+<dsp:drawing xmlns:dgm="http://schemas.openxmlformats.org/drawingml/2006/diagram" xmlns:dsp="http://schemas.microsoft.com/office/drawing/2008/diagram" xmlns:a="http://schemas.openxmlformats.org/drawingml/2006/main">
+  <dsp:spTree>
+    <dsp:nvGrpSpPr>
+      <dsp:cNvPr id="0" name=""/>
+      <dsp:cNvGrpSpPr/>
+    </dsp:nvGrpSpPr>
+    <dsp:grpSpPr/>
+    <dsp:sp modelId="{251CA99F-1991-4B23-91E2-D5DE4F2A7C1D}">
+      <dsp:nvSpPr>
+        <dsp:cNvPr id="0" name=""/>
+        <dsp:cNvSpPr/>
+      </dsp:nvSpPr>
+      <dsp:spPr>
+        <a:xfrm>
+          <a:off x="85120" y="162"/>
+          <a:ext cx="4596484" cy="2918767"/>
+        </a:xfrm>
+        <a:prstGeom prst="roundRect">
+          <a:avLst>
+            <a:gd name="adj" fmla="val 10000"/>
+          </a:avLst>
+        </a:prstGeom>
+        <a:solidFill>
+          <a:schemeClr val="dk2">
+            <a:hueOff val="0"/>
+            <a:satOff val="0"/>
+            <a:lumOff val="0"/>
+            <a:alphaOff val="0"/>
+          </a:schemeClr>
+        </a:solidFill>
+        <a:ln w="19050" cap="rnd" cmpd="sng" algn="ctr">
+          <a:solidFill>
+            <a:schemeClr val="lt2">
+              <a:hueOff val="0"/>
+              <a:satOff val="0"/>
+              <a:lumOff val="0"/>
+              <a:alphaOff val="0"/>
+            </a:schemeClr>
+          </a:solidFill>
+          <a:prstDash val="solid"/>
+        </a:ln>
+        <a:effectLst/>
+      </dsp:spPr>
+      <dsp:style>
+        <a:lnRef idx="2">
+          <a:scrgbClr r="0" g="0" b="0"/>
+        </a:lnRef>
+        <a:fillRef idx="1">
+          <a:scrgbClr r="0" g="0" b="0"/>
+        </a:fillRef>
+        <a:effectRef idx="0">
+          <a:scrgbClr r="0" g="0" b="0"/>
+        </a:effectRef>
+        <a:fontRef idx="minor">
+          <a:schemeClr val="lt1"/>
+        </a:fontRef>
+      </dsp:style>
+    </dsp:sp>
+    <dsp:sp modelId="{3B8D9BF4-05BD-4261-A82E-D6B314A57245}">
+      <dsp:nvSpPr>
+        <dsp:cNvPr id="0" name=""/>
+        <dsp:cNvSpPr/>
+      </dsp:nvSpPr>
+      <dsp:spPr>
+        <a:xfrm>
+          <a:off x="595840" y="485346"/>
+          <a:ext cx="4596484" cy="2918767"/>
+        </a:xfrm>
+        <a:prstGeom prst="roundRect">
+          <a:avLst>
+            <a:gd name="adj" fmla="val 10000"/>
+          </a:avLst>
+        </a:prstGeom>
+        <a:solidFill>
+          <a:schemeClr val="lt2">
+            <a:alpha val="90000"/>
+            <a:hueOff val="0"/>
+            <a:satOff val="0"/>
+            <a:lumOff val="0"/>
+            <a:alphaOff val="0"/>
+          </a:schemeClr>
+        </a:solidFill>
+        <a:ln w="19050" cap="rnd" cmpd="sng" algn="ctr">
+          <a:solidFill>
+            <a:schemeClr val="dk2">
+              <a:hueOff val="0"/>
+              <a:satOff val="0"/>
+              <a:lumOff val="0"/>
+              <a:alphaOff val="0"/>
+            </a:schemeClr>
+          </a:solidFill>
+          <a:prstDash val="solid"/>
+        </a:ln>
+        <a:effectLst/>
+      </dsp:spPr>
+      <dsp:style>
+        <a:lnRef idx="2">
+          <a:scrgbClr r="0" g="0" b="0"/>
+        </a:lnRef>
+        <a:fillRef idx="1">
+          <a:scrgbClr r="0" g="0" b="0"/>
+        </a:fillRef>
+        <a:effectRef idx="0">
+          <a:scrgbClr r="0" g="0" b="0"/>
+        </a:effectRef>
+        <a:fontRef idx="minor"/>
+      </dsp:style>
+      <dsp:txBody>
+        <a:bodyPr spcFirstLastPara="0" vert="horz" wrap="square" lIns="110490" tIns="110490" rIns="110490" bIns="110490" numCol="1" spcCol="1270" anchor="ctr" anchorCtr="0">
+          <a:noAutofit/>
+        </a:bodyPr>
+        <a:lstStyle/>
+        <a:p>
+          <a:pPr marL="0" lvl="0" indent="0" algn="ctr" defTabSz="1289050">
+            <a:lnSpc>
+              <a:spcPct val="90000"/>
+            </a:lnSpc>
+            <a:spcBef>
+              <a:spcPct val="0"/>
+            </a:spcBef>
+            <a:spcAft>
+              <a:spcPct val="35000"/>
+            </a:spcAft>
+            <a:buNone/>
+          </a:pPr>
+          <a:r>
+            <a:rPr lang="en-US" sz="2900" kern="1200" dirty="0"/>
+            <a:t>Average home value varies greatly depending on which Zip Code you reside in.</a:t>
+          </a:r>
+        </a:p>
+      </dsp:txBody>
+      <dsp:txXfrm>
+        <a:off x="681328" y="570834"/>
+        <a:ext cx="4425508" cy="2747791"/>
+      </dsp:txXfrm>
+    </dsp:sp>
+    <dsp:sp modelId="{1ED0EB4D-EB24-48B7-B80F-CF836E0D879E}">
+      <dsp:nvSpPr>
+        <dsp:cNvPr id="0" name=""/>
+        <dsp:cNvSpPr/>
+      </dsp:nvSpPr>
+      <dsp:spPr>
+        <a:xfrm>
+          <a:off x="5703045" y="162"/>
+          <a:ext cx="4596484" cy="2918767"/>
+        </a:xfrm>
+        <a:prstGeom prst="roundRect">
+          <a:avLst>
+            <a:gd name="adj" fmla="val 10000"/>
+          </a:avLst>
+        </a:prstGeom>
+        <a:solidFill>
+          <a:schemeClr val="dk2">
+            <a:hueOff val="0"/>
+            <a:satOff val="0"/>
+            <a:lumOff val="0"/>
+            <a:alphaOff val="0"/>
+          </a:schemeClr>
+        </a:solidFill>
+        <a:ln w="19050" cap="rnd" cmpd="sng" algn="ctr">
+          <a:solidFill>
+            <a:schemeClr val="lt2">
+              <a:hueOff val="0"/>
+              <a:satOff val="0"/>
+              <a:lumOff val="0"/>
+              <a:alphaOff val="0"/>
+            </a:schemeClr>
+          </a:solidFill>
+          <a:prstDash val="solid"/>
+        </a:ln>
+        <a:effectLst/>
+      </dsp:spPr>
+      <dsp:style>
+        <a:lnRef idx="2">
+          <a:scrgbClr r="0" g="0" b="0"/>
+        </a:lnRef>
+        <a:fillRef idx="1">
+          <a:scrgbClr r="0" g="0" b="0"/>
+        </a:fillRef>
+        <a:effectRef idx="0">
+          <a:scrgbClr r="0" g="0" b="0"/>
+        </a:effectRef>
+        <a:fontRef idx="minor">
+          <a:schemeClr val="lt1"/>
+        </a:fontRef>
+      </dsp:style>
+    </dsp:sp>
+    <dsp:sp modelId="{97AD6730-2B22-4606-A46B-94CF03666783}">
+      <dsp:nvSpPr>
+        <dsp:cNvPr id="0" name=""/>
+        <dsp:cNvSpPr/>
+      </dsp:nvSpPr>
+      <dsp:spPr>
+        <a:xfrm>
+          <a:off x="6213765" y="485346"/>
+          <a:ext cx="4596484" cy="2918767"/>
+        </a:xfrm>
+        <a:prstGeom prst="roundRect">
+          <a:avLst>
+            <a:gd name="adj" fmla="val 10000"/>
+          </a:avLst>
+        </a:prstGeom>
+        <a:solidFill>
+          <a:schemeClr val="lt2">
+            <a:alpha val="90000"/>
+            <a:hueOff val="0"/>
+            <a:satOff val="0"/>
+            <a:lumOff val="0"/>
+            <a:alphaOff val="0"/>
+          </a:schemeClr>
+        </a:solidFill>
+        <a:ln w="19050" cap="rnd" cmpd="sng" algn="ctr">
+          <a:solidFill>
+            <a:schemeClr val="dk2">
+              <a:hueOff val="0"/>
+              <a:satOff val="0"/>
+              <a:lumOff val="0"/>
+              <a:alphaOff val="0"/>
+            </a:schemeClr>
+          </a:solidFill>
+          <a:prstDash val="solid"/>
+        </a:ln>
+        <a:effectLst/>
+      </dsp:spPr>
+      <dsp:style>
+        <a:lnRef idx="2">
+          <a:scrgbClr r="0" g="0" b="0"/>
+        </a:lnRef>
+        <a:fillRef idx="1">
+          <a:scrgbClr r="0" g="0" b="0"/>
+        </a:fillRef>
+        <a:effectRef idx="0">
+          <a:scrgbClr r="0" g="0" b="0"/>
+        </a:effectRef>
+        <a:fontRef idx="minor"/>
+      </dsp:style>
+      <dsp:txBody>
+        <a:bodyPr spcFirstLastPara="0" vert="horz" wrap="square" lIns="110490" tIns="110490" rIns="110490" bIns="110490" numCol="1" spcCol="1270" anchor="ctr" anchorCtr="0">
+          <a:noAutofit/>
+        </a:bodyPr>
+        <a:lstStyle/>
+        <a:p>
+          <a:pPr marL="0" lvl="0" indent="0" algn="ctr" defTabSz="1289050">
+            <a:lnSpc>
+              <a:spcPct val="90000"/>
+            </a:lnSpc>
+            <a:spcBef>
+              <a:spcPct val="0"/>
+            </a:spcBef>
+            <a:spcAft>
+              <a:spcPct val="35000"/>
+            </a:spcAft>
+            <a:buNone/>
+          </a:pPr>
+          <a:r>
+            <a:rPr lang="en-US" sz="2900" kern="1200" dirty="0"/>
+            <a:t>Many other factors can play into the area desirability(Crime, Proximity to School Systems, Appearance, </a:t>
+          </a:r>
+          <a:r>
+            <a:rPr lang="en-US" sz="2900" kern="1200" dirty="0" err="1"/>
+            <a:t>etc</a:t>
+          </a:r>
+          <a:r>
+            <a:rPr lang="en-US" sz="2900" kern="1200" dirty="0"/>
+            <a:t>)</a:t>
+          </a:r>
+        </a:p>
+      </dsp:txBody>
+      <dsp:txXfrm>
+        <a:off x="6299253" y="570834"/>
+        <a:ext cx="4425508" cy="2747791"/>
+      </dsp:txXfrm>
+    </dsp:sp>
+  </dsp:spTree>
+</dsp:drawing>
+</file>
+
+<file path=ppt/diagrams/layout1.xml><?xml version="1.0" encoding="utf-8"?>
+<dgm:layoutDef xmlns:dgm="http://schemas.openxmlformats.org/drawingml/2006/diagram" xmlns:a="http://schemas.openxmlformats.org/drawingml/2006/main" uniqueId="urn:microsoft.com/office/officeart/2005/8/layout/hierarchy1">
+  <dgm:title val=""/>
+  <dgm:desc val=""/>
+  <dgm:catLst>
+    <dgm:cat type="hierarchy" pri="2000"/>
+  </dgm:catLst>
+  <dgm:sampData>
+    <dgm:dataModel>
+      <dgm:ptLst>
+        <dgm:pt modelId="0" type="doc"/>
+        <dgm:pt modelId="1">
+          <dgm:prSet phldr="1"/>
+        </dgm:pt>
+        <dgm:pt modelId="2">
+          <dgm:prSet phldr="1"/>
+        </dgm:pt>
+        <dgm:pt modelId="21">
+          <dgm:prSet phldr="1"/>
+        </dgm:pt>
+        <dgm:pt modelId="22">
+          <dgm:prSet phldr="1"/>
+        </dgm:pt>
+        <dgm:pt modelId="3">
+          <dgm:prSet phldr="1"/>
+        </dgm:pt>
+        <dgm:pt modelId="31">
+          <dgm:prSet phldr="1"/>
+        </dgm:pt>
+      </dgm:ptLst>
+      <dgm:cxnLst>
+        <dgm:cxn modelId="4" srcId="0" destId="1" srcOrd="0" destOrd="0"/>
+        <dgm:cxn modelId="5" srcId="1" destId="2" srcOrd="0" destOrd="0"/>
+        <dgm:cxn modelId="6" srcId="1" destId="3" srcOrd="1" destOrd="0"/>
+        <dgm:cxn modelId="23" srcId="2" destId="21" srcOrd="0" destOrd="0"/>
+        <dgm:cxn modelId="24" srcId="2" destId="22" srcOrd="1" destOrd="0"/>
+        <dgm:cxn modelId="33" srcId="3" destId="31" srcOrd="0" destOrd="0"/>
+      </dgm:cxnLst>
+      <dgm:bg/>
+      <dgm:whole/>
+    </dgm:dataModel>
+  </dgm:sampData>
+  <dgm:styleData>
+    <dgm:dataModel>
+      <dgm:ptLst>
+        <dgm:pt modelId="0" type="doc"/>
+        <dgm:pt modelId="1"/>
+        <dgm:pt modelId="11"/>
+        <dgm:pt modelId="12"/>
+      </dgm:ptLst>
+      <dgm:cxnLst>
+        <dgm:cxn modelId="2" srcId="0" destId="1" srcOrd="0" destOrd="0"/>
+        <dgm:cxn modelId="13" srcId="1" destId="11" srcOrd="0" destOrd="0"/>
+        <dgm:cxn modelId="14" srcId="1" destId="12" srcOrd="1" destOrd="0"/>
+      </dgm:cxnLst>
+      <dgm:bg/>
+      <dgm:whole/>
+    </dgm:dataModel>
+  </dgm:styleData>
+  <dgm:clrData>
+    <dgm:dataModel>
+      <dgm:ptLst>
+        <dgm:pt modelId="0" type="doc"/>
+        <dgm:pt modelId="1"/>
+        <dgm:pt modelId="2"/>
+        <dgm:pt modelId="21"/>
+        <dgm:pt modelId="211"/>
+        <dgm:pt modelId="3"/>
+        <dgm:pt modelId="31"/>
+        <dgm:pt modelId="311"/>
+      </dgm:ptLst>
+      <dgm:cxnLst>
+        <dgm:cxn modelId="4" srcId="0" destId="1" srcOrd="0" destOrd="0"/>
+        <dgm:cxn modelId="5" srcId="1" destId="2" srcOrd="0" destOrd="0"/>
+        <dgm:cxn modelId="6" srcId="1" destId="3" srcOrd="1" destOrd="0"/>
+        <dgm:cxn modelId="23" srcId="2" destId="21" srcOrd="0" destOrd="0"/>
+        <dgm:cxn modelId="24" srcId="21" destId="211" srcOrd="0" destOrd="0"/>
+        <dgm:cxn modelId="33" srcId="3" destId="31" srcOrd="0" destOrd="0"/>
+        <dgm:cxn modelId="34" srcId="31" destId="311" srcOrd="0" destOrd="0"/>
+      </dgm:cxnLst>
+      <dgm:bg/>
+      <dgm:whole/>
+    </dgm:dataModel>
+  </dgm:clrData>
+  <dgm:layoutNode name="hierChild1">
+    <dgm:varLst>
+      <dgm:chPref val="1"/>
+      <dgm:dir/>
+      <dgm:animOne val="branch"/>
+      <dgm:animLvl val="lvl"/>
+      <dgm:resizeHandles/>
+    </dgm:varLst>
+    <dgm:choose name="Name0">
+      <dgm:if name="Name1" func="var" arg="dir" op="equ" val="norm">
+        <dgm:alg type="hierChild">
+          <dgm:param type="linDir" val="fromL"/>
+        </dgm:alg>
+      </dgm:if>
+      <dgm:else name="Name2">
+        <dgm:alg type="hierChild">
+          <dgm:param type="linDir" val="fromR"/>
+        </dgm:alg>
+      </dgm:else>
+    </dgm:choose>
+    <dgm:shape xmlns:r="http://schemas.openxmlformats.org/officeDocument/2006/relationships" r:blip="">
+      <dgm:adjLst/>
+    </dgm:shape>
+    <dgm:presOf/>
+    <dgm:constrLst>
+      <dgm:constr type="primFontSz" for="des" ptType="node" op="equ" val="65"/>
+      <dgm:constr type="w" for="des" forName="composite" refType="w"/>
+      <dgm:constr type="h" for="des" forName="composite" refType="w" refFor="des" refForName="composite" fact="0.667"/>
+      <dgm:constr type="w" for="des" forName="composite2" refType="w" refFor="des" refForName="composite"/>
+      <dgm:constr type="h" for="des" forName="composite2" refType="h" refFor="des" refForName="composite"/>
+      <dgm:constr type="w" for="des" forName="composite3" refType="w" refFor="des" refForName="composite"/>
+      <dgm:constr type="h" for="des" forName="composite3" refType="h" refFor="des" refForName="composite"/>
+      <dgm:constr type="w" for="des" forName="composite4" refType="w" refFor="des" refForName="composite"/>
+      <dgm:constr type="h" for="des" forName="composite4" refType="h" refFor="des" refForName="composite"/>
+      <dgm:constr type="w" for="des" forName="composite5" refType="w" refFor="des" refForName="composite"/>
+      <dgm:constr type="h" for="des" forName="composite5" refType="h" refFor="des" refForName="composite"/>
+      <dgm:constr type="sibSp" refType="w" refFor="des" refForName="composite" fact="0.1"/>
+      <dgm:constr type="sibSp" for="des" forName="hierChild2" refType="sibSp"/>
+      <dgm:constr type="sibSp" for="des" forName="hierChild3" refType="sibSp"/>
+      <dgm:constr type="sibSp" for="des" forName="hierChild4" refType="sibSp"/>
+      <dgm:constr type="sibSp" for="des" forName="hierChild5" refType="sibSp"/>
+      <dgm:constr type="sibSp" for="des" forName="hierChild6" refType="sibSp"/>
+      <dgm:constr type="sp" for="des" forName="hierRoot1" refType="h" refFor="des" refForName="composite" fact="0.25"/>
+      <dgm:constr type="sp" for="des" forName="hierRoot2" refType="sp" refFor="des" refForName="hierRoot1"/>
+      <dgm:constr type="sp" for="des" forName="hierRoot3" refType="sp" refFor="des" refForName="hierRoot1"/>
+      <dgm:constr type="sp" for="des" forName="hierRoot4" refType="sp" refFor="des" refForName="hierRoot1"/>
+      <dgm:constr type="sp" for="des" forName="hierRoot5" refType="sp" refFor="des" refForName="hierRoot1"/>
+    </dgm:constrLst>
+    <dgm:ruleLst/>
+    <dgm:forEach name="Name3" axis="ch">
+      <dgm:forEach name="Name4" axis="self" ptType="node">
+        <dgm:layoutNode name="hierRoot1">
+          <dgm:alg type="hierRoot"/>
+          <dgm:shape xmlns:r="http://schemas.openxmlformats.org/officeDocument/2006/relationships" r:blip="">
+            <dgm:adjLst/>
+          </dgm:shape>
+          <dgm:presOf/>
+          <dgm:constrLst>
+            <dgm:constr type="bendDist" for="des" ptType="parTrans" refType="sp" fact="0.5"/>
+          </dgm:constrLst>
+          <dgm:ruleLst/>
+          <dgm:layoutNode name="composite">
+            <dgm:alg type="composite"/>
+            <dgm:shape xmlns:r="http://schemas.openxmlformats.org/officeDocument/2006/relationships" r:blip="">
+              <dgm:adjLst/>
+            </dgm:shape>
+            <dgm:presOf/>
+            <dgm:constrLst>
+              <dgm:constr type="w" for="ch" forName="background" refType="w" fact="0.9"/>
+              <dgm:constr type="h" for="ch" forName="background" refType="w" refFor="ch" refForName="background" fact="0.635"/>
+              <dgm:constr type="t" for="ch" forName="background"/>
+              <dgm:constr type="l" for="ch" forName="background"/>
+              <dgm:constr type="w" for="ch" forName="text" refType="w" fact="0.9"/>
+              <dgm:constr type="h" for="ch" forName="text" refType="w" refFor="ch" refForName="text" fact="0.635"/>
+              <dgm:constr type="t" for="ch" forName="text" refType="w" fact="0.095"/>
+              <dgm:constr type="l" for="ch" forName="text" refType="w" fact="0.1"/>
+            </dgm:constrLst>
+            <dgm:ruleLst/>
+            <dgm:layoutNode name="background" styleLbl="node0" moveWith="text">
+              <dgm:alg type="sp"/>
+              <dgm:shape xmlns:r="http://schemas.openxmlformats.org/officeDocument/2006/relationships" type="roundRect" r:blip="">
+                <dgm:adjLst>
+                  <dgm:adj idx="1" val="0.1"/>
+                </dgm:adjLst>
+              </dgm:shape>
+              <dgm:presOf/>
+              <dgm:constrLst/>
+              <dgm:ruleLst/>
+            </dgm:layoutNode>
+            <dgm:layoutNode name="text" styleLbl="fgAcc0">
+              <dgm:varLst>
+                <dgm:chPref val="3"/>
+              </dgm:varLst>
+              <dgm:alg type="tx"/>
+              <dgm:shape xmlns:r="http://schemas.openxmlformats.org/officeDocument/2006/relationships" type="roundRect" r:blip="">
+                <dgm:adjLst>
+                  <dgm:adj idx="1" val="0.1"/>
+                </dgm:adjLst>
+              </dgm:shape>
+              <dgm:presOf axis="self"/>
+              <dgm:constrLst>
+                <dgm:constr type="tMarg" refType="primFontSz" fact="0.3"/>
+                <dgm:constr type="bMarg" refType="primFontSz" fact="0.3"/>
+                <dgm:constr type="lMarg" refType="primFontSz" fact="0.3"/>
+                <dgm:constr type="rMarg" refType="primFontSz" fact="0.3"/>
+              </dgm:constrLst>
+              <dgm:ruleLst>
+                <dgm:rule type="primFontSz" val="5" fact="NaN" max="NaN"/>
+              </dgm:ruleLst>
+            </dgm:layoutNode>
+          </dgm:layoutNode>
+          <dgm:layoutNode name="hierChild2">
+            <dgm:choose name="Name5">
+              <dgm:if name="Name6" func="var" arg="dir" op="equ" val="norm">
+                <dgm:alg type="hierChild">
+                  <dgm:param type="linDir" val="fromL"/>
+                </dgm:alg>
+              </dgm:if>
+              <dgm:else name="Name7">
+                <dgm:alg type="hierChild">
+                  <dgm:param type="linDir" val="fromR"/>
+                </dgm:alg>
+              </dgm:else>
+            </dgm:choose>
+            <dgm:shape xmlns:r="http://schemas.openxmlformats.org/officeDocument/2006/relationships" r:blip="">
+              <dgm:adjLst/>
+            </dgm:shape>
+            <dgm:presOf/>
+            <dgm:constrLst/>
+            <dgm:ruleLst/>
+            <dgm:forEach name="Name8" axis="ch">
+              <dgm:forEach name="Name9" axis="self" ptType="parTrans" cnt="1">
+                <dgm:layoutNode name="Name10">
+                  <dgm:alg type="conn">
+                    <dgm:param type="dim" val="1D"/>
+                    <dgm:param type="endSty" val="noArr"/>
+                    <dgm:param type="connRout" val="bend"/>
+                    <dgm:param type="bendPt" val="end"/>
+                    <dgm:param type="begPts" val="bCtr"/>
+                    <dgm:param type="endPts" val="tCtr"/>
+                    <dgm:param type="srcNode" val="background"/>
+                    <dgm:param type="dstNode" val="background2"/>
+                  </dgm:alg>
+                  <dgm:shape xmlns:r="http://schemas.openxmlformats.org/officeDocument/2006/relationships" type="conn" r:blip="" zOrderOff="-999">
+                    <dgm:adjLst/>
+                  </dgm:shape>
+                  <dgm:presOf axis="self"/>
+                  <dgm:constrLst>
+                    <dgm:constr type="begPad"/>
+                    <dgm:constr type="endPad"/>
+                  </dgm:constrLst>
+                  <dgm:ruleLst/>
+                </dgm:layoutNode>
+              </dgm:forEach>
+              <dgm:forEach name="Name11" axis="self" ptType="node">
+                <dgm:layoutNode name="hierRoot2">
+                  <dgm:alg type="hierRoot"/>
+                  <dgm:shape xmlns:r="http://schemas.openxmlformats.org/officeDocument/2006/relationships" r:blip="">
+                    <dgm:adjLst/>
+                  </dgm:shape>
+                  <dgm:presOf/>
+                  <dgm:constrLst>
+                    <dgm:constr type="bendDist" for="des" ptType="parTrans" refType="sp" fact="0.5"/>
+                  </dgm:constrLst>
+                  <dgm:ruleLst/>
+                  <dgm:layoutNode name="composite2">
+                    <dgm:alg type="composite"/>
+                    <dgm:shape xmlns:r="http://schemas.openxmlformats.org/officeDocument/2006/relationships" r:blip="">
+                      <dgm:adjLst/>
+                    </dgm:shape>
+                    <dgm:presOf/>
+                    <dgm:constrLst>
+                      <dgm:constr type="w" for="ch" forName="background2" refType="w" fact="0.9"/>
+                      <dgm:constr type="h" for="ch" forName="background2" refType="w" refFor="ch" refForName="background2" fact="0.635"/>
+                      <dgm:constr type="t" for="ch" forName="background2"/>
+                      <dgm:constr type="l" for="ch" forName="background2"/>
+                      <dgm:constr type="w" for="ch" forName="text2" refType="w" fact="0.9"/>
+                      <dgm:constr type="h" for="ch" forName="text2" refType="w" refFor="ch" refForName="text2" fact="0.635"/>
+                      <dgm:constr type="t" for="ch" forName="text2" refType="w" fact="0.095"/>
+                      <dgm:constr type="l" for="ch" forName="text2" refType="w" fact="0.1"/>
+                    </dgm:constrLst>
+                    <dgm:ruleLst/>
+                    <dgm:layoutNode name="background2" moveWith="text2">
+                      <dgm:alg type="sp"/>
+                      <dgm:shape xmlns:r="http://schemas.openxmlformats.org/officeDocument/2006/relationships" type="roundRect" r:blip="">
+                        <dgm:adjLst>
+                          <dgm:adj idx="1" val="0.1"/>
+                        </dgm:adjLst>
+                      </dgm:shape>
+                      <dgm:presOf/>
+                      <dgm:constrLst/>
+                      <dgm:ruleLst/>
+                    </dgm:layoutNode>
+                    <dgm:layoutNode name="text2" styleLbl="fgAcc2">
+                      <dgm:varLst>
+                        <dgm:chPref val="3"/>
+                      </dgm:varLst>
+                      <dgm:alg type="tx"/>
+                      <dgm:shape xmlns:r="http://schemas.openxmlformats.org/officeDocument/2006/relationships" type="roundRect" r:blip="">
+                        <dgm:adjLst>
+                          <dgm:adj idx="1" val="0.1"/>
+                        </dgm:adjLst>
+                      </dgm:shape>
+                      <dgm:presOf axis="self"/>
+                      <dgm:constrLst>
+                        <dgm:constr type="tMarg" refType="primFontSz" fact="0.3"/>
+                        <dgm:constr type="bMarg" refType="primFontSz" fact="0.3"/>
+                        <dgm:constr type="lMarg" refType="primFontSz" fact="0.3"/>
+                        <dgm:constr type="rMarg" refType="primFontSz" fact="0.3"/>
+                      </dgm:constrLst>
+                      <dgm:ruleLst>
+                        <dgm:rule type="primFontSz" val="5" fact="NaN" max="NaN"/>
+                      </dgm:ruleLst>
+                    </dgm:layoutNode>
+                  </dgm:layoutNode>
+                  <dgm:layoutNode name="hierChild3">
+                    <dgm:choose name="Name12">
+                      <dgm:if name="Name13" func="var" arg="dir" op="equ" val="norm">
+                        <dgm:alg type="hierChild">
+                          <dgm:param type="linDir" val="fromL"/>
+                        </dgm:alg>
+                      </dgm:if>
+                      <dgm:else name="Name14">
+                        <dgm:alg type="hierChild">
+                          <dgm:param type="linDir" val="fromR"/>
+                        </dgm:alg>
+                      </dgm:else>
+                    </dgm:choose>
+                    <dgm:shape xmlns:r="http://schemas.openxmlformats.org/officeDocument/2006/relationships" r:blip="">
+                      <dgm:adjLst/>
+                    </dgm:shape>
+                    <dgm:presOf/>
+                    <dgm:constrLst/>
+                    <dgm:ruleLst/>
+                    <dgm:forEach name="Name15" axis="ch">
+                      <dgm:forEach name="Name16" axis="self" ptType="parTrans" cnt="1">
+                        <dgm:layoutNode name="Name17">
+                          <dgm:alg type="conn">
+                            <dgm:param type="dim" val="1D"/>
+                            <dgm:param type="endSty" val="noArr"/>
+                            <dgm:param type="connRout" val="bend"/>
+                            <dgm:param type="bendPt" val="end"/>
+                            <dgm:param type="begPts" val="bCtr"/>
+                            <dgm:param type="endPts" val="tCtr"/>
+                            <dgm:param type="srcNode" val="background2"/>
+                            <dgm:param type="dstNode" val="background3"/>
+                          </dgm:alg>
+                          <dgm:shape xmlns:r="http://schemas.openxmlformats.org/officeDocument/2006/relationships" type="conn" r:blip="" zOrderOff="-999">
+                            <dgm:adjLst/>
+                          </dgm:shape>
+                          <dgm:presOf axis="self"/>
+                          <dgm:constrLst>
+                            <dgm:constr type="begPad"/>
+                            <dgm:constr type="endPad"/>
+                          </dgm:constrLst>
+                          <dgm:ruleLst/>
+                        </dgm:layoutNode>
+                      </dgm:forEach>
+                      <dgm:forEach name="Name18" axis="self" ptType="node">
+                        <dgm:layoutNode name="hierRoot3">
+                          <dgm:alg type="hierRoot"/>
+                          <dgm:shape xmlns:r="http://schemas.openxmlformats.org/officeDocument/2006/relationships" r:blip="">
+                            <dgm:adjLst/>
+                          </dgm:shape>
+                          <dgm:presOf/>
+                          <dgm:constrLst>
+                            <dgm:constr type="bendDist" for="des" ptType="parTrans" refType="sp" fact="0.5"/>
+                          </dgm:constrLst>
+                          <dgm:ruleLst/>
+                          <dgm:layoutNode name="composite3">
+                            <dgm:alg type="composite"/>
+                            <dgm:shape xmlns:r="http://schemas.openxmlformats.org/officeDocument/2006/relationships" r:blip="">
+                              <dgm:adjLst/>
+                            </dgm:shape>
+                            <dgm:presOf/>
+                            <dgm:constrLst>
+                              <dgm:constr type="w" for="ch" forName="background3" refType="w" fact="0.9"/>
+                              <dgm:constr type="h" for="ch" forName="background3" refType="w" refFor="ch" refForName="background3" fact="0.635"/>
+                              <dgm:constr type="t" for="ch" forName="background3"/>
+                              <dgm:constr type="l" for="ch" forName="background3"/>
+                              <dgm:constr type="w" for="ch" forName="text3" refType="w" fact="0.9"/>
+                              <dgm:constr type="h" for="ch" forName="text3" refType="w" refFor="ch" refForName="text3" fact="0.635"/>
+                              <dgm:constr type="t" for="ch" forName="text3" refType="w" fact="0.095"/>
+                              <dgm:constr type="l" for="ch" forName="text3" refType="w" fact="0.1"/>
+                            </dgm:constrLst>
+                            <dgm:ruleLst/>
+                            <dgm:layoutNode name="background3" moveWith="text3">
+                              <dgm:alg type="sp"/>
+                              <dgm:shape xmlns:r="http://schemas.openxmlformats.org/officeDocument/2006/relationships" type="roundRect" r:blip="">
+                                <dgm:adjLst>
+                                  <dgm:adj idx="1" val="0.1"/>
+                                </dgm:adjLst>
+                              </dgm:shape>
+                              <dgm:presOf/>
+                              <dgm:constrLst/>
+                              <dgm:ruleLst/>
+                            </dgm:layoutNode>
+                            <dgm:layoutNode name="text3" styleLbl="fgAcc3">
+                              <dgm:varLst>
+                                <dgm:chPref val="3"/>
+                              </dgm:varLst>
+                              <dgm:alg type="tx"/>
+                              <dgm:shape xmlns:r="http://schemas.openxmlformats.org/officeDocument/2006/relationships" type="roundRect" r:blip="">
+                                <dgm:adjLst>
+                                  <dgm:adj idx="1" val="0.1"/>
+                                </dgm:adjLst>
+                              </dgm:shape>
+                              <dgm:presOf axis="self"/>
+                              <dgm:constrLst>
+                                <dgm:constr type="tMarg" refType="primFontSz" fact="0.3"/>
+                                <dgm:constr type="bMarg" refType="primFontSz" fact="0.3"/>
+                                <dgm:constr type="lMarg" refType="primFontSz" fact="0.3"/>
+                                <dgm:constr type="rMarg" refType="primFontSz" fact="0.3"/>
+                              </dgm:constrLst>
+                              <dgm:ruleLst>
+                                <dgm:rule type="primFontSz" val="5" fact="NaN" max="NaN"/>
+                              </dgm:ruleLst>
+                            </dgm:layoutNode>
+                          </dgm:layoutNode>
+                          <dgm:layoutNode name="hierChild4">
+                            <dgm:choose name="Name19">
+                              <dgm:if name="Name20" func="var" arg="dir" op="equ" val="norm">
+                                <dgm:alg type="hierChild">
+                                  <dgm:param type="linDir" val="fromL"/>
+                                </dgm:alg>
+                              </dgm:if>
+                              <dgm:else name="Name21">
+                                <dgm:alg type="hierChild">
+                                  <dgm:param type="linDir" val="fromR"/>
+                                </dgm:alg>
+                              </dgm:else>
+                            </dgm:choose>
+                            <dgm:shape xmlns:r="http://schemas.openxmlformats.org/officeDocument/2006/relationships" r:blip="">
+                              <dgm:adjLst/>
+                            </dgm:shape>
+                            <dgm:presOf/>
+                            <dgm:constrLst/>
+                            <dgm:ruleLst/>
+                            <dgm:forEach name="repeat" axis="ch">
+                              <dgm:forEach name="Name22" axis="self" ptType="parTrans" cnt="1">
+                                <dgm:layoutNode name="Name23">
+                                  <dgm:choose name="Name24">
+                                    <dgm:if name="Name25" axis="self" func="depth" op="lte" val="4">
+                                      <dgm:alg type="conn">
+                                        <dgm:param type="dim" val="1D"/>
+                                        <dgm:param type="endSty" val="noArr"/>
+                                        <dgm:param type="connRout" val="bend"/>
+                                        <dgm:param type="bendPt" val="end"/>
+                                        <dgm:param type="begPts" val="bCtr"/>
+                                        <dgm:param type="endPts" val="tCtr"/>
+                                        <dgm:param type="srcNode" val="background3"/>
+                                        <dgm:param type="dstNode" val="background4"/>
+                                      </dgm:alg>
+                                    </dgm:if>
+                                    <dgm:else name="Name26">
+                                      <dgm:alg type="conn">
+                                        <dgm:param type="dim" val="1D"/>
+                                        <dgm:param type="endSty" val="noArr"/>
+                                        <dgm:param type="connRout" val="bend"/>
+                                        <dgm:param type="bendPt" val="end"/>
+                                        <dgm:param type="begPts" val="bCtr"/>
+                                        <dgm:param type="endPts" val="tCtr"/>
+                                        <dgm:param type="srcNode" val="background4"/>
+                                        <dgm:param type="dstNode" val="background4"/>
+                                      </dgm:alg>
+                                    </dgm:else>
+                                  </dgm:choose>
+                                  <dgm:shape xmlns:r="http://schemas.openxmlformats.org/officeDocument/2006/relationships" type="conn" r:blip="" zOrderOff="-999">
+                                    <dgm:adjLst/>
+                                  </dgm:shape>
+                                  <dgm:presOf axis="self"/>
+                                  <dgm:constrLst>
+                                    <dgm:constr type="begPad"/>
+                                    <dgm:constr type="endPad"/>
+                                  </dgm:constrLst>
+                                  <dgm:ruleLst/>
+                                </dgm:layoutNode>
+                              </dgm:forEach>
+                              <dgm:forEach name="Name27" axis="self" ptType="node">
+                                <dgm:layoutNode name="hierRoot4">
+                                  <dgm:alg type="hierRoot"/>
+                                  <dgm:shape xmlns:r="http://schemas.openxmlformats.org/officeDocument/2006/relationships" r:blip="">
+                                    <dgm:adjLst/>
+                                  </dgm:shape>
+                                  <dgm:presOf/>
+                                  <dgm:constrLst>
+                                    <dgm:constr type="bendDist" for="des" ptType="parTrans" refType="sp" fact="0.5"/>
+                                  </dgm:constrLst>
+                                  <dgm:ruleLst/>
+                                  <dgm:layoutNode name="composite4">
+                                    <dgm:alg type="composite"/>
+                                    <dgm:shape xmlns:r="http://schemas.openxmlformats.org/officeDocument/2006/relationships" r:blip="">
+                                      <dgm:adjLst/>
+                                    </dgm:shape>
+                                    <dgm:presOf/>
+                                    <dgm:constrLst>
+                                      <dgm:constr type="w" for="ch" forName="background4" refType="w" fact="0.9"/>
+                                      <dgm:constr type="h" for="ch" forName="background4" refType="w" refFor="ch" refForName="background4" fact="0.635"/>
+                                      <dgm:constr type="t" for="ch" forName="background4"/>
+                                      <dgm:constr type="l" for="ch" forName="background4"/>
+                                      <dgm:constr type="w" for="ch" forName="text4" refType="w" fact="0.9"/>
+                                      <dgm:constr type="h" for="ch" forName="text4" refType="w" refFor="ch" refForName="text4" fact="0.635"/>
+                                      <dgm:constr type="t" for="ch" forName="text4" refType="w" fact="0.095"/>
+                                      <dgm:constr type="l" for="ch" forName="text4" refType="w" fact="0.1"/>
+                                    </dgm:constrLst>
+                                    <dgm:ruleLst/>
+                                    <dgm:layoutNode name="background4" moveWith="text4">
+                                      <dgm:alg type="sp"/>
+                                      <dgm:shape xmlns:r="http://schemas.openxmlformats.org/officeDocument/2006/relationships" type="roundRect" r:blip="">
+                                        <dgm:adjLst>
+                                          <dgm:adj idx="1" val="0.1"/>
+                                        </dgm:adjLst>
+                                      </dgm:shape>
+                                      <dgm:presOf/>
+                                      <dgm:constrLst/>
+                                      <dgm:ruleLst/>
+                                    </dgm:layoutNode>
+                                    <dgm:layoutNode name="text4" styleLbl="fgAcc4">
+                                      <dgm:varLst>
+                                        <dgm:chPref val="3"/>
+                                      </dgm:varLst>
+                                      <dgm:alg type="tx"/>
+                                      <dgm:shape xmlns:r="http://schemas.openxmlformats.org/officeDocument/2006/relationships" type="roundRect" r:blip="">
+                                        <dgm:adjLst>
+                                          <dgm:adj idx="1" val="0.1"/>
+                                        </dgm:adjLst>
+                                      </dgm:shape>
+                                      <dgm:presOf axis="self"/>
+                                      <dgm:constrLst>
+                                        <dgm:constr type="tMarg" refType="primFontSz" fact="0.3"/>
+                                        <dgm:constr type="bMarg" refType="primFontSz" fact="0.3"/>
+                                        <dgm:constr type="lMarg" refType="primFontSz" fact="0.3"/>
+                                        <dgm:constr type="rMarg" refType="primFontSz" fact="0.3"/>
+                                      </dgm:constrLst>
+                                      <dgm:ruleLst>
+                                        <dgm:rule type="primFontSz" val="5" fact="NaN" max="NaN"/>
+                                      </dgm:ruleLst>
+                                    </dgm:layoutNode>
+                                  </dgm:layoutNode>
+                                  <dgm:layoutNode name="hierChild5">
+                                    <dgm:choose name="Name28">
+                                      <dgm:if name="Name29" func="var" arg="dir" op="equ" val="norm">
+                                        <dgm:alg type="hierChild">
+                                          <dgm:param type="linDir" val="fromL"/>
+                                        </dgm:alg>
+                                      </dgm:if>
+                                      <dgm:else name="Name30">
+                                        <dgm:alg type="hierChild">
+                                          <dgm:param type="linDir" val="fromR"/>
+                                        </dgm:alg>
+                                      </dgm:else>
+                                    </dgm:choose>
+                                    <dgm:shape xmlns:r="http://schemas.openxmlformats.org/officeDocument/2006/relationships" r:blip="">
+                                      <dgm:adjLst/>
+                                    </dgm:shape>
+                                    <dgm:presOf/>
+                                    <dgm:constrLst/>
+                                    <dgm:ruleLst/>
+                                    <dgm:forEach name="Name31" ref="repeat"/>
+                                  </dgm:layoutNode>
+                                </dgm:layoutNode>
+                              </dgm:forEach>
+                            </dgm:forEach>
+                          </dgm:layoutNode>
+                        </dgm:layoutNode>
+                      </dgm:forEach>
+                    </dgm:forEach>
+                  </dgm:layoutNode>
+                </dgm:layoutNode>
+              </dgm:forEach>
+            </dgm:forEach>
+          </dgm:layoutNode>
+        </dgm:layoutNode>
+      </dgm:forEach>
+    </dgm:forEach>
+  </dgm:layoutNode>
+</dgm:layoutDef>
+</file>
+
+<file path=ppt/diagrams/quickStyle1.xml><?xml version="1.0" encoding="utf-8"?>
+<dgm:styleDef xmlns:dgm="http://schemas.openxmlformats.org/drawingml/2006/diagram" xmlns:a="http://schemas.openxmlformats.org/drawingml/2006/main" uniqueId="urn:microsoft.com/office/officeart/2005/8/quickstyle/simple1">
+  <dgm:title val=""/>
+  <dgm:desc val=""/>
+  <dgm:catLst>
+    <dgm:cat type="simple" pri="10100"/>
+  </dgm:catLst>
+  <dgm:scene3d>
+    <a:camera prst="orthographicFront"/>
+    <a:lightRig rig="threePt" dir="t"/>
+  </dgm:scene3d>
+  <dgm:styleLbl name="node0">
+    <dgm:scene3d>
+      <a:camera prst="orthographicFront"/>
+      <a:lightRig rig="threePt" dir="t"/>
+    </dgm:scene3d>
+    <dgm:sp3d/>
+    <dgm:txPr/>
+    <dgm:style>
+      <a:lnRef idx="2">
+        <a:scrgbClr r="0" g="0" b="0"/>
+      </a:lnRef>
+      <a:fillRef idx="1">
+        <a:scrgbClr r="0" g="0" b="0"/>
+      </a:fillRef>
+      <a:effectRef idx="0">
+        <a:scrgbClr r="0" g="0" b="0"/>
+      </a:effectRef>
+      <a:fontRef idx="minor">
+        <a:schemeClr val="lt1"/>
+      </a:fontRef>
+    </dgm:style>
+  </dgm:styleLbl>
+  <dgm:styleLbl name="lnNode1">
+    <dgm:scene3d>
+      <a:camera prst="orthographicFront"/>
+      <a:lightRig rig="threePt" dir="t"/>
+    </dgm:scene3d>
+    <dgm:sp3d/>
+    <dgm:txPr/>
+    <dgm:style>
+      <a:lnRef idx="2">
+        <a:scrgbClr r="0" g="0" b="0"/>
+      </a:lnRef>
+      <a:fillRef idx="1">
+        <a:scrgbClr r="0" g="0" b="0"/>
+      </a:fillRef>
+      <a:effectRef idx="0">
+        <a:scrgbClr r="0" g="0" b="0"/>
+      </a:effectRef>
+      <a:fontRef idx="minor">
+        <a:schemeClr val="lt1"/>
+      </a:fontRef>
+    </dgm:style>
+  </dgm:styleLbl>
+  <dgm:styleLbl name="vennNode1">
+    <dgm:scene3d>
+      <a:camera prst="orthographicFront"/>
+      <a:lightRig rig="threePt" dir="t"/>
+    </dgm:scene3d>
+    <dgm:sp3d/>
+    <dgm:txPr/>
+    <dgm:style>
+      <a:lnRef idx="2">
+        <a:scrgbClr r="0" g="0" b="0"/>
+      </a:lnRef>
+      <a:fillRef idx="1">
+        <a:scrgbClr r="0" g="0" b="0"/>
+      </a:fillRef>
+      <a:effectRef idx="0">
+        <a:scrgbClr r="0" g="0" b="0"/>
+      </a:effectRef>
+      <a:fontRef idx="minor">
+        <a:schemeClr val="tx1"/>
+      </a:fontRef>
+    </dgm:style>
+  </dgm:styleLbl>
+  <dgm:styleLbl name="alignNode1">
+    <dgm:scene3d>
+      <a:camera prst="orthographicFront"/>
+      <a:lightRig rig="threePt" dir="t"/>
+    </dgm:scene3d>
+    <dgm:sp3d/>
+    <dgm:txPr/>
+    <dgm:style>
+      <a:lnRef idx="2">
+        <a:scrgbClr r="0" g="0" b="0"/>
+      </a:lnRef>
+      <a:fillRef idx="1">
+        <a:scrgbClr r="0" g="0" b="0"/>
+      </a:fillRef>
+      <a:effectRef idx="0">
+        <a:scrgbClr r="0" g="0" b="0"/>
+      </a:effectRef>
+      <a:fontRef idx="minor">
+        <a:schemeClr val="lt1"/>
+      </a:fontRef>
+    </dgm:style>
+  </dgm:styleLbl>
+  <dgm:styleLbl name="node1">
+    <dgm:scene3d>
+      <a:camera prst="orthographicFront"/>
+      <a:lightRig rig="threePt" dir="t"/>
+    </dgm:scene3d>
+    <dgm:sp3d/>
+    <dgm:txPr/>
+    <dgm:style>
+      <a:lnRef idx="2">
+        <a:scrgbClr r="0" g="0" b="0"/>
+      </a:lnRef>
+      <a:fillRef idx="1">
+        <a:scrgbClr r="0" g="0" b="0"/>
+      </a:fillRef>
+      <a:effectRef idx="0">
+        <a:scrgbClr r="0" g="0" b="0"/>
+      </a:effectRef>
+      <a:fontRef idx="minor">
+        <a:schemeClr val="lt1"/>
+      </a:fontRef>
+    </dgm:style>
+  </dgm:styleLbl>
+  <dgm:styleLbl name="node2">
+    <dgm:scene3d>
+      <a:camera prst="orthographicFront"/>
+      <a:lightRig rig="threePt" dir="t"/>
+    </dgm:scene3d>
+    <dgm:sp3d/>
+    <dgm:txPr/>
+    <dgm:style>
+      <a:lnRef idx="2">
+        <a:scrgbClr r="0" g="0" b="0"/>
+      </a:lnRef>
+      <a:fillRef idx="1">
+        <a:scrgbClr r="0" g="0" b="0"/>
+      </a:fillRef>
+      <a:effectRef idx="0">
+        <a:scrgbClr r="0" g="0" b="0"/>
+      </a:effectRef>
+      <a:fontRef idx="minor">
+        <a:schemeClr val="lt1"/>
+      </a:fontRef>
+    </dgm:style>
+  </dgm:styleLbl>
+  <dgm:styleLbl name="node3">
+    <dgm:scene3d>
+      <a:camera prst="orthographicFront"/>
+      <a:lightRig rig="threePt" dir="t"/>
+    </dgm:scene3d>
+    <dgm:sp3d/>
+    <dgm:txPr/>
+    <dgm:style>
+      <a:lnRef idx="2">
+        <a:scrgbClr r="0" g="0" b="0"/>
+      </a:lnRef>
+      <a:fillRef idx="1">
+        <a:scrgbClr r="0" g="0" b="0"/>
+      </a:fillRef>
+      <a:effectRef idx="0">
+        <a:scrgbClr r="0" g="0" b="0"/>
+      </a:effectRef>
+      <a:fontRef idx="minor">
+        <a:schemeClr val="lt1"/>
+      </a:fontRef>
+    </dgm:style>
+  </dgm:styleLbl>
+  <dgm:styleLbl name="node4">
+    <dgm:scene3d>
+      <a:camera prst="orthographicFront"/>
+      <a:lightRig rig="threePt" dir="t"/>
+    </dgm:scene3d>
+    <dgm:sp3d/>
+    <dgm:txPr/>
+    <dgm:style>
+      <a:lnRef idx="2">
+        <a:scrgbClr r="0" g="0" b="0"/>
+      </a:lnRef>
+      <a:fillRef idx="1">
+        <a:scrgbClr r="0" g="0" b="0"/>
+      </a:fillRef>
+      <a:effectRef idx="0">
+        <a:scrgbClr r="0" g="0" b="0"/>
+      </a:effectRef>
+      <a:fontRef idx="minor">
+        <a:schemeClr val="lt1"/>
+      </a:fontRef>
+    </dgm:style>
+  </dgm:styleLbl>
+  <dgm:styleLbl name="fgImgPlace1">
+    <dgm:scene3d>
+      <a:camera prst="orthographicFront"/>
+      <a:lightRig rig="threePt" dir="t"/>
+    </dgm:scene3d>
+    <dgm:sp3d/>
+    <dgm:txPr/>
+    <dgm:style>
+      <a:lnRef idx="2">
+        <a:scrgbClr r="0" g="0" b="0"/>
+      </a:lnRef>
+      <a:fillRef idx="1">
+        <a:scrgbClr r="0" g="0" b="0"/>
+      </a:fillRef>
+      <a:effectRef idx="0">
+        <a:scrgbClr r="0" g="0" b="0"/>
+      </a:effectRef>
+      <a:fontRef idx="minor"/>
+    </dgm:style>
+  </dgm:styleLbl>
+  <dgm:styleLbl name="alignImgPlace1">
+    <dgm:scene3d>
+      <a:camera prst="orthographicFront"/>
+      <a:lightRig rig="threePt" dir="t"/>
+    </dgm:scene3d>
+    <dgm:sp3d/>
+    <dgm:txPr/>
+    <dgm:style>
+      <a:lnRef idx="2">
+        <a:scrgbClr r="0" g="0" b="0"/>
+      </a:lnRef>
+      <a:fillRef idx="1">
+        <a:scrgbClr r="0" g="0" b="0"/>
+      </a:fillRef>
+      <a:effectRef idx="0">
+        <a:scrgbClr r="0" g="0" b="0"/>
+      </a:effectRef>
+      <a:fontRef idx="minor"/>
+    </dgm:style>
+  </dgm:styleLbl>
+  <dgm:styleLbl name="bgImgPlace1">
+    <dgm:scene3d>
+      <a:camera prst="orthographicFront"/>
+      <a:lightRig rig="threePt" dir="t"/>
+    </dgm:scene3d>
+    <dgm:sp3d/>
+    <dgm:txPr/>
+    <dgm:style>
+      <a:lnRef idx="2">
+        <a:scrgbClr r="0" g="0" b="0"/>
+      </a:lnRef>
+      <a:fillRef idx="1">
+        <a:scrgbClr r="0" g="0" b="0"/>
+      </a:fillRef>
+      <a:effectRef idx="0">
+        <a:scrgbClr r="0" g="0" b="0"/>
+      </a:effectRef>
+      <a:fontRef idx="minor"/>
+    </dgm:style>
+  </dgm:styleLbl>
+  <dgm:styleLbl name="sibTrans2D1">
+    <dgm:scene3d>
+      <a:camera prst="orthographicFront"/>
+      <a:lightRig rig="threePt" dir="t"/>
+    </dgm:scene3d>
+    <dgm:sp3d/>
+    <dgm:txPr/>
+    <dgm:style>
+      <a:lnRef idx="0">
+        <a:scrgbClr r="0" g="0" b="0"/>
+      </a:lnRef>
+      <a:fillRef idx="1">
+        <a:scrgbClr r="0" g="0" b="0"/>
+      </a:fillRef>
+      <a:effectRef idx="0">
+        <a:scrgbClr r="0" g="0" b="0"/>
+      </a:effectRef>
+      <a:fontRef idx="minor">
+        <a:schemeClr val="lt1"/>
+      </a:fontRef>
+    </dgm:style>
+  </dgm:styleLbl>
+  <dgm:styleLbl name="fgSibTrans2D1">
+    <dgm:scene3d>
+      <a:camera prst="orthographicFront"/>
+      <a:lightRig rig="threePt" dir="t"/>
+    </dgm:scene3d>
+    <dgm:sp3d/>
+    <dgm:txPr/>
+    <dgm:style>
+      <a:lnRef idx="0">
+        <a:scrgbClr r="0" g="0" b="0"/>
+      </a:lnRef>
+      <a:fillRef idx="1">
+        <a:scrgbClr r="0" g="0" b="0"/>
+      </a:fillRef>
+      <a:effectRef idx="0">
+        <a:scrgbClr r="0" g="0" b="0"/>
+      </a:effectRef>
+      <a:fontRef idx="minor">
+        <a:schemeClr val="lt1"/>
+      </a:fontRef>
+    </dgm:style>
+  </dgm:styleLbl>
+  <dgm:styleLbl name="bgSibTrans2D1">
+    <dgm:scene3d>
+      <a:camera prst="orthographicFront"/>
+      <a:lightRig rig="threePt" dir="t"/>
+    </dgm:scene3d>
+    <dgm:sp3d/>
+    <dgm:txPr/>
+    <dgm:style>
+      <a:lnRef idx="0">
+        <a:scrgbClr r="0" g="0" b="0"/>
+      </a:lnRef>
+      <a:fillRef idx="1">
+        <a:scrgbClr r="0" g="0" b="0"/>
+      </a:fillRef>
+      <a:effectRef idx="0">
+        <a:scrgbClr r="0" g="0" b="0"/>
+      </a:effectRef>
+      <a:fontRef idx="minor">
+        <a:schemeClr val="lt1"/>
+      </a:fontRef>
+    </dgm:style>
+  </dgm:styleLbl>
+  <dgm:styleLbl name="sibTrans1D1">
+    <dgm:scene3d>
+      <a:camera prst="orthographicFront"/>
+      <a:lightRig rig="threePt" dir="t"/>
+    </dgm:scene3d>
+    <dgm:sp3d/>
+    <dgm:txPr/>
+    <dgm:style>
+      <a:lnRef idx="1">
+        <a:scrgbClr r="0" g="0" b="0"/>
+      </a:lnRef>
+      <a:fillRef idx="0">
+        <a:scrgbClr r="0" g="0" b="0"/>
+      </a:fillRef>
+      <a:effectRef idx="0">
+        <a:scrgbClr r="0" g="0" b="0"/>
+      </a:effectRef>
+      <a:fontRef idx="minor"/>
+    </dgm:style>
+  </dgm:styleLbl>
+  <dgm:styleLbl name="callout">
+    <dgm:scene3d>
+      <a:camera prst="orthographicFront"/>
+      <a:lightRig rig="threePt" dir="t"/>
+    </dgm:scene3d>
+    <dgm:sp3d/>
+    <dgm:txPr/>
+    <dgm:style>
+      <a:lnRef idx="2">
+        <a:scrgbClr r="0" g="0" b="0"/>
+      </a:lnRef>
+      <a:fillRef idx="1">
+        <a:scrgbClr r="0" g="0" b="0"/>
+      </a:fillRef>
+      <a:effectRef idx="0">
+        <a:scrgbClr r="0" g="0" b="0"/>
+      </a:effectRef>
+      <a:fontRef idx="minor"/>
+    </dgm:style>
+  </dgm:styleLbl>
+  <dgm:styleLbl name="asst0">
+    <dgm:scene3d>
+      <a:camera prst="orthographicFront"/>
+      <a:lightRig rig="threePt" dir="t"/>
+    </dgm:scene3d>
+    <dgm:sp3d/>
+    <dgm:txPr/>
+    <dgm:style>
+      <a:lnRef idx="2">
+        <a:scrgbClr r="0" g="0" b="0"/>
+      </a:lnRef>
+      <a:fillRef idx="1">
+        <a:scrgbClr r="0" g="0" b="0"/>
+      </a:fillRef>
+      <a:effectRef idx="0">
+        <a:scrgbClr r="0" g="0" b="0"/>
+      </a:effectRef>
+      <a:fontRef idx="minor">
+        <a:schemeClr val="lt1"/>
+      </a:fontRef>
+    </dgm:style>
+  </dgm:styleLbl>
+  <dgm:styleLbl name="asst1">
+    <dgm:scene3d>
+      <a:camera prst="orthographicFront"/>
+      <a:lightRig rig="threePt" dir="t"/>
+    </dgm:scene3d>
+    <dgm:sp3d/>
+    <dgm:txPr/>
+    <dgm:style>
+      <a:lnRef idx="2">
+        <a:scrgbClr r="0" g="0" b="0"/>
+      </a:lnRef>
+      <a:fillRef idx="1">
+        <a:scrgbClr r="0" g="0" b="0"/>
+      </a:fillRef>
+      <a:effectRef idx="0">
+        <a:scrgbClr r="0" g="0" b="0"/>
+      </a:effectRef>
+      <a:fontRef idx="minor">
+        <a:schemeClr val="lt1"/>
+      </a:fontRef>
+    </dgm:style>
+  </dgm:styleLbl>
+  <dgm:styleLbl name="asst2">
+    <dgm:scene3d>
+      <a:camera prst="orthographicFront"/>
+      <a:lightRig rig="threePt" dir="t"/>
+    </dgm:scene3d>
+    <dgm:sp3d/>
+    <dgm:txPr/>
+    <dgm:style>
+      <a:lnRef idx="2">
+        <a:scrgbClr r="0" g="0" b="0"/>
+      </a:lnRef>
+      <a:fillRef idx="1">
+        <a:scrgbClr r="0" g="0" b="0"/>
+      </a:fillRef>
+      <a:effectRef idx="0">
+        <a:scrgbClr r="0" g="0" b="0"/>
+      </a:effectRef>
+      <a:fontRef idx="minor">
+        <a:schemeClr val="lt1"/>
+      </a:fontRef>
+    </dgm:style>
+  </dgm:styleLbl>
+  <dgm:styleLbl name="asst3">
+    <dgm:scene3d>
+      <a:camera prst="orthographicFront"/>
+      <a:lightRig rig="threePt" dir="t"/>
+    </dgm:scene3d>
+    <dgm:sp3d/>
+    <dgm:txPr/>
+    <dgm:style>
+      <a:lnRef idx="2">
+        <a:scrgbClr r="0" g="0" b="0"/>
+      </a:lnRef>
+      <a:fillRef idx="1">
+        <a:scrgbClr r="0" g="0" b="0"/>
+      </a:fillRef>
+      <a:effectRef idx="0">
+        <a:scrgbClr r="0" g="0" b="0"/>
+      </a:effectRef>
+      <a:fontRef idx="minor">
+        <a:schemeClr val="lt1"/>
+      </a:fontRef>
+    </dgm:style>
+  </dgm:styleLbl>
+  <dgm:styleLbl name="asst4">
+    <dgm:scene3d>
+      <a:camera prst="orthographicFront"/>
+      <a:lightRig rig="threePt" dir="t"/>
+    </dgm:scene3d>
+    <dgm:sp3d/>
+    <dgm:txPr/>
+    <dgm:style>
+      <a:lnRef idx="2">
+        <a:scrgbClr r="0" g="0" b="0"/>
+      </a:lnRef>
+      <a:fillRef idx="1">
+        <a:scrgbClr r="0" g="0" b="0"/>
+      </a:fillRef>
+      <a:effectRef idx="0">
+        <a:scrgbClr r="0" g="0" b="0"/>
+      </a:effectRef>
+      <a:fontRef idx="minor">
+        <a:schemeClr val="lt1"/>
+      </a:fontRef>
+    </dgm:style>
+  </dgm:styleLbl>
+  <dgm:styleLbl name="parChTrans2D1">
+    <dgm:scene3d>
+      <a:camera prst="orthographicFront"/>
+      <a:lightRig rig="threePt" dir="t"/>
+    </dgm:scene3d>
+    <dgm:sp3d/>
+    <dgm:txPr/>
+    <dgm:style>
+      <a:lnRef idx="2">
+        <a:scrgbClr r="0" g="0" b="0"/>
+      </a:lnRef>
+      <a:fillRef idx="1">
+        <a:scrgbClr r="0" g="0" b="0"/>
+      </a:fillRef>
+      <a:effectRef idx="0">
+        <a:scrgbClr r="0" g="0" b="0"/>
+      </a:effectRef>
+      <a:fontRef idx="minor">
+        <a:schemeClr val="lt1"/>
+      </a:fontRef>
+    </dgm:style>
+  </dgm:styleLbl>
+  <dgm:styleLbl name="parChTrans2D2">
+    <dgm:scene3d>
+      <a:camera prst="orthographicFront"/>
+      <a:lightRig rig="threePt" dir="t"/>
+    </dgm:scene3d>
+    <dgm:sp3d/>
+    <dgm:txPr/>
+    <dgm:style>
+      <a:lnRef idx="2">
+        <a:scrgbClr r="0" g="0" b="0"/>
+      </a:lnRef>
+      <a:fillRef idx="1">
+        <a:scrgbClr r="0" g="0" b="0"/>
+      </a:fillRef>
+      <a:effectRef idx="0">
+        <a:scrgbClr r="0" g="0" b="0"/>
+      </a:effectRef>
+      <a:fontRef idx="minor">
+        <a:schemeClr val="lt1"/>
+      </a:fontRef>
+    </dgm:style>
+  </dgm:styleLbl>
+  <dgm:styleLbl name="parChTrans2D3">
+    <dgm:scene3d>
+      <a:camera prst="orthographicFront"/>
+      <a:lightRig rig="threePt" dir="t"/>
+    </dgm:scene3d>
+    <dgm:sp3d/>
+    <dgm:txPr/>
+    <dgm:style>
+      <a:lnRef idx="2">
+        <a:scrgbClr r="0" g="0" b="0"/>
+      </a:lnRef>
+      <a:fillRef idx="1">
+        <a:scrgbClr r="0" g="0" b="0"/>
+      </a:fillRef>
+      <a:effectRef idx="0">
+        <a:scrgbClr r="0" g="0" b="0"/>
+      </a:effectRef>
+      <a:fontRef idx="minor">
+        <a:schemeClr val="lt1"/>
+      </a:fontRef>
+    </dgm:style>
+  </dgm:styleLbl>
+  <dgm:styleLbl name="parChTrans2D4">
+    <dgm:scene3d>
+      <a:camera prst="orthographicFront"/>
+      <a:lightRig rig="threePt" dir="t"/>
+    </dgm:scene3d>
+    <dgm:sp3d/>
+    <dgm:txPr/>
+    <dgm:style>
+      <a:lnRef idx="2">
+        <a:scrgbClr r="0" g="0" b="0"/>
+      </a:lnRef>
+      <a:fillRef idx="1">
+        <a:scrgbClr r="0" g="0" b="0"/>
+      </a:fillRef>
+      <a:effectRef idx="0">
+        <a:scrgbClr r="0" g="0" b="0"/>
+      </a:effectRef>
+      <a:fontRef idx="minor">
+        <a:schemeClr val="lt1"/>
+      </a:fontRef>
+    </dgm:style>
+  </dgm:styleLbl>
+  <dgm:styleLbl name="parChTrans1D1">
+    <dgm:scene3d>
+      <a:camera prst="orthographicFront"/>
+      <a:lightRig rig="threePt" dir="t"/>
+    </dgm:scene3d>
+    <dgm:sp3d/>
+    <dgm:txPr/>
+    <dgm:style>
+      <a:lnRef idx="2">
+        <a:scrgbClr r="0" g="0" b="0"/>
+      </a:lnRef>
+      <a:fillRef idx="0">
+        <a:scrgbClr r="0" g="0" b="0"/>
+      </a:fillRef>
+      <a:effectRef idx="0">
+        <a:scrgbClr r="0" g="0" b="0"/>
+      </a:effectRef>
+      <a:fontRef idx="minor"/>
+    </dgm:style>
+  </dgm:styleLbl>
+  <dgm:styleLbl name="parChTrans1D2">
+    <dgm:scene3d>
+      <a:camera prst="orthographicFront"/>
+      <a:lightRig rig="threePt" dir="t"/>
+    </dgm:scene3d>
+    <dgm:sp3d/>
+    <dgm:txPr/>
+    <dgm:style>
+      <a:lnRef idx="2">
+        <a:scrgbClr r="0" g="0" b="0"/>
+      </a:lnRef>
+      <a:fillRef idx="0">
+        <a:scrgbClr r="0" g="0" b="0"/>
+      </a:fillRef>
+      <a:effectRef idx="0">
+        <a:scrgbClr r="0" g="0" b="0"/>
+      </a:effectRef>
+      <a:fontRef idx="minor"/>
+    </dgm:style>
+  </dgm:styleLbl>
+  <dgm:styleLbl name="parChTrans1D3">
+    <dgm:scene3d>
+      <a:camera prst="orthographicFront"/>
+      <a:lightRig rig="threePt" dir="t"/>
+    </dgm:scene3d>
+    <dgm:sp3d/>
+    <dgm:txPr/>
+    <dgm:style>
+      <a:lnRef idx="2">
+        <a:scrgbClr r="0" g="0" b="0"/>
+      </a:lnRef>
+      <a:fillRef idx="0">
+        <a:scrgbClr r="0" g="0" b="0"/>
+      </a:fillRef>
+      <a:effectRef idx="0">
+        <a:scrgbClr r="0" g="0" b="0"/>
+      </a:effectRef>
+      <a:fontRef idx="minor"/>
+    </dgm:style>
+  </dgm:styleLbl>
+  <dgm:styleLbl name="parChTrans1D4">
+    <dgm:scene3d>
+      <a:camera prst="orthographicFront"/>
+      <a:lightRig rig="threePt" dir="t"/>
+    </dgm:scene3d>
+    <dgm:sp3d/>
+    <dgm:txPr/>
+    <dgm:style>
+      <a:lnRef idx="2">
+        <a:scrgbClr r="0" g="0" b="0"/>
+      </a:lnRef>
+      <a:fillRef idx="0">
+        <a:scrgbClr r="0" g="0" b="0"/>
+      </a:fillRef>
+      <a:effectRef idx="0">
+        <a:scrgbClr r="0" g="0" b="0"/>
+      </a:effectRef>
+      <a:fontRef idx="minor"/>
+    </dgm:style>
+  </dgm:styleLbl>
+  <dgm:styleLbl name="fgAcc1">
+    <dgm:scene3d>
+      <a:camera prst="orthographicFront"/>
+      <a:lightRig rig="threePt" dir="t"/>
+    </dgm:scene3d>
+    <dgm:sp3d/>
+    <dgm:txPr/>
+    <dgm:style>
+      <a:lnRef idx="2">
+        <a:scrgbClr r="0" g="0" b="0"/>
+      </a:lnRef>
+      <a:fillRef idx="1">
+        <a:scrgbClr r="0" g="0" b="0"/>
+      </a:fillRef>
+      <a:effectRef idx="0">
+        <a:scrgbClr r="0" g="0" b="0"/>
+      </a:effectRef>
+      <a:fontRef idx="minor"/>
+    </dgm:style>
+  </dgm:styleLbl>
+  <dgm:styleLbl name="conFgAcc1">
+    <dgm:scene3d>
+      <a:camera prst="orthographicFront"/>
+      <a:lightRig rig="threePt" dir="t"/>
+    </dgm:scene3d>
+    <dgm:sp3d/>
+    <dgm:txPr/>
+    <dgm:style>
+      <a:lnRef idx="2">
+        <a:scrgbClr r="0" g="0" b="0"/>
+      </a:lnRef>
+      <a:fillRef idx="1">
+        <a:scrgbClr r="0" g="0" b="0"/>
+      </a:fillRef>
+      <a:effectRef idx="0">
+        <a:scrgbClr r="0" g="0" b="0"/>
+      </a:effectRef>
+      <a:fontRef idx="minor"/>
+    </dgm:style>
+  </dgm:styleLbl>
+  <dgm:styleLbl name="alignAcc1">
+    <dgm:scene3d>
+      <a:camera prst="orthographicFront"/>
+      <a:lightRig rig="threePt" dir="t"/>
+    </dgm:scene3d>
+    <dgm:sp3d/>
+    <dgm:txPr/>
+    <dgm:style>
+      <a:lnRef idx="2">
+        <a:scrgbClr r="0" g="0" b="0"/>
+      </a:lnRef>
+      <a:fillRef idx="1">
+        <a:scrgbClr r="0" g="0" b="0"/>
+      </a:fillRef>
+      <a:effectRef idx="0">
+        <a:scrgbClr r="0" g="0" b="0"/>
+      </a:effectRef>
+      <a:fontRef idx="minor"/>
+    </dgm:style>
+  </dgm:styleLbl>
+  <dgm:styleLbl name="trAlignAcc1">
+    <dgm:scene3d>
+      <a:camera prst="orthographicFront"/>
+      <a:lightRig rig="threePt" dir="t"/>
+    </dgm:scene3d>
+    <dgm:sp3d/>
+    <dgm:txPr/>
+    <dgm:style>
+      <a:lnRef idx="1">
+        <a:scrgbClr r="0" g="0" b="0"/>
+      </a:lnRef>
+      <a:fillRef idx="1">
+        <a:scrgbClr r="0" g="0" b="0"/>
+      </a:fillRef>
+      <a:effectRef idx="0">
+        <a:scrgbClr r="0" g="0" b="0"/>
+      </a:effectRef>
+      <a:fontRef idx="minor"/>
+    </dgm:style>
+  </dgm:styleLbl>
+  <dgm:styleLbl name="bgAcc1">
+    <dgm:scene3d>
+      <a:camera prst="orthographicFront"/>
+      <a:lightRig rig="threePt" dir="t"/>
+    </dgm:scene3d>
+    <dgm:sp3d/>
+    <dgm:txPr/>
+    <dgm:style>
+      <a:lnRef idx="2">
+        <a:scrgbClr r="0" g="0" b="0"/>
+      </a:lnRef>
+      <a:fillRef idx="1">
+        <a:scrgbClr r="0" g="0" b="0"/>
+      </a:fillRef>
+      <a:effectRef idx="0">
+        <a:scrgbClr r="0" g="0" b="0"/>
+      </a:effectRef>
+      <a:fontRef idx="minor"/>
+    </dgm:style>
+  </dgm:styleLbl>
+  <dgm:styleLbl name="solidFgAcc1">
+    <dgm:scene3d>
+      <a:camera prst="orthographicFront"/>
+      <a:lightRig rig="threePt" dir="t"/>
+    </dgm:scene3d>
+    <dgm:sp3d/>
+    <dgm:txPr/>
+    <dgm:style>
+      <a:lnRef idx="2">
+        <a:scrgbClr r="0" g="0" b="0"/>
+      </a:lnRef>
+      <a:fillRef idx="1">
+        <a:scrgbClr r="0" g="0" b="0"/>
+      </a:fillRef>
+      <a:effectRef idx="0">
+        <a:scrgbClr r="0" g="0" b="0"/>
+      </a:effectRef>
+      <a:fontRef idx="minor"/>
+    </dgm:style>
+  </dgm:styleLbl>
+  <dgm:styleLbl name="solidAlignAcc1">
+    <dgm:scene3d>
+      <a:camera prst="orthographicFront"/>
+      <a:lightRig rig="threePt" dir="t"/>
+    </dgm:scene3d>
+    <dgm:sp3d/>
+    <dgm:txPr/>
+    <dgm:style>
+      <a:lnRef idx="2">
+        <a:scrgbClr r="0" g="0" b="0"/>
+      </a:lnRef>
+      <a:fillRef idx="1">
+        <a:scrgbClr r="0" g="0" b="0"/>
+      </a:fillRef>
+      <a:effectRef idx="0">
+        <a:scrgbClr r="0" g="0" b="0"/>
+      </a:effectRef>
+      <a:fontRef idx="minor"/>
+    </dgm:style>
+  </dgm:styleLbl>
+  <dgm:styleLbl name="solidBgAcc1">
+    <dgm:scene3d>
+      <a:camera prst="orthographicFront"/>
+      <a:lightRig rig="threePt" dir="t"/>
+    </dgm:scene3d>
+    <dgm:sp3d/>
+    <dgm:txPr/>
+    <dgm:style>
+      <a:lnRef idx="2">
+        <a:scrgbClr r="0" g="0" b="0"/>
+      </a:lnRef>
+      <a:fillRef idx="1">
+        <a:scrgbClr r="0" g="0" b="0"/>
+      </a:fillRef>
+      <a:effectRef idx="0">
+        <a:scrgbClr r="0" g="0" b="0"/>
+      </a:effectRef>
+      <a:fontRef idx="minor"/>
+    </dgm:style>
+  </dgm:styleLbl>
+  <dgm:styleLbl name="fgAccFollowNode1">
+    <dgm:scene3d>
+      <a:camera prst="orthographicFront"/>
+      <a:lightRig rig="threePt" dir="t"/>
+    </dgm:scene3d>
+    <dgm:sp3d/>
+    <dgm:txPr/>
+    <dgm:style>
+      <a:lnRef idx="2">
+        <a:scrgbClr r="0" g="0" b="0"/>
+      </a:lnRef>
+      <a:fillRef idx="1">
+        <a:scrgbClr r="0" g="0" b="0"/>
+      </a:fillRef>
+      <a:effectRef idx="0">
+        <a:scrgbClr r="0" g="0" b="0"/>
+      </a:effectRef>
+      <a:fontRef idx="minor"/>
+    </dgm:style>
+  </dgm:styleLbl>
+  <dgm:styleLbl name="alignAccFollowNode1">
+    <dgm:scene3d>
+      <a:camera prst="orthographicFront"/>
+      <a:lightRig rig="threePt" dir="t"/>
+    </dgm:scene3d>
+    <dgm:sp3d/>
+    <dgm:txPr/>
+    <dgm:style>
+      <a:lnRef idx="2">
+        <a:scrgbClr r="0" g="0" b="0"/>
+      </a:lnRef>
+      <a:fillRef idx="1">
+        <a:scrgbClr r="0" g="0" b="0"/>
+      </a:fillRef>
+      <a:effectRef idx="0">
+        <a:scrgbClr r="0" g="0" b="0"/>
+      </a:effectRef>
+      <a:fontRef idx="minor"/>
+    </dgm:style>
+  </dgm:styleLbl>
+  <dgm:styleLbl name="bgAccFollowNode1">
+    <dgm:scene3d>
+      <a:camera prst="orthographicFront"/>
+      <a:lightRig rig="threePt" dir="t"/>
+    </dgm:scene3d>
+    <dgm:sp3d/>
+    <dgm:txPr/>
+    <dgm:style>
+      <a:lnRef idx="2">
+        <a:scrgbClr r="0" g="0" b="0"/>
+      </a:lnRef>
+      <a:fillRef idx="1">
+        <a:scrgbClr r="0" g="0" b="0"/>
+      </a:fillRef>
+      <a:effectRef idx="0">
+        <a:scrgbClr r="0" g="0" b="0"/>
+      </a:effectRef>
+      <a:fontRef idx="minor"/>
+    </dgm:style>
+  </dgm:styleLbl>
+  <dgm:styleLbl name="fgAcc0">
+    <dgm:scene3d>
+      <a:camera prst="orthographicFront"/>
+      <a:lightRig rig="threePt" dir="t"/>
+    </dgm:scene3d>
+    <dgm:sp3d/>
+    <dgm:txPr/>
+    <dgm:style>
+      <a:lnRef idx="2">
+        <a:scrgbClr r="0" g="0" b="0"/>
+      </a:lnRef>
+      <a:fillRef idx="1">
+        <a:scrgbClr r="0" g="0" b="0"/>
+      </a:fillRef>
+      <a:effectRef idx="0">
+        <a:scrgbClr r="0" g="0" b="0"/>
+      </a:effectRef>
+      <a:fontRef idx="minor"/>
+    </dgm:style>
+  </dgm:styleLbl>
+  <dgm:styleLbl name="fgAcc2">
+    <dgm:scene3d>
+      <a:camera prst="orthographicFront"/>
+      <a:lightRig rig="threePt" dir="t"/>
+    </dgm:scene3d>
+    <dgm:sp3d/>
+    <dgm:txPr/>
+    <dgm:style>
+      <a:lnRef idx="2">
+        <a:scrgbClr r="0" g="0" b="0"/>
+      </a:lnRef>
+      <a:fillRef idx="1">
+        <a:scrgbClr r="0" g="0" b="0"/>
+      </a:fillRef>
+      <a:effectRef idx="0">
+        <a:scrgbClr r="0" g="0" b="0"/>
+      </a:effectRef>
+      <a:fontRef idx="minor"/>
+    </dgm:style>
+  </dgm:styleLbl>
+  <dgm:styleLbl name="fgAcc3">
+    <dgm:scene3d>
+      <a:camera prst="orthographicFront"/>
+      <a:lightRig rig="threePt" dir="t"/>
+    </dgm:scene3d>
+    <dgm:sp3d/>
+    <dgm:txPr/>
+    <dgm:style>
+      <a:lnRef idx="2">
+        <a:scrgbClr r="0" g="0" b="0"/>
+      </a:lnRef>
+      <a:fillRef idx="1">
+        <a:scrgbClr r="0" g="0" b="0"/>
+      </a:fillRef>
+      <a:effectRef idx="0">
+        <a:scrgbClr r="0" g="0" b="0"/>
+      </a:effectRef>
+      <a:fontRef idx="minor"/>
+    </dgm:style>
+  </dgm:styleLbl>
+  <dgm:styleLbl name="fgAcc4">
+    <dgm:scene3d>
+      <a:camera prst="orthographicFront"/>
+      <a:lightRig rig="threePt" dir="t"/>
+    </dgm:scene3d>
+    <dgm:sp3d/>
+    <dgm:txPr/>
+    <dgm:style>
+      <a:lnRef idx="2">
+        <a:scrgbClr r="0" g="0" b="0"/>
+      </a:lnRef>
+      <a:fillRef idx="1">
+        <a:scrgbClr r="0" g="0" b="0"/>
+      </a:fillRef>
+      <a:effectRef idx="0">
+        <a:scrgbClr r="0" g="0" b="0"/>
+      </a:effectRef>
+      <a:fontRef idx="minor"/>
+    </dgm:style>
+  </dgm:styleLbl>
+  <dgm:styleLbl name="bgShp">
+    <dgm:scene3d>
+      <a:camera prst="orthographicFront"/>
+      <a:lightRig rig="threePt" dir="t"/>
+    </dgm:scene3d>
+    <dgm:sp3d/>
+    <dgm:txPr/>
+    <dgm:style>
+      <a:lnRef idx="0">
+        <a:scrgbClr r="0" g="0" b="0"/>
+      </a:lnRef>
+      <a:fillRef idx="1">
+        <a:scrgbClr r="0" g="0" b="0"/>
+      </a:fillRef>
+      <a:effectRef idx="0">
+        <a:scrgbClr r="0" g="0" b="0"/>
+      </a:effectRef>
+      <a:fontRef idx="minor"/>
+    </dgm:style>
+  </dgm:styleLbl>
+  <dgm:styleLbl name="dkBgShp">
+    <dgm:scene3d>
+      <a:camera prst="orthographicFront"/>
+      <a:lightRig rig="threePt" dir="t"/>
+    </dgm:scene3d>
+    <dgm:sp3d/>
+    <dgm:txPr/>
+    <dgm:style>
+      <a:lnRef idx="0">
+        <a:scrgbClr r="0" g="0" b="0"/>
+      </a:lnRef>
+      <a:fillRef idx="1">
+        <a:scrgbClr r="0" g="0" b="0"/>
+      </a:fillRef>
+      <a:effectRef idx="0">
+        <a:scrgbClr r="0" g="0" b="0"/>
+      </a:effectRef>
+      <a:fontRef idx="minor"/>
+    </dgm:style>
+  </dgm:styleLbl>
+  <dgm:styleLbl name="trBgShp">
+    <dgm:scene3d>
+      <a:camera prst="orthographicFront"/>
+      <a:lightRig rig="threePt" dir="t"/>
+    </dgm:scene3d>
+    <dgm:sp3d/>
+    <dgm:txPr/>
+    <dgm:style>
+      <a:lnRef idx="0">
+        <a:scrgbClr r="0" g="0" b="0"/>
+      </a:lnRef>
+      <a:fillRef idx="1">
+        <a:scrgbClr r="0" g="0" b="0"/>
+      </a:fillRef>
+      <a:effectRef idx="0">
+        <a:scrgbClr r="0" g="0" b="0"/>
+      </a:effectRef>
+      <a:fontRef idx="minor"/>
+    </dgm:style>
+  </dgm:styleLbl>
+  <dgm:styleLbl name="fgShp">
+    <dgm:scene3d>
+      <a:camera prst="orthographicFront"/>
+      <a:lightRig rig="threePt" dir="t"/>
+    </dgm:scene3d>
+    <dgm:sp3d/>
+    <dgm:txPr/>
+    <dgm:style>
+      <a:lnRef idx="2">
+        <a:scrgbClr r="0" g="0" b="0"/>
+      </a:lnRef>
+      <a:fillRef idx="1">
+        <a:scrgbClr r="0" g="0" b="0"/>
+      </a:fillRef>
+      <a:effectRef idx="0">
+        <a:scrgbClr r="0" g="0" b="0"/>
+      </a:effectRef>
+      <a:fontRef idx="minor"/>
+    </dgm:style>
+  </dgm:styleLbl>
+  <dgm:styleLbl name="revTx">
+    <dgm:scene3d>
+      <a:camera prst="orthographicFront"/>
+      <a:lightRig rig="threePt" dir="t"/>
+    </dgm:scene3d>
+    <dgm:sp3d/>
+    <dgm:txPr/>
+    <dgm:style>
+      <a:lnRef idx="0">
+        <a:scrgbClr r="0" g="0" b="0"/>
+      </a:lnRef>
+      <a:fillRef idx="0">
+        <a:scrgbClr r="0" g="0" b="0"/>
+      </a:fillRef>
+      <a:effectRef idx="0">
+        <a:scrgbClr r="0" g="0" b="0"/>
+      </a:effectRef>
+      <a:fontRef idx="minor"/>
+    </dgm:style>
+  </dgm:styleLbl>
+</dgm:styleDef>
 </file>
 
 <file path=ppt/slideLayouts/slideLayout1.xml><?xml version="1.0" encoding="utf-8"?>
@@ -298,7 +3111,7 @@
           <a:p>
             <a:fld id="{9866BB97-7527-472E-B458-4744210E0196}" type="datetimeFigureOut">
               <a:rPr lang="en-US" smtClean="0"/>
-              <a:t>5/9/2019</a:t>
+              <a:t>5/10/2019</a:t>
             </a:fld>
             <a:endParaRPr lang="en-US"/>
           </a:p>
@@ -573,7 +3386,7 @@
           <a:p>
             <a:fld id="{9866BB97-7527-472E-B458-4744210E0196}" type="datetimeFigureOut">
               <a:rPr lang="en-US" smtClean="0"/>
-              <a:t>5/9/2019</a:t>
+              <a:t>5/10/2019</a:t>
             </a:fld>
             <a:endParaRPr lang="en-US"/>
           </a:p>
@@ -767,7 +3580,7 @@
           <a:p>
             <a:fld id="{9866BB97-7527-472E-B458-4744210E0196}" type="datetimeFigureOut">
               <a:rPr lang="en-US" smtClean="0"/>
-              <a:t>5/9/2019</a:t>
+              <a:t>5/10/2019</a:t>
             </a:fld>
             <a:endParaRPr lang="en-US"/>
           </a:p>
@@ -1038,7 +3851,7 @@
           <a:p>
             <a:fld id="{9866BB97-7527-472E-B458-4744210E0196}" type="datetimeFigureOut">
               <a:rPr lang="en-US" smtClean="0"/>
-              <a:t>5/9/2019</a:t>
+              <a:t>5/10/2019</a:t>
             </a:fld>
             <a:endParaRPr lang="en-US"/>
           </a:p>
@@ -1365,7 +4178,7 @@
           <a:p>
             <a:fld id="{9866BB97-7527-472E-B458-4744210E0196}" type="datetimeFigureOut">
               <a:rPr lang="en-US" smtClean="0"/>
-              <a:t>5/9/2019</a:t>
+              <a:t>5/10/2019</a:t>
             </a:fld>
             <a:endParaRPr lang="en-US"/>
           </a:p>
@@ -1984,7 +4797,7 @@
           <a:p>
             <a:fld id="{9866BB97-7527-472E-B458-4744210E0196}" type="datetimeFigureOut">
               <a:rPr lang="en-US" smtClean="0"/>
-              <a:t>5/9/2019</a:t>
+              <a:t>5/10/2019</a:t>
             </a:fld>
             <a:endParaRPr lang="en-US"/>
           </a:p>
@@ -2831,7 +5644,7 @@
           <a:p>
             <a:fld id="{9866BB97-7527-472E-B458-4744210E0196}" type="datetimeFigureOut">
               <a:rPr lang="en-US" smtClean="0"/>
-              <a:t>5/9/2019</a:t>
+              <a:t>5/10/2019</a:t>
             </a:fld>
             <a:endParaRPr lang="en-US"/>
           </a:p>
@@ -3001,7 +5814,7 @@
           <a:p>
             <a:fld id="{9866BB97-7527-472E-B458-4744210E0196}" type="datetimeFigureOut">
               <a:rPr lang="en-US" smtClean="0"/>
-              <a:t>5/9/2019</a:t>
+              <a:t>5/10/2019</a:t>
             </a:fld>
             <a:endParaRPr lang="en-US"/>
           </a:p>
@@ -3181,7 +5994,7 @@
           <a:p>
             <a:fld id="{9866BB97-7527-472E-B458-4744210E0196}" type="datetimeFigureOut">
               <a:rPr lang="en-US" smtClean="0"/>
-              <a:t>5/9/2019</a:t>
+              <a:t>5/10/2019</a:t>
             </a:fld>
             <a:endParaRPr lang="en-US"/>
           </a:p>
@@ -3351,7 +6164,7 @@
           <a:p>
             <a:fld id="{9866BB97-7527-472E-B458-4744210E0196}" type="datetimeFigureOut">
               <a:rPr lang="en-US" smtClean="0"/>
-              <a:t>5/9/2019</a:t>
+              <a:t>5/10/2019</a:t>
             </a:fld>
             <a:endParaRPr lang="en-US"/>
           </a:p>
@@ -3598,7 +6411,7 @@
           <a:p>
             <a:fld id="{9866BB97-7527-472E-B458-4744210E0196}" type="datetimeFigureOut">
               <a:rPr lang="en-US" smtClean="0"/>
-              <a:t>5/9/2019</a:t>
+              <a:t>5/10/2019</a:t>
             </a:fld>
             <a:endParaRPr lang="en-US"/>
           </a:p>
@@ -3890,7 +6703,7 @@
           <a:p>
             <a:fld id="{9866BB97-7527-472E-B458-4744210E0196}" type="datetimeFigureOut">
               <a:rPr lang="en-US" smtClean="0"/>
-              <a:t>5/9/2019</a:t>
+              <a:t>5/10/2019</a:t>
             </a:fld>
             <a:endParaRPr lang="en-US"/>
           </a:p>
@@ -4334,7 +7147,7 @@
           <a:p>
             <a:fld id="{9866BB97-7527-472E-B458-4744210E0196}" type="datetimeFigureOut">
               <a:rPr lang="en-US" smtClean="0"/>
-              <a:t>5/9/2019</a:t>
+              <a:t>5/10/2019</a:t>
             </a:fld>
             <a:endParaRPr lang="en-US"/>
           </a:p>
@@ -4452,7 +7265,7 @@
           <a:p>
             <a:fld id="{9866BB97-7527-472E-B458-4744210E0196}" type="datetimeFigureOut">
               <a:rPr lang="en-US" smtClean="0"/>
-              <a:t>5/9/2019</a:t>
+              <a:t>5/10/2019</a:t>
             </a:fld>
             <a:endParaRPr lang="en-US"/>
           </a:p>
@@ -4547,7 +7360,7 @@
           <a:p>
             <a:fld id="{9866BB97-7527-472E-B458-4744210E0196}" type="datetimeFigureOut">
               <a:rPr lang="en-US" smtClean="0"/>
-              <a:t>5/9/2019</a:t>
+              <a:t>5/10/2019</a:t>
             </a:fld>
             <a:endParaRPr lang="en-US"/>
           </a:p>
@@ -4826,7 +7639,7 @@
           <a:p>
             <a:fld id="{9866BB97-7527-472E-B458-4744210E0196}" type="datetimeFigureOut">
               <a:rPr lang="en-US" smtClean="0"/>
-              <a:t>5/9/2019</a:t>
+              <a:t>5/10/2019</a:t>
             </a:fld>
             <a:endParaRPr lang="en-US"/>
           </a:p>
@@ -5101,7 +7914,7 @@
           <a:p>
             <a:fld id="{9866BB97-7527-472E-B458-4744210E0196}" type="datetimeFigureOut">
               <a:rPr lang="en-US" smtClean="0"/>
-              <a:t>5/9/2019</a:t>
+              <a:t>5/10/2019</a:t>
             </a:fld>
             <a:endParaRPr lang="en-US"/>
           </a:p>
@@ -5524,7 +8337,7 @@
           <a:p>
             <a:fld id="{9866BB97-7527-472E-B458-4744210E0196}" type="datetimeFigureOut">
               <a:rPr lang="en-US" smtClean="0"/>
-              <a:t>5/9/2019</a:t>
+              <a:t>5/10/2019</a:t>
             </a:fld>
             <a:endParaRPr lang="en-US"/>
           </a:p>
@@ -8152,20 +10965,74 @@
         </p:spPr>
         <p:txBody>
           <a:bodyPr>
-            <a:normAutofit/>
+            <a:normAutofit fontScale="92500" lnSpcReduction="10000"/>
           </a:bodyPr>
           <a:lstStyle/>
           <a:p>
             <a:r>
               <a:rPr lang="en-US" dirty="0"/>
-              <a:t>Predictive Model built for this data set, home prices can be predicted with an 87% confidence rate.</a:t>
+              <a:t>Predictive Model built for this data set is able to predict home prices with an 87% confidence rate.</a:t>
             </a:r>
           </a:p>
           <a:p>
             <a:pPr lvl="1"/>
             <a:r>
               <a:rPr lang="en-US" dirty="0"/>
-              <a:t>Features included in the model were decided by how much they influence the price.</a:t>
+              <a:t>Features included in the model were decided by how much they influence the price</a:t>
+            </a:r>
+          </a:p>
+          <a:p>
+            <a:pPr marL="457200" lvl="1" indent="0">
+              <a:buNone/>
+            </a:pPr>
+            <a:endParaRPr lang="en-US" dirty="0"/>
+          </a:p>
+          <a:p>
+            <a:r>
+              <a:rPr lang="en-US" dirty="0"/>
+              <a:t>Features selected for model:</a:t>
+            </a:r>
+          </a:p>
+          <a:p>
+            <a:pPr lvl="1"/>
+            <a:r>
+              <a:rPr lang="en-US" dirty="0"/>
+              <a:t>Year Built</a:t>
+            </a:r>
+          </a:p>
+          <a:p>
+            <a:pPr lvl="1"/>
+            <a:r>
+              <a:rPr lang="en-US" dirty="0"/>
+              <a:t>Waterfront View</a:t>
+            </a:r>
+          </a:p>
+          <a:p>
+            <a:pPr lvl="1"/>
+            <a:r>
+              <a:rPr lang="en-US" dirty="0"/>
+              <a:t>Zip Code</a:t>
+            </a:r>
+          </a:p>
+          <a:p>
+            <a:pPr lvl="1"/>
+            <a:r>
+              <a:rPr lang="en-US" dirty="0"/>
+              <a:t>Living Space(Square Feet)</a:t>
+            </a:r>
+          </a:p>
+          <a:p>
+            <a:pPr lvl="1"/>
+            <a:r>
+              <a:rPr lang="en-US" dirty="0"/>
+              <a:t>Lot Size(Square Feet)</a:t>
+            </a:r>
+          </a:p>
+          <a:p>
+            <a:pPr lvl="1"/>
+            <a:r>
+              <a:rPr lang="en-US" dirty="0"/>
+              <a:t>Home Condition</a:t>
             </a:r>
           </a:p>
           <a:p>
@@ -8173,6 +11040,7 @@
             <a:endParaRPr lang="en-US" dirty="0"/>
           </a:p>
           <a:p>
+            <a:pPr lvl="1"/>
             <a:endParaRPr lang="en-US" dirty="0"/>
           </a:p>
         </p:txBody>
@@ -8919,7 +11787,7 @@
         </p:spPr>
         <p:txBody>
           <a:bodyPr>
-            <a:normAutofit/>
+            <a:normAutofit lnSpcReduction="10000"/>
           </a:bodyPr>
           <a:lstStyle/>
           <a:p>
@@ -8933,11 +11801,24 @@
             </a:r>
           </a:p>
           <a:p>
-            <a:endParaRPr lang="en-US" dirty="0">
-              <a:solidFill>
-                <a:schemeClr val="bg1"/>
-              </a:solidFill>
-            </a:endParaRPr>
+            <a:r>
+              <a:rPr lang="en-US" dirty="0">
+                <a:solidFill>
+                  <a:schemeClr val="bg1"/>
+                </a:solidFill>
+              </a:rPr>
+              <a:t>Time periods &lt;1920-1940 and 2000-2020 approximate to roughly the same Average price for home value</a:t>
+            </a:r>
+          </a:p>
+          <a:p>
+            <a:r>
+              <a:rPr lang="en-US" dirty="0">
+                <a:solidFill>
+                  <a:schemeClr val="bg1"/>
+                </a:solidFill>
+              </a:rPr>
+              <a:t>Homes built during 1940-1990 can possibly be sold for more if home is in better condition or more living space. Zip Code and Lot Size also play an important role.</a:t>
+            </a:r>
           </a:p>
         </p:txBody>
       </p:sp>
@@ -8970,7 +11851,7 @@
         </p:blipFill>
         <p:spPr bwMode="auto">
           <a:xfrm>
-            <a:off x="6280155" y="2527447"/>
+            <a:off x="6095848" y="2527448"/>
             <a:ext cx="5352366" cy="3413103"/>
           </a:xfrm>
           <a:prstGeom prst="rect">
@@ -9006,9 +11887,25 @@
   <p:cSld>
     <p:bg>
       <p:bgPr>
-        <a:solidFill>
-          <a:schemeClr val="bg1"/>
-        </a:solidFill>
+        <a:blipFill rotWithShape="1">
+          <a:blip r:embed="rId2">
+            <a:duotone>
+              <a:schemeClr val="bg2">
+                <a:shade val="69000"/>
+                <a:hueMod val="91000"/>
+                <a:satMod val="164000"/>
+                <a:lumMod val="74000"/>
+              </a:schemeClr>
+              <a:schemeClr val="bg2">
+                <a:hueMod val="124000"/>
+                <a:satMod val="140000"/>
+                <a:lumMod val="142000"/>
+              </a:schemeClr>
+            </a:duotone>
+            <a:extLst/>
+          </a:blip>
+          <a:stretch/>
+        </a:blipFill>
         <a:effectLst/>
       </p:bgPr>
     </p:bg>
@@ -9026,12 +11923,100 @@
           <a:chExt cx="0" cy="0"/>
         </a:xfrm>
       </p:grpSpPr>
+      <p:pic>
+        <p:nvPicPr>
+          <p:cNvPr id="2060" name="Picture 138">
+            <a:extLst>
+              <a:ext uri="{FF2B5EF4-FFF2-40B4-BE49-F238E27FC236}">
+                <a16:creationId xmlns:a16="http://schemas.microsoft.com/office/drawing/2014/main" id="{C9134821-5D8B-4373-BA74-CFE9AB35A55A}"/>
+              </a:ext>
+              <a:ext uri="{C183D7F6-B498-43B3-948B-1728B52AA6E4}">
+                <adec:decorative xmlns:adec="http://schemas.microsoft.com/office/drawing/2017/decorative" val="1"/>
+              </a:ext>
+            </a:extLst>
+          </p:cNvPr>
+          <p:cNvPicPr>
+            <a:picLocks noGrp="1" noRot="1" noChangeAspect="1" noMove="1" noResize="1" noEditPoints="1" noAdjustHandles="1" noChangeArrowheads="1" noChangeShapeType="1" noCrop="1"/>
+          </p:cNvPicPr>
+          <p:nvPr>
+            <p:extLst>
+              <p:ext uri="{386F3935-93C4-4BCD-93E2-E3B085C9AB24}">
+                <p16:designElem xmlns:p16="http://schemas.microsoft.com/office/powerpoint/2015/main" val="1"/>
+              </p:ext>
+            </p:extLst>
+          </p:nvPr>
+        </p:nvPicPr>
+        <p:blipFill rotWithShape="1">
+          <a:blip r:embed="rId3">
+            <a:extLst>
+              <a:ext uri="{28A0092B-C50C-407E-A947-70E740481C1C}">
+                <a14:useLocalDpi xmlns:a14="http://schemas.microsoft.com/office/drawing/2010/main" val="0"/>
+              </a:ext>
+            </a:extLst>
+          </a:blip>
+          <a:srcRect l="3644"/>
+          <a:stretch/>
+        </p:blipFill>
+        <p:spPr>
+          <a:xfrm>
+            <a:off x="0" y="2669685"/>
+            <a:ext cx="4035669" cy="4188315"/>
+          </a:xfrm>
+          <a:prstGeom prst="rect">
+            <a:avLst/>
+          </a:prstGeom>
+        </p:spPr>
+      </p:pic>
+      <p:pic>
+        <p:nvPicPr>
+          <p:cNvPr id="2061" name="Picture 140">
+            <a:extLst>
+              <a:ext uri="{FF2B5EF4-FFF2-40B4-BE49-F238E27FC236}">
+                <a16:creationId xmlns:a16="http://schemas.microsoft.com/office/drawing/2014/main" id="{5965195F-79F5-4911-907D-13CB3F534351}"/>
+              </a:ext>
+              <a:ext uri="{C183D7F6-B498-43B3-948B-1728B52AA6E4}">
+                <adec:decorative xmlns:adec="http://schemas.microsoft.com/office/drawing/2017/decorative" val="1"/>
+              </a:ext>
+            </a:extLst>
+          </p:cNvPr>
+          <p:cNvPicPr>
+            <a:picLocks noGrp="1" noRot="1" noChangeAspect="1" noMove="1" noResize="1" noEditPoints="1" noAdjustHandles="1" noChangeArrowheads="1" noChangeShapeType="1" noCrop="1"/>
+          </p:cNvPicPr>
+          <p:nvPr>
+            <p:extLst>
+              <p:ext uri="{386F3935-93C4-4BCD-93E2-E3B085C9AB24}">
+                <p16:designElem xmlns:p16="http://schemas.microsoft.com/office/powerpoint/2015/main" val="1"/>
+              </p:ext>
+            </p:extLst>
+          </p:nvPr>
+        </p:nvPicPr>
+        <p:blipFill rotWithShape="1">
+          <a:blip r:embed="rId4">
+            <a:extLst>
+              <a:ext uri="{28A0092B-C50C-407E-A947-70E740481C1C}">
+                <a14:useLocalDpi xmlns:a14="http://schemas.microsoft.com/office/drawing/2010/main" val="0"/>
+              </a:ext>
+            </a:extLst>
+          </a:blip>
+          <a:srcRect l="35640"/>
+          <a:stretch/>
+        </p:blipFill>
+        <p:spPr>
+          <a:xfrm>
+            <a:off x="0" y="2892347"/>
+            <a:ext cx="1522412" cy="2365453"/>
+          </a:xfrm>
+          <a:prstGeom prst="rect">
+            <a:avLst/>
+          </a:prstGeom>
+        </p:spPr>
+      </p:pic>
       <p:sp>
         <p:nvSpPr>
-          <p:cNvPr id="8" name="Rectangle 7">
+          <p:cNvPr id="2062" name="Oval 142">
             <a:extLst>
               <a:ext uri="{FF2B5EF4-FFF2-40B4-BE49-F238E27FC236}">
-                <a16:creationId xmlns:a16="http://schemas.microsoft.com/office/drawing/2014/main" id="{74CD14DB-BB81-479F-A1FC-1C75640E9F84}"/>
+                <a16:creationId xmlns:a16="http://schemas.microsoft.com/office/drawing/2014/main" id="{8A610DC7-FE1B-47B9-8452-CFC389786C2D}"/>
               </a:ext>
               <a:ext uri="{C183D7F6-B498-43B3-948B-1728B52AA6E4}">
                 <adec:decorative xmlns:adec="http://schemas.microsoft.com/office/drawing/2017/decorative" val="1"/>
@@ -9051,76 +12036,149 @@
         </p:nvSpPr>
         <p:spPr>
           <a:xfrm>
-            <a:off x="0" y="0"/>
-            <a:ext cx="12192000" cy="6858000"/>
+            <a:off x="8609012" y="1676400"/>
+            <a:ext cx="2819400" cy="2819400"/>
           </a:xfrm>
-          <a:prstGeom prst="rect">
+          <a:prstGeom prst="ellipse">
             <a:avLst/>
           </a:prstGeom>
+          <a:gradFill flip="none" rotWithShape="1">
+            <a:gsLst>
+              <a:gs pos="0">
+                <a:schemeClr val="accent5">
+                  <a:alpha val="7000"/>
+                </a:schemeClr>
+              </a:gs>
+              <a:gs pos="69000">
+                <a:schemeClr val="accent5">
+                  <a:alpha val="0"/>
+                </a:schemeClr>
+              </a:gs>
+              <a:gs pos="36000">
+                <a:schemeClr val="accent5">
+                  <a:alpha val="6000"/>
+                </a:schemeClr>
+              </a:gs>
+            </a:gsLst>
+            <a:path path="circle">
+              <a:fillToRect l="50000" t="50000" r="50000" b="50000"/>
+            </a:path>
+            <a:tileRect/>
+          </a:gradFill>
           <a:ln>
             <a:noFill/>
           </a:ln>
+          <a:effectLst/>
         </p:spPr>
         <p:style>
-          <a:lnRef idx="2">
-            <a:schemeClr val="accent1">
-              <a:shade val="50000"/>
-            </a:schemeClr>
+          <a:lnRef idx="1">
+            <a:schemeClr val="accent1"/>
           </a:lnRef>
-          <a:fillRef idx="1003">
-            <a:schemeClr val="dk2"/>
+          <a:fillRef idx="3">
+            <a:schemeClr val="accent1"/>
           </a:fillRef>
-          <a:effectRef idx="0">
+          <a:effectRef idx="2">
             <a:schemeClr val="accent1"/>
           </a:effectRef>
           <a:fontRef idx="minor">
             <a:schemeClr val="lt1"/>
           </a:fontRef>
         </p:style>
-        <p:txBody>
-          <a:bodyPr rtlCol="0" anchor="ctr"/>
-          <a:lstStyle/>
-          <a:p>
-            <a:pPr marL="0" marR="0" lvl="0" indent="0" algn="ctr" defTabSz="914400" rtl="0" eaLnBrk="1" fontAlgn="auto" latinLnBrk="0" hangingPunct="1">
-              <a:lnSpc>
-                <a:spcPct val="100000"/>
-              </a:lnSpc>
-              <a:spcBef>
-                <a:spcPts val="0"/>
-              </a:spcBef>
-              <a:spcAft>
-                <a:spcPts val="0"/>
-              </a:spcAft>
-              <a:buClrTx/>
-              <a:buSzTx/>
-              <a:buFontTx/>
-              <a:buNone/>
-              <a:tabLst/>
-              <a:defRPr/>
-            </a:pPr>
-            <a:endParaRPr kumimoji="0" lang="en-US" sz="1800" b="0" i="0" u="none" strike="noStrike" kern="1200" cap="none" spc="0" normalizeH="0" baseline="0" noProof="0">
-              <a:ln>
-                <a:noFill/>
-              </a:ln>
-              <a:solidFill>
-                <a:prstClr val="white"/>
-              </a:solidFill>
-              <a:effectLst/>
-              <a:uLnTx/>
-              <a:uFillTx/>
-              <a:latin typeface="Century Gothic" panose="020B0502020202020204"/>
-              <a:ea typeface="+mn-ea"/>
-              <a:cs typeface="+mn-cs"/>
-            </a:endParaRPr>
-          </a:p>
-        </p:txBody>
       </p:sp>
+      <p:pic>
+        <p:nvPicPr>
+          <p:cNvPr id="2063" name="Picture 144">
+            <a:extLst>
+              <a:ext uri="{FF2B5EF4-FFF2-40B4-BE49-F238E27FC236}">
+                <a16:creationId xmlns:a16="http://schemas.microsoft.com/office/drawing/2014/main" id="{2742ADC1-2286-40B7-A3C6-D6C3362FA04B}"/>
+              </a:ext>
+              <a:ext uri="{C183D7F6-B498-43B3-948B-1728B52AA6E4}">
+                <adec:decorative xmlns:adec="http://schemas.microsoft.com/office/drawing/2017/decorative" val="1"/>
+              </a:ext>
+            </a:extLst>
+          </p:cNvPr>
+          <p:cNvPicPr>
+            <a:picLocks noGrp="1" noRot="1" noChangeAspect="1" noMove="1" noResize="1" noEditPoints="1" noAdjustHandles="1" noChangeArrowheads="1" noChangeShapeType="1" noCrop="1"/>
+          </p:cNvPicPr>
+          <p:nvPr>
+            <p:extLst>
+              <p:ext uri="{386F3935-93C4-4BCD-93E2-E3B085C9AB24}">
+                <p16:designElem xmlns:p16="http://schemas.microsoft.com/office/powerpoint/2015/main" val="1"/>
+              </p:ext>
+            </p:extLst>
+          </p:nvPr>
+        </p:nvPicPr>
+        <p:blipFill rotWithShape="1">
+          <a:blip r:embed="rId5">
+            <a:extLst>
+              <a:ext uri="{28A0092B-C50C-407E-A947-70E740481C1C}">
+                <a14:useLocalDpi xmlns:a14="http://schemas.microsoft.com/office/drawing/2010/main" val="0"/>
+              </a:ext>
+            </a:extLst>
+          </a:blip>
+          <a:srcRect t="28813"/>
+          <a:stretch/>
+        </p:blipFill>
+        <p:spPr>
+          <a:xfrm>
+            <a:off x="7999412" y="0"/>
+            <a:ext cx="1603387" cy="1141407"/>
+          </a:xfrm>
+          <a:prstGeom prst="rect">
+            <a:avLst/>
+          </a:prstGeom>
+        </p:spPr>
+      </p:pic>
+      <p:pic>
+        <p:nvPicPr>
+          <p:cNvPr id="2064" name="Picture 146">
+            <a:extLst>
+              <a:ext uri="{FF2B5EF4-FFF2-40B4-BE49-F238E27FC236}">
+                <a16:creationId xmlns:a16="http://schemas.microsoft.com/office/drawing/2014/main" id="{C878FBDC-78F2-4D49-8DB3-1A48CA9F7FC0}"/>
+              </a:ext>
+              <a:ext uri="{C183D7F6-B498-43B3-948B-1728B52AA6E4}">
+                <adec:decorative xmlns:adec="http://schemas.microsoft.com/office/drawing/2017/decorative" val="1"/>
+              </a:ext>
+            </a:extLst>
+          </p:cNvPr>
+          <p:cNvPicPr>
+            <a:picLocks noGrp="1" noRot="1" noChangeAspect="1" noMove="1" noResize="1" noEditPoints="1" noAdjustHandles="1" noChangeArrowheads="1" noChangeShapeType="1" noCrop="1"/>
+          </p:cNvPicPr>
+          <p:nvPr>
+            <p:extLst>
+              <p:ext uri="{386F3935-93C4-4BCD-93E2-E3B085C9AB24}">
+                <p16:designElem xmlns:p16="http://schemas.microsoft.com/office/powerpoint/2015/main" val="1"/>
+              </p:ext>
+            </p:extLst>
+          </p:nvPr>
+        </p:nvPicPr>
+        <p:blipFill rotWithShape="1">
+          <a:blip r:embed="rId6">
+            <a:extLst>
+              <a:ext uri="{28A0092B-C50C-407E-A947-70E740481C1C}">
+                <a14:useLocalDpi xmlns:a14="http://schemas.microsoft.com/office/drawing/2010/main" val="0"/>
+              </a:ext>
+            </a:extLst>
+          </a:blip>
+          <a:srcRect b="23320"/>
+          <a:stretch/>
+        </p:blipFill>
+        <p:spPr>
+          <a:xfrm>
+            <a:off x="8609012" y="6096000"/>
+            <a:ext cx="993734" cy="762000"/>
+          </a:xfrm>
+          <a:prstGeom prst="rect">
+            <a:avLst/>
+          </a:prstGeom>
+        </p:spPr>
+      </p:pic>
       <p:sp>
         <p:nvSpPr>
-          <p:cNvPr id="10" name="Rectangle 9">
+          <p:cNvPr id="2065" name="Rectangle 148">
             <a:extLst>
               <a:ext uri="{FF2B5EF4-FFF2-40B4-BE49-F238E27FC236}">
-                <a16:creationId xmlns:a16="http://schemas.microsoft.com/office/drawing/2014/main" id="{C943A91B-7CA7-4592-A975-73B1BF8C4C74}"/>
+                <a16:creationId xmlns:a16="http://schemas.microsoft.com/office/drawing/2014/main" id="{DC9A0934-0C2C-4565-9290-A345B19BD94C}"/>
               </a:ext>
               <a:ext uri="{C183D7F6-B498-43B3-948B-1728B52AA6E4}">
                 <adec:decorative xmlns:adec="http://schemas.microsoft.com/office/drawing/2017/decorative" val="1"/>
@@ -9170,10 +12228,818 @@
       </p:sp>
       <p:sp>
         <p:nvSpPr>
-          <p:cNvPr id="12" name="Freeform 7">
+          <p:cNvPr id="2" name="Title 1">
             <a:extLst>
               <a:ext uri="{FF2B5EF4-FFF2-40B4-BE49-F238E27FC236}">
-                <a16:creationId xmlns:a16="http://schemas.microsoft.com/office/drawing/2014/main" id="{EC471314-E46A-414B-8D91-74880E84F187}"/>
+                <a16:creationId xmlns:a16="http://schemas.microsoft.com/office/drawing/2014/main" id="{2F18F8AB-D460-427F-84D3-87AD137C0232}"/>
+              </a:ext>
+            </a:extLst>
+          </p:cNvPr>
+          <p:cNvSpPr>
+            <a:spLocks noGrp="1"/>
+          </p:cNvSpPr>
+          <p:nvPr>
+            <p:ph type="title"/>
+          </p:nvPr>
+        </p:nvSpPr>
+        <p:spPr>
+          <a:xfrm>
+            <a:off x="8191925" y="1325880"/>
+            <a:ext cx="3352375" cy="3066507"/>
+          </a:xfrm>
+        </p:spPr>
+        <p:txBody>
+          <a:bodyPr vert="horz" lIns="91440" tIns="45720" rIns="91440" bIns="45720" rtlCol="0" anchor="b">
+            <a:normAutofit/>
+          </a:bodyPr>
+          <a:lstStyle/>
+          <a:p>
+            <a:pPr>
+              <a:lnSpc>
+                <a:spcPct val="90000"/>
+              </a:lnSpc>
+            </a:pPr>
+            <a:r>
+              <a:rPr lang="en-US" sz="5000" dirty="0"/>
+              <a:t>Influential Factor:</a:t>
+            </a:r>
+            <a:br>
+              <a:rPr lang="en-US" sz="5000" dirty="0"/>
+            </a:br>
+            <a:r>
+              <a:rPr lang="en-US" sz="5000" dirty="0"/>
+              <a:t>Your Zip Code</a:t>
+            </a:r>
+          </a:p>
+        </p:txBody>
+      </p:sp>
+      <p:sp>
+        <p:nvSpPr>
+          <p:cNvPr id="2066" name="Rectangle 150">
+            <a:extLst>
+              <a:ext uri="{FF2B5EF4-FFF2-40B4-BE49-F238E27FC236}">
+                <a16:creationId xmlns:a16="http://schemas.microsoft.com/office/drawing/2014/main" id="{87BE56A7-2B14-4ABE-8DF3-40C07E64B19D}"/>
+              </a:ext>
+              <a:ext uri="{C183D7F6-B498-43B3-948B-1728B52AA6E4}">
+                <adec:decorative xmlns:adec="http://schemas.microsoft.com/office/drawing/2017/decorative" val="1"/>
+              </a:ext>
+            </a:extLst>
+          </p:cNvPr>
+          <p:cNvSpPr>
+            <a:spLocks noGrp="1" noRot="1" noChangeAspect="1" noMove="1" noResize="1" noEditPoints="1" noAdjustHandles="1" noChangeArrowheads="1" noChangeShapeType="1" noTextEdit="1"/>
+          </p:cNvSpPr>
+          <p:nvPr>
+            <p:extLst>
+              <p:ext uri="{386F3935-93C4-4BCD-93E2-E3B085C9AB24}">
+                <p16:designElem xmlns:p16="http://schemas.microsoft.com/office/powerpoint/2015/main" val="1"/>
+              </p:ext>
+            </p:extLst>
+          </p:nvPr>
+        </p:nvSpPr>
+        <p:spPr>
+          <a:xfrm>
+            <a:off x="0" y="0"/>
+            <a:ext cx="7157124" cy="6858000"/>
+          </a:xfrm>
+          <a:prstGeom prst="rect">
+            <a:avLst/>
+          </a:prstGeom>
+          <a:solidFill>
+            <a:srgbClr val="FFFFFF"/>
+          </a:solidFill>
+          <a:ln>
+            <a:noFill/>
+          </a:ln>
+        </p:spPr>
+        <p:style>
+          <a:lnRef idx="2">
+            <a:schemeClr val="accent1">
+              <a:shade val="50000"/>
+            </a:schemeClr>
+          </a:lnRef>
+          <a:fillRef idx="1">
+            <a:schemeClr val="accent1"/>
+          </a:fillRef>
+          <a:effectRef idx="0">
+            <a:schemeClr val="accent1"/>
+          </a:effectRef>
+          <a:fontRef idx="minor">
+            <a:schemeClr val="lt1"/>
+          </a:fontRef>
+        </p:style>
+        <p:txBody>
+          <a:bodyPr rtlCol="0" anchor="ctr"/>
+          <a:lstStyle/>
+          <a:p>
+            <a:pPr algn="ctr"/>
+            <a:endParaRPr lang="en-US"/>
+          </a:p>
+        </p:txBody>
+      </p:sp>
+      <p:sp>
+        <p:nvSpPr>
+          <p:cNvPr id="153" name="Freeform 36">
+            <a:extLst>
+              <a:ext uri="{FF2B5EF4-FFF2-40B4-BE49-F238E27FC236}">
+                <a16:creationId xmlns:a16="http://schemas.microsoft.com/office/drawing/2014/main" id="{140D5101-D8FB-4102-A338-49651E97150A}"/>
+              </a:ext>
+              <a:ext uri="{C183D7F6-B498-43B3-948B-1728B52AA6E4}">
+                <adec:decorative xmlns:adec="http://schemas.microsoft.com/office/drawing/2017/decorative" val="1"/>
+              </a:ext>
+            </a:extLst>
+          </p:cNvPr>
+          <p:cNvSpPr>
+            <a:spLocks noGrp="1" noRot="1" noChangeAspect="1" noMove="1" noResize="1" noEditPoints="1" noAdjustHandles="1" noChangeArrowheads="1" noChangeShapeType="1" noTextEdit="1"/>
+          </p:cNvSpPr>
+          <p:nvPr>
+            <p:extLst>
+              <p:ext uri="{386F3935-93C4-4BCD-93E2-E3B085C9AB24}">
+                <p16:designElem xmlns:p16="http://schemas.microsoft.com/office/powerpoint/2015/main" val="1"/>
+              </p:ext>
+            </p:extLst>
+          </p:nvPr>
+        </p:nvSpPr>
+        <p:spPr>
+          <a:xfrm flipH="1">
+            <a:off x="7463681" y="-1"/>
+            <a:ext cx="559472" cy="3709642"/>
+          </a:xfrm>
+          <a:custGeom>
+            <a:avLst/>
+            <a:gdLst>
+              <a:gd name="connsiteX0" fmla="*/ 0 w 559472"/>
+              <a:gd name="connsiteY0" fmla="*/ 0 h 3709642"/>
+              <a:gd name="connsiteX1" fmla="*/ 473952 w 559472"/>
+              <a:gd name="connsiteY1" fmla="*/ 0 h 3709642"/>
+              <a:gd name="connsiteX2" fmla="*/ 485840 w 559472"/>
+              <a:gd name="connsiteY2" fmla="*/ 161194 h 3709642"/>
+              <a:gd name="connsiteX3" fmla="*/ 523949 w 559472"/>
+              <a:gd name="connsiteY3" fmla="*/ 3672197 h 3709642"/>
+              <a:gd name="connsiteX4" fmla="*/ 454748 w 559472"/>
+              <a:gd name="connsiteY4" fmla="*/ 3709642 h 3709642"/>
+              <a:gd name="connsiteX5" fmla="*/ 448224 w 559472"/>
+              <a:gd name="connsiteY5" fmla="*/ 3510471 h 3709642"/>
+              <a:gd name="connsiteX6" fmla="*/ 443564 w 559472"/>
+              <a:gd name="connsiteY6" fmla="*/ 3408563 h 3709642"/>
+              <a:gd name="connsiteX7" fmla="*/ 438902 w 559472"/>
+              <a:gd name="connsiteY7" fmla="*/ 3304407 h 3709642"/>
+              <a:gd name="connsiteX8" fmla="*/ 433941 w 559472"/>
+              <a:gd name="connsiteY8" fmla="*/ 3198777 h 3709642"/>
+              <a:gd name="connsiteX9" fmla="*/ 427584 w 559472"/>
+              <a:gd name="connsiteY9" fmla="*/ 3092510 h 3709642"/>
+              <a:gd name="connsiteX10" fmla="*/ 420988 w 559472"/>
+              <a:gd name="connsiteY10" fmla="*/ 2984390 h 3709642"/>
+              <a:gd name="connsiteX11" fmla="*/ 414330 w 559472"/>
+              <a:gd name="connsiteY11" fmla="*/ 2874401 h 3709642"/>
+              <a:gd name="connsiteX12" fmla="*/ 406840 w 559472"/>
+              <a:gd name="connsiteY12" fmla="*/ 2762980 h 3709642"/>
+              <a:gd name="connsiteX13" fmla="*/ 397745 w 559472"/>
+              <a:gd name="connsiteY13" fmla="*/ 2650566 h 3709642"/>
+              <a:gd name="connsiteX14" fmla="*/ 389154 w 559472"/>
+              <a:gd name="connsiteY14" fmla="*/ 2536612 h 3709642"/>
+              <a:gd name="connsiteX15" fmla="*/ 379225 w 559472"/>
+              <a:gd name="connsiteY15" fmla="*/ 2421642 h 3709642"/>
+              <a:gd name="connsiteX16" fmla="*/ 368316 w 559472"/>
+              <a:gd name="connsiteY16" fmla="*/ 2305627 h 3709642"/>
+              <a:gd name="connsiteX17" fmla="*/ 357466 w 559472"/>
+              <a:gd name="connsiteY17" fmla="*/ 2189233 h 3709642"/>
+              <a:gd name="connsiteX18" fmla="*/ 344982 w 559472"/>
+              <a:gd name="connsiteY18" fmla="*/ 2071473 h 3709642"/>
+              <a:gd name="connsiteX19" fmla="*/ 332466 w 559472"/>
+              <a:gd name="connsiteY19" fmla="*/ 1952216 h 3709642"/>
+              <a:gd name="connsiteX20" fmla="*/ 319121 w 559472"/>
+              <a:gd name="connsiteY20" fmla="*/ 1833776 h 3709642"/>
+              <a:gd name="connsiteX21" fmla="*/ 304408 w 559472"/>
+              <a:gd name="connsiteY21" fmla="*/ 1713948 h 3709642"/>
+              <a:gd name="connsiteX22" fmla="*/ 288685 w 559472"/>
+              <a:gd name="connsiteY22" fmla="*/ 1592703 h 3709642"/>
+              <a:gd name="connsiteX23" fmla="*/ 273050 w 559472"/>
+              <a:gd name="connsiteY23" fmla="*/ 1471451 h 3709642"/>
+              <a:gd name="connsiteX24" fmla="*/ 255813 w 559472"/>
+              <a:gd name="connsiteY24" fmla="*/ 1350328 h 3709642"/>
+              <a:gd name="connsiteX25" fmla="*/ 237060 w 559472"/>
+              <a:gd name="connsiteY25" fmla="*/ 1227080 h 3709642"/>
+              <a:gd name="connsiteX26" fmla="*/ 218488 w 559472"/>
+              <a:gd name="connsiteY26" fmla="*/ 1106065 h 3709642"/>
+              <a:gd name="connsiteX27" fmla="*/ 198221 w 559472"/>
+              <a:gd name="connsiteY27" fmla="*/ 982940 h 3709642"/>
+              <a:gd name="connsiteX28" fmla="*/ 177152 w 559472"/>
+              <a:gd name="connsiteY28" fmla="*/ 858755 h 3709642"/>
+              <a:gd name="connsiteX29" fmla="*/ 155551 w 559472"/>
+              <a:gd name="connsiteY29" fmla="*/ 736861 h 3709642"/>
+              <a:gd name="connsiteX30" fmla="*/ 131782 w 559472"/>
+              <a:gd name="connsiteY30" fmla="*/ 613645 h 3709642"/>
+              <a:gd name="connsiteX31" fmla="*/ 107123 w 559472"/>
+              <a:gd name="connsiteY31" fmla="*/ 490500 h 3709642"/>
+              <a:gd name="connsiteX32" fmla="*/ 82552 w 559472"/>
+              <a:gd name="connsiteY32" fmla="*/ 367348 h 3709642"/>
+              <a:gd name="connsiteX33" fmla="*/ 55608 w 559472"/>
+              <a:gd name="connsiteY33" fmla="*/ 244762 h 3709642"/>
+              <a:gd name="connsiteX34" fmla="*/ 28130 w 559472"/>
+              <a:gd name="connsiteY34" fmla="*/ 122220 h 3709642"/>
+              <a:gd name="connsiteX35" fmla="*/ 0 w 559472"/>
+              <a:gd name="connsiteY35" fmla="*/ 0 h 3709642"/>
+            </a:gdLst>
+            <a:ahLst/>
+            <a:cxnLst>
+              <a:cxn ang="0">
+                <a:pos x="connsiteX0" y="connsiteY0"/>
+              </a:cxn>
+              <a:cxn ang="0">
+                <a:pos x="connsiteX1" y="connsiteY1"/>
+              </a:cxn>
+              <a:cxn ang="0">
+                <a:pos x="connsiteX2" y="connsiteY2"/>
+              </a:cxn>
+              <a:cxn ang="0">
+                <a:pos x="connsiteX3" y="connsiteY3"/>
+              </a:cxn>
+              <a:cxn ang="0">
+                <a:pos x="connsiteX4" y="connsiteY4"/>
+              </a:cxn>
+              <a:cxn ang="0">
+                <a:pos x="connsiteX5" y="connsiteY5"/>
+              </a:cxn>
+              <a:cxn ang="0">
+                <a:pos x="connsiteX6" y="connsiteY6"/>
+              </a:cxn>
+              <a:cxn ang="0">
+                <a:pos x="connsiteX7" y="connsiteY7"/>
+              </a:cxn>
+              <a:cxn ang="0">
+                <a:pos x="connsiteX8" y="connsiteY8"/>
+              </a:cxn>
+              <a:cxn ang="0">
+                <a:pos x="connsiteX9" y="connsiteY9"/>
+              </a:cxn>
+              <a:cxn ang="0">
+                <a:pos x="connsiteX10" y="connsiteY10"/>
+              </a:cxn>
+              <a:cxn ang="0">
+                <a:pos x="connsiteX11" y="connsiteY11"/>
+              </a:cxn>
+              <a:cxn ang="0">
+                <a:pos x="connsiteX12" y="connsiteY12"/>
+              </a:cxn>
+              <a:cxn ang="0">
+                <a:pos x="connsiteX13" y="connsiteY13"/>
+              </a:cxn>
+              <a:cxn ang="0">
+                <a:pos x="connsiteX14" y="connsiteY14"/>
+              </a:cxn>
+              <a:cxn ang="0">
+                <a:pos x="connsiteX15" y="connsiteY15"/>
+              </a:cxn>
+              <a:cxn ang="0">
+                <a:pos x="connsiteX16" y="connsiteY16"/>
+              </a:cxn>
+              <a:cxn ang="0">
+                <a:pos x="connsiteX17" y="connsiteY17"/>
+              </a:cxn>
+              <a:cxn ang="0">
+                <a:pos x="connsiteX18" y="connsiteY18"/>
+              </a:cxn>
+              <a:cxn ang="0">
+                <a:pos x="connsiteX19" y="connsiteY19"/>
+              </a:cxn>
+              <a:cxn ang="0">
+                <a:pos x="connsiteX20" y="connsiteY20"/>
+              </a:cxn>
+              <a:cxn ang="0">
+                <a:pos x="connsiteX21" y="connsiteY21"/>
+              </a:cxn>
+              <a:cxn ang="0">
+                <a:pos x="connsiteX22" y="connsiteY22"/>
+              </a:cxn>
+              <a:cxn ang="0">
+                <a:pos x="connsiteX23" y="connsiteY23"/>
+              </a:cxn>
+              <a:cxn ang="0">
+                <a:pos x="connsiteX24" y="connsiteY24"/>
+              </a:cxn>
+              <a:cxn ang="0">
+                <a:pos x="connsiteX25" y="connsiteY25"/>
+              </a:cxn>
+              <a:cxn ang="0">
+                <a:pos x="connsiteX26" y="connsiteY26"/>
+              </a:cxn>
+              <a:cxn ang="0">
+                <a:pos x="connsiteX27" y="connsiteY27"/>
+              </a:cxn>
+              <a:cxn ang="0">
+                <a:pos x="connsiteX28" y="connsiteY28"/>
+              </a:cxn>
+              <a:cxn ang="0">
+                <a:pos x="connsiteX29" y="connsiteY29"/>
+              </a:cxn>
+              <a:cxn ang="0">
+                <a:pos x="connsiteX30" y="connsiteY30"/>
+              </a:cxn>
+              <a:cxn ang="0">
+                <a:pos x="connsiteX31" y="connsiteY31"/>
+              </a:cxn>
+              <a:cxn ang="0">
+                <a:pos x="connsiteX32" y="connsiteY32"/>
+              </a:cxn>
+              <a:cxn ang="0">
+                <a:pos x="connsiteX33" y="connsiteY33"/>
+              </a:cxn>
+              <a:cxn ang="0">
+                <a:pos x="connsiteX34" y="connsiteY34"/>
+              </a:cxn>
+              <a:cxn ang="0">
+                <a:pos x="connsiteX35" y="connsiteY35"/>
+              </a:cxn>
+            </a:cxnLst>
+            <a:rect l="l" t="t" r="r" b="b"/>
+            <a:pathLst>
+              <a:path w="559472" h="3709642">
+                <a:moveTo>
+                  <a:pt x="0" y="0"/>
+                </a:moveTo>
+                <a:lnTo>
+                  <a:pt x="473952" y="0"/>
+                </a:lnTo>
+                <a:lnTo>
+                  <a:pt x="485840" y="161194"/>
+                </a:lnTo>
+                <a:cubicBezTo>
+                  <a:pt x="552063" y="1147770"/>
+                  <a:pt x="592441" y="3086737"/>
+                  <a:pt x="523949" y="3672197"/>
+                </a:cubicBezTo>
+                <a:cubicBezTo>
+                  <a:pt x="500842" y="3684557"/>
+                  <a:pt x="477855" y="3697282"/>
+                  <a:pt x="454748" y="3709642"/>
+                </a:cubicBezTo>
+                <a:lnTo>
+                  <a:pt x="448224" y="3510471"/>
+                </a:lnTo>
+                <a:lnTo>
+                  <a:pt x="443564" y="3408563"/>
+                </a:lnTo>
+                <a:lnTo>
+                  <a:pt x="438902" y="3304407"/>
+                </a:lnTo>
+                <a:lnTo>
+                  <a:pt x="433941" y="3198777"/>
+                </a:lnTo>
+                <a:lnTo>
+                  <a:pt x="427584" y="3092510"/>
+                </a:lnTo>
+                <a:lnTo>
+                  <a:pt x="420988" y="2984390"/>
+                </a:lnTo>
+                <a:lnTo>
+                  <a:pt x="414330" y="2874401"/>
+                </a:lnTo>
+                <a:lnTo>
+                  <a:pt x="406840" y="2762980"/>
+                </a:lnTo>
+                <a:lnTo>
+                  <a:pt x="397745" y="2650566"/>
+                </a:lnTo>
+                <a:lnTo>
+                  <a:pt x="389154" y="2536612"/>
+                </a:lnTo>
+                <a:lnTo>
+                  <a:pt x="379225" y="2421642"/>
+                </a:lnTo>
+                <a:lnTo>
+                  <a:pt x="368316" y="2305627"/>
+                </a:lnTo>
+                <a:lnTo>
+                  <a:pt x="357466" y="2189233"/>
+                </a:lnTo>
+                <a:lnTo>
+                  <a:pt x="344982" y="2071473"/>
+                </a:lnTo>
+                <a:lnTo>
+                  <a:pt x="332466" y="1952216"/>
+                </a:lnTo>
+                <a:lnTo>
+                  <a:pt x="319121" y="1833776"/>
+                </a:lnTo>
+                <a:lnTo>
+                  <a:pt x="304408" y="1713948"/>
+                </a:lnTo>
+                <a:lnTo>
+                  <a:pt x="288685" y="1592703"/>
+                </a:lnTo>
+                <a:lnTo>
+                  <a:pt x="273050" y="1471451"/>
+                </a:lnTo>
+                <a:lnTo>
+                  <a:pt x="255813" y="1350328"/>
+                </a:lnTo>
+                <a:lnTo>
+                  <a:pt x="237060" y="1227080"/>
+                </a:lnTo>
+                <a:lnTo>
+                  <a:pt x="218488" y="1106065"/>
+                </a:lnTo>
+                <a:lnTo>
+                  <a:pt x="198221" y="982940"/>
+                </a:lnTo>
+                <a:lnTo>
+                  <a:pt x="177152" y="858755"/>
+                </a:lnTo>
+                <a:lnTo>
+                  <a:pt x="155551" y="736861"/>
+                </a:lnTo>
+                <a:lnTo>
+                  <a:pt x="131782" y="613645"/>
+                </a:lnTo>
+                <a:lnTo>
+                  <a:pt x="107123" y="490500"/>
+                </a:lnTo>
+                <a:lnTo>
+                  <a:pt x="82552" y="367348"/>
+                </a:lnTo>
+                <a:lnTo>
+                  <a:pt x="55608" y="244762"/>
+                </a:lnTo>
+                <a:lnTo>
+                  <a:pt x="28130" y="122220"/>
+                </a:lnTo>
+                <a:lnTo>
+                  <a:pt x="0" y="0"/>
+                </a:lnTo>
+                <a:close/>
+              </a:path>
+            </a:pathLst>
+          </a:custGeom>
+          <a:solidFill>
+            <a:schemeClr val="tx1">
+              <a:alpha val="20000"/>
+            </a:schemeClr>
+          </a:solidFill>
+          <a:ln>
+            <a:noFill/>
+          </a:ln>
+        </p:spPr>
+        <p:txBody>
+          <a:bodyPr rtlCol="0" anchor="ctr"/>
+          <a:lstStyle/>
+          <a:p>
+            <a:pPr algn="ctr"/>
+            <a:endParaRPr lang="en-US"/>
+          </a:p>
+        </p:txBody>
+      </p:sp>
+      <p:sp>
+        <p:nvSpPr>
+          <p:cNvPr id="155" name="Freeform 5">
+            <a:extLst>
+              <a:ext uri="{FF2B5EF4-FFF2-40B4-BE49-F238E27FC236}">
+                <a16:creationId xmlns:a16="http://schemas.microsoft.com/office/drawing/2014/main" id="{73E26159-C029-4449-8912-A9B418CC328B}"/>
+              </a:ext>
+              <a:ext uri="{C183D7F6-B498-43B3-948B-1728B52AA6E4}">
+                <adec:decorative xmlns:adec="http://schemas.microsoft.com/office/drawing/2017/decorative" val="1"/>
+              </a:ext>
+            </a:extLst>
+          </p:cNvPr>
+          <p:cNvSpPr>
+            <a:spLocks noGrp="1" noRot="1" noChangeAspect="1" noMove="1" noResize="1" noEditPoints="1" noAdjustHandles="1" noChangeArrowheads="1" noChangeShapeType="1" noTextEdit="1"/>
+          </p:cNvSpPr>
+          <p:nvPr>
+            <p:extLst>
+              <p:ext uri="{386F3935-93C4-4BCD-93E2-E3B085C9AB24}">
+                <p16:designElem xmlns:p16="http://schemas.microsoft.com/office/powerpoint/2015/main" val="1"/>
+              </p:ext>
+            </p:extLst>
+          </p:nvPr>
+        </p:nvSpPr>
+        <p:spPr bwMode="gray">
+          <a:xfrm rot="5400000" flipH="1">
+            <a:off x="3708596" y="2756642"/>
+            <a:ext cx="6858000" cy="1344715"/>
+          </a:xfrm>
+          <a:custGeom>
+            <a:avLst/>
+            <a:gdLst/>
+            <a:ahLst/>
+            <a:cxnLst/>
+            <a:rect l="l" t="t" r="r" b="b"/>
+            <a:pathLst>
+              <a:path w="10000" h="8000">
+                <a:moveTo>
+                  <a:pt x="0" y="0"/>
+                </a:moveTo>
+                <a:lnTo>
+                  <a:pt x="0" y="7970"/>
+                </a:lnTo>
+                <a:lnTo>
+                  <a:pt x="10000" y="8000"/>
+                </a:lnTo>
+                <a:lnTo>
+                  <a:pt x="10000" y="7"/>
+                </a:lnTo>
+                <a:lnTo>
+                  <a:pt x="10000" y="7"/>
+                </a:lnTo>
+                <a:lnTo>
+                  <a:pt x="9773" y="156"/>
+                </a:lnTo>
+                <a:lnTo>
+                  <a:pt x="9547" y="298"/>
+                </a:lnTo>
+                <a:lnTo>
+                  <a:pt x="9320" y="437"/>
+                </a:lnTo>
+                <a:lnTo>
+                  <a:pt x="9092" y="556"/>
+                </a:lnTo>
+                <a:lnTo>
+                  <a:pt x="8865" y="676"/>
+                </a:lnTo>
+                <a:lnTo>
+                  <a:pt x="8637" y="788"/>
+                </a:lnTo>
+                <a:lnTo>
+                  <a:pt x="8412" y="884"/>
+                </a:lnTo>
+                <a:lnTo>
+                  <a:pt x="8184" y="975"/>
+                </a:lnTo>
+                <a:lnTo>
+                  <a:pt x="7957" y="1058"/>
+                </a:lnTo>
+                <a:lnTo>
+                  <a:pt x="7734" y="1130"/>
+                </a:lnTo>
+                <a:lnTo>
+                  <a:pt x="7508" y="1202"/>
+                </a:lnTo>
+                <a:lnTo>
+                  <a:pt x="7285" y="1262"/>
+                </a:lnTo>
+                <a:lnTo>
+                  <a:pt x="7062" y="1309"/>
+                </a:lnTo>
+                <a:lnTo>
+                  <a:pt x="6840" y="1358"/>
+                </a:lnTo>
+                <a:lnTo>
+                  <a:pt x="6620" y="1399"/>
+                </a:lnTo>
+                <a:lnTo>
+                  <a:pt x="6402" y="1428"/>
+                </a:lnTo>
+                <a:lnTo>
+                  <a:pt x="6184" y="1453"/>
+                </a:lnTo>
+                <a:lnTo>
+                  <a:pt x="5968" y="1477"/>
+                </a:lnTo>
+                <a:lnTo>
+                  <a:pt x="5755" y="1488"/>
+                </a:lnTo>
+                <a:lnTo>
+                  <a:pt x="5542" y="1500"/>
+                </a:lnTo>
+                <a:lnTo>
+                  <a:pt x="5332" y="1506"/>
+                </a:lnTo>
+                <a:lnTo>
+                  <a:pt x="5124" y="1500"/>
+                </a:lnTo>
+                <a:lnTo>
+                  <a:pt x="4918" y="1500"/>
+                </a:lnTo>
+                <a:lnTo>
+                  <a:pt x="4714" y="1488"/>
+                </a:lnTo>
+                <a:lnTo>
+                  <a:pt x="4514" y="1470"/>
+                </a:lnTo>
+                <a:lnTo>
+                  <a:pt x="4316" y="1453"/>
+                </a:lnTo>
+                <a:lnTo>
+                  <a:pt x="4122" y="1434"/>
+                </a:lnTo>
+                <a:lnTo>
+                  <a:pt x="3929" y="1405"/>
+                </a:lnTo>
+                <a:lnTo>
+                  <a:pt x="3739" y="1374"/>
+                </a:lnTo>
+                <a:lnTo>
+                  <a:pt x="3553" y="1346"/>
+                </a:lnTo>
+                <a:lnTo>
+                  <a:pt x="3190" y="1267"/>
+                </a:lnTo>
+                <a:lnTo>
+                  <a:pt x="2842" y="1183"/>
+                </a:lnTo>
+                <a:lnTo>
+                  <a:pt x="2508" y="1095"/>
+                </a:lnTo>
+                <a:lnTo>
+                  <a:pt x="2192" y="998"/>
+                </a:lnTo>
+                <a:lnTo>
+                  <a:pt x="1890" y="897"/>
+                </a:lnTo>
+                <a:lnTo>
+                  <a:pt x="1610" y="788"/>
+                </a:lnTo>
+                <a:lnTo>
+                  <a:pt x="1347" y="681"/>
+                </a:lnTo>
+                <a:lnTo>
+                  <a:pt x="1105" y="574"/>
+                </a:lnTo>
+                <a:lnTo>
+                  <a:pt x="883" y="473"/>
+                </a:lnTo>
+                <a:lnTo>
+                  <a:pt x="686" y="377"/>
+                </a:lnTo>
+                <a:lnTo>
+                  <a:pt x="508" y="286"/>
+                </a:lnTo>
+                <a:lnTo>
+                  <a:pt x="358" y="210"/>
+                </a:lnTo>
+                <a:lnTo>
+                  <a:pt x="232" y="138"/>
+                </a:lnTo>
+                <a:lnTo>
+                  <a:pt x="59" y="35"/>
+                </a:lnTo>
+                <a:lnTo>
+                  <a:pt x="0" y="0"/>
+                </a:lnTo>
+                <a:lnTo>
+                  <a:pt x="0" y="0"/>
+                </a:lnTo>
+                <a:close/>
+              </a:path>
+            </a:pathLst>
+          </a:custGeom>
+          <a:solidFill>
+            <a:srgbClr val="FFFFFF"/>
+          </a:solidFill>
+          <a:ln>
+            <a:noFill/>
+          </a:ln>
+        </p:spPr>
+      </p:sp>
+      <p:pic>
+        <p:nvPicPr>
+          <p:cNvPr id="5" name="Picture 8">
+            <a:extLst>
+              <a:ext uri="{FF2B5EF4-FFF2-40B4-BE49-F238E27FC236}">
+                <a16:creationId xmlns:a16="http://schemas.microsoft.com/office/drawing/2014/main" id="{87F8F354-C13E-48EE-BC6C-0FF8E6AFC3A7}"/>
+              </a:ext>
+            </a:extLst>
+          </p:cNvPr>
+          <p:cNvPicPr>
+            <a:picLocks noChangeAspect="1" noChangeArrowheads="1"/>
+          </p:cNvPicPr>
+          <p:nvPr/>
+        </p:nvPicPr>
+        <p:blipFill>
+          <a:blip r:embed="rId7">
+            <a:extLst>
+              <a:ext uri="{28A0092B-C50C-407E-A947-70E740481C1C}">
+                <a14:useLocalDpi xmlns:a14="http://schemas.microsoft.com/office/drawing/2010/main" val="0"/>
+              </a:ext>
+            </a:extLst>
+          </a:blip>
+          <a:srcRect/>
+          <a:stretch>
+            <a:fillRect/>
+          </a:stretch>
+        </p:blipFill>
+        <p:spPr bwMode="auto">
+          <a:xfrm>
+            <a:off x="-23466" y="-2"/>
+            <a:ext cx="7318375" cy="6858000"/>
+          </a:xfrm>
+          <a:prstGeom prst="rect">
+            <a:avLst/>
+          </a:prstGeom>
+          <a:noFill/>
+          <a:extLst>
+            <a:ext uri="{909E8E84-426E-40DD-AFC4-6F175D3DCCD1}">
+              <a14:hiddenFill xmlns:a14="http://schemas.microsoft.com/office/drawing/2010/main">
+                <a:solidFill>
+                  <a:srgbClr val="FFFFFF"/>
+                </a:solidFill>
+              </a14:hiddenFill>
+            </a:ext>
+          </a:extLst>
+        </p:spPr>
+      </p:pic>
+    </p:spTree>
+    <p:extLst>
+      <p:ext uri="{BB962C8B-B14F-4D97-AF65-F5344CB8AC3E}">
+        <p14:creationId xmlns:p14="http://schemas.microsoft.com/office/powerpoint/2010/main" val="2155569192"/>
+      </p:ext>
+    </p:extLst>
+  </p:cSld>
+  <p:clrMapOvr>
+    <a:masterClrMapping/>
+  </p:clrMapOvr>
+</p:sld>
+</file>
+
+<file path=ppt/slides/slide5.xml><?xml version="1.0" encoding="utf-8"?>
+<p:sld xmlns:a="http://schemas.openxmlformats.org/drawingml/2006/main" xmlns:r="http://schemas.openxmlformats.org/officeDocument/2006/relationships" xmlns:p="http://schemas.openxmlformats.org/presentationml/2006/main">
+  <p:cSld>
+    <p:bg>
+      <p:bgPr>
+        <a:solidFill>
+          <a:schemeClr val="bg1"/>
+        </a:solidFill>
+        <a:effectLst/>
+      </p:bgPr>
+    </p:bg>
+    <p:spTree>
+      <p:nvGrpSpPr>
+        <p:cNvPr id="1" name=""/>
+        <p:cNvGrpSpPr/>
+        <p:nvPr/>
+      </p:nvGrpSpPr>
+      <p:grpSpPr>
+        <a:xfrm>
+          <a:off x="0" y="0"/>
+          <a:ext cx="0" cy="0"/>
+          <a:chOff x="0" y="0"/>
+          <a:chExt cx="0" cy="0"/>
+        </a:xfrm>
+      </p:grpSpPr>
+      <p:sp>
+        <p:nvSpPr>
+          <p:cNvPr id="27" name="Rectangle 26">
+            <a:extLst>
+              <a:ext uri="{FF2B5EF4-FFF2-40B4-BE49-F238E27FC236}">
+                <a16:creationId xmlns:a16="http://schemas.microsoft.com/office/drawing/2014/main" id="{25482F9D-E110-434E-9B4F-41A3F5CB2A2F}"/>
+              </a:ext>
+              <a:ext uri="{C183D7F6-B498-43B3-948B-1728B52AA6E4}">
+                <adec:decorative xmlns:adec="http://schemas.microsoft.com/office/drawing/2017/decorative" val="1"/>
+              </a:ext>
+            </a:extLst>
+          </p:cNvPr>
+          <p:cNvSpPr>
+            <a:spLocks noGrp="1" noRot="1" noChangeAspect="1" noMove="1" noResize="1" noEditPoints="1" noAdjustHandles="1" noChangeArrowheads="1" noChangeShapeType="1" noTextEdit="1"/>
+          </p:cNvSpPr>
+          <p:nvPr>
+            <p:extLst>
+              <p:ext uri="{386F3935-93C4-4BCD-93E2-E3B085C9AB24}">
+                <p16:designElem xmlns:p16="http://schemas.microsoft.com/office/powerpoint/2015/main" val="1"/>
+              </p:ext>
+            </p:extLst>
+          </p:nvPr>
+        </p:nvSpPr>
+        <p:spPr>
+          <a:xfrm>
+            <a:off x="0" y="0"/>
+            <a:ext cx="12191999" cy="6858000"/>
+          </a:xfrm>
+          <a:prstGeom prst="rect">
+            <a:avLst/>
+          </a:prstGeom>
+          <a:ln>
+            <a:noFill/>
+          </a:ln>
+        </p:spPr>
+        <p:style>
+          <a:lnRef idx="2">
+            <a:schemeClr val="accent1">
+              <a:shade val="50000"/>
+            </a:schemeClr>
+          </a:lnRef>
+          <a:fillRef idx="1003">
+            <a:schemeClr val="dk2"/>
+          </a:fillRef>
+          <a:effectRef idx="0">
+            <a:schemeClr val="accent1"/>
+          </a:effectRef>
+          <a:fontRef idx="minor">
+            <a:schemeClr val="lt1"/>
+          </a:fontRef>
+        </p:style>
+        <p:txBody>
+          <a:bodyPr rtlCol="0" anchor="ctr"/>
+          <a:lstStyle/>
+          <a:p>
+            <a:pPr algn="ctr"/>
+            <a:endParaRPr lang="en-US"/>
+          </a:p>
+        </p:txBody>
+      </p:sp>
+      <p:sp>
+        <p:nvSpPr>
+          <p:cNvPr id="29" name="Freeform 7">
+            <a:extLst>
+              <a:ext uri="{FF2B5EF4-FFF2-40B4-BE49-F238E27FC236}">
+                <a16:creationId xmlns:a16="http://schemas.microsoft.com/office/drawing/2014/main" id="{5779FF2E-BB5C-4805-AAD5-275495A2B7EF}"/>
               </a:ext>
               <a:ext uri="{C183D7F6-B498-43B3-948B-1728B52AA6E4}">
                 <adec:decorative xmlns:adec="http://schemas.microsoft.com/office/drawing/2017/decorative" val="1"/>
@@ -9523,509 +13389,21 @@
           <a:bodyPr rtlCol="0" anchor="ctr"/>
           <a:lstStyle/>
           <a:p>
-            <a:pPr marL="0" marR="0" lvl="0" indent="0" algn="ctr" defTabSz="914400" rtl="0" eaLnBrk="1" fontAlgn="auto" latinLnBrk="0" hangingPunct="1">
-              <a:lnSpc>
-                <a:spcPct val="100000"/>
-              </a:lnSpc>
-              <a:spcBef>
-                <a:spcPts val="0"/>
-              </a:spcBef>
-              <a:spcAft>
-                <a:spcPts val="0"/>
-              </a:spcAft>
-              <a:buClrTx/>
-              <a:buSzTx/>
-              <a:buFontTx/>
-              <a:buNone/>
-              <a:tabLst/>
-              <a:defRPr/>
-            </a:pPr>
-            <a:endParaRPr kumimoji="0" lang="en-US" sz="1800" b="0" i="0" u="none" strike="noStrike" kern="1200" cap="none" spc="0" normalizeH="0" baseline="0" noProof="0">
-              <a:ln>
-                <a:noFill/>
-              </a:ln>
+            <a:pPr algn="ctr"/>
+            <a:endParaRPr lang="en-US">
               <a:solidFill>
-                <a:prstClr val="black"/>
+                <a:schemeClr val="tx1"/>
               </a:solidFill>
-              <a:effectLst/>
-              <a:uLnTx/>
-              <a:uFillTx/>
-              <a:latin typeface="Century Gothic" panose="020B0502020202020204"/>
-              <a:ea typeface="+mn-ea"/>
-              <a:cs typeface="+mn-cs"/>
             </a:endParaRPr>
           </a:p>
         </p:txBody>
-      </p:sp>
-      <p:sp useBgFill="1">
-        <p:nvSpPr>
-          <p:cNvPr id="14" name="Freeform: Shape 13">
-            <a:extLst>
-              <a:ext uri="{FF2B5EF4-FFF2-40B4-BE49-F238E27FC236}">
-                <a16:creationId xmlns:a16="http://schemas.microsoft.com/office/drawing/2014/main" id="{6A681326-1C9D-44A3-A627-3871BDAE4127}"/>
-              </a:ext>
-              <a:ext uri="{C183D7F6-B498-43B3-948B-1728B52AA6E4}">
-                <adec:decorative xmlns:adec="http://schemas.microsoft.com/office/drawing/2017/decorative" val="1"/>
-              </a:ext>
-            </a:extLst>
-          </p:cNvPr>
-          <p:cNvSpPr>
-            <a:spLocks noGrp="1" noRot="1" noChangeAspect="1" noMove="1" noResize="1" noEditPoints="1" noAdjustHandles="1" noChangeArrowheads="1" noChangeShapeType="1" noTextEdit="1"/>
-          </p:cNvSpPr>
-          <p:nvPr>
-            <p:extLst>
-              <p:ext uri="{386F3935-93C4-4BCD-93E2-E3B085C9AB24}">
-                <p16:designElem xmlns:p16="http://schemas.microsoft.com/office/powerpoint/2015/main" val="1"/>
-              </p:ext>
-            </p:extLst>
-          </p:nvPr>
-        </p:nvSpPr>
-        <p:spPr bwMode="gray">
-          <a:xfrm>
-            <a:off x="1" y="1762067"/>
-            <a:ext cx="12192417" cy="5095933"/>
-          </a:xfrm>
-          <a:custGeom>
-            <a:avLst/>
-            <a:gdLst>
-              <a:gd name="connsiteX0" fmla="*/ 0 w 12192417"/>
-              <a:gd name="connsiteY0" fmla="*/ 0 h 5095933"/>
-              <a:gd name="connsiteX1" fmla="*/ 71931 w 12192417"/>
-              <a:gd name="connsiteY1" fmla="*/ 12261 h 5095933"/>
-              <a:gd name="connsiteX2" fmla="*/ 282848 w 12192417"/>
-              <a:gd name="connsiteY2" fmla="*/ 48343 h 5095933"/>
-              <a:gd name="connsiteX3" fmla="*/ 436463 w 12192417"/>
-              <a:gd name="connsiteY3" fmla="*/ 73565 h 5095933"/>
-              <a:gd name="connsiteX4" fmla="*/ 619338 w 12192417"/>
-              <a:gd name="connsiteY4" fmla="*/ 100188 h 5095933"/>
-              <a:gd name="connsiteX5" fmla="*/ 836350 w 12192417"/>
-              <a:gd name="connsiteY5" fmla="*/ 132066 h 5095933"/>
-              <a:gd name="connsiteX6" fmla="*/ 1076527 w 12192417"/>
-              <a:gd name="connsiteY6" fmla="*/ 165696 h 5095933"/>
-              <a:gd name="connsiteX7" fmla="*/ 1347183 w 12192417"/>
-              <a:gd name="connsiteY7" fmla="*/ 201077 h 5095933"/>
-              <a:gd name="connsiteX8" fmla="*/ 1642222 w 12192417"/>
-              <a:gd name="connsiteY8" fmla="*/ 238560 h 5095933"/>
-              <a:gd name="connsiteX9" fmla="*/ 1962863 w 12192417"/>
-              <a:gd name="connsiteY9" fmla="*/ 276043 h 5095933"/>
-              <a:gd name="connsiteX10" fmla="*/ 2304231 w 12192417"/>
-              <a:gd name="connsiteY10" fmla="*/ 314227 h 5095933"/>
-              <a:gd name="connsiteX11" fmla="*/ 2672420 w 12192417"/>
-              <a:gd name="connsiteY11" fmla="*/ 349608 h 5095933"/>
-              <a:gd name="connsiteX12" fmla="*/ 3057677 w 12192417"/>
-              <a:gd name="connsiteY12" fmla="*/ 383588 h 5095933"/>
-              <a:gd name="connsiteX13" fmla="*/ 3464880 w 12192417"/>
-              <a:gd name="connsiteY13" fmla="*/ 414415 h 5095933"/>
-              <a:gd name="connsiteX14" fmla="*/ 3889151 w 12192417"/>
-              <a:gd name="connsiteY14" fmla="*/ 443841 h 5095933"/>
-              <a:gd name="connsiteX15" fmla="*/ 4331709 w 12192417"/>
-              <a:gd name="connsiteY15" fmla="*/ 471515 h 5095933"/>
-              <a:gd name="connsiteX16" fmla="*/ 4558475 w 12192417"/>
-              <a:gd name="connsiteY16" fmla="*/ 481324 h 5095933"/>
-              <a:gd name="connsiteX17" fmla="*/ 4790117 w 12192417"/>
-              <a:gd name="connsiteY17" fmla="*/ 492183 h 5095933"/>
-              <a:gd name="connsiteX18" fmla="*/ 5025417 w 12192417"/>
-              <a:gd name="connsiteY18" fmla="*/ 502342 h 5095933"/>
-              <a:gd name="connsiteX19" fmla="*/ 5261936 w 12192417"/>
-              <a:gd name="connsiteY19" fmla="*/ 508998 h 5095933"/>
-              <a:gd name="connsiteX20" fmla="*/ 5503331 w 12192417"/>
-              <a:gd name="connsiteY20" fmla="*/ 514953 h 5095933"/>
-              <a:gd name="connsiteX21" fmla="*/ 5747166 w 12192417"/>
-              <a:gd name="connsiteY21" fmla="*/ 521259 h 5095933"/>
-              <a:gd name="connsiteX22" fmla="*/ 5995876 w 12192417"/>
-              <a:gd name="connsiteY22" fmla="*/ 525463 h 5095933"/>
-              <a:gd name="connsiteX23" fmla="*/ 6247025 w 12192417"/>
-              <a:gd name="connsiteY23" fmla="*/ 525463 h 5095933"/>
-              <a:gd name="connsiteX24" fmla="*/ 6500612 w 12192417"/>
-              <a:gd name="connsiteY24" fmla="*/ 527565 h 5095933"/>
-              <a:gd name="connsiteX25" fmla="*/ 6756638 w 12192417"/>
-              <a:gd name="connsiteY25" fmla="*/ 525463 h 5095933"/>
-              <a:gd name="connsiteX26" fmla="*/ 7016321 w 12192417"/>
-              <a:gd name="connsiteY26" fmla="*/ 521259 h 5095933"/>
-              <a:gd name="connsiteX27" fmla="*/ 7276004 w 12192417"/>
-              <a:gd name="connsiteY27" fmla="*/ 517406 h 5095933"/>
-              <a:gd name="connsiteX28" fmla="*/ 7539344 w 12192417"/>
-              <a:gd name="connsiteY28" fmla="*/ 508998 h 5095933"/>
-              <a:gd name="connsiteX29" fmla="*/ 7805123 w 12192417"/>
-              <a:gd name="connsiteY29" fmla="*/ 500241 h 5095933"/>
-              <a:gd name="connsiteX30" fmla="*/ 8070902 w 12192417"/>
-              <a:gd name="connsiteY30" fmla="*/ 490082 h 5095933"/>
-              <a:gd name="connsiteX31" fmla="*/ 8339120 w 12192417"/>
-              <a:gd name="connsiteY31" fmla="*/ 475719 h 5095933"/>
-              <a:gd name="connsiteX32" fmla="*/ 8609775 w 12192417"/>
-              <a:gd name="connsiteY32" fmla="*/ 458554 h 5095933"/>
-              <a:gd name="connsiteX33" fmla="*/ 8881650 w 12192417"/>
-              <a:gd name="connsiteY33" fmla="*/ 442089 h 5095933"/>
-              <a:gd name="connsiteX34" fmla="*/ 9153525 w 12192417"/>
-              <a:gd name="connsiteY34" fmla="*/ 421071 h 5095933"/>
-              <a:gd name="connsiteX35" fmla="*/ 9429057 w 12192417"/>
-              <a:gd name="connsiteY35" fmla="*/ 395849 h 5095933"/>
-              <a:gd name="connsiteX36" fmla="*/ 9700932 w 12192417"/>
-              <a:gd name="connsiteY36" fmla="*/ 370626 h 5095933"/>
-              <a:gd name="connsiteX37" fmla="*/ 9977683 w 12192417"/>
-              <a:gd name="connsiteY37" fmla="*/ 341551 h 5095933"/>
-              <a:gd name="connsiteX38" fmla="*/ 10255654 w 12192417"/>
-              <a:gd name="connsiteY38" fmla="*/ 309673 h 5095933"/>
-              <a:gd name="connsiteX39" fmla="*/ 10529967 w 12192417"/>
-              <a:gd name="connsiteY39" fmla="*/ 276043 h 5095933"/>
-              <a:gd name="connsiteX40" fmla="*/ 10807938 w 12192417"/>
-              <a:gd name="connsiteY40" fmla="*/ 236809 h 5095933"/>
-              <a:gd name="connsiteX41" fmla="*/ 11084689 w 12192417"/>
-              <a:gd name="connsiteY41" fmla="*/ 194772 h 5095933"/>
-              <a:gd name="connsiteX42" fmla="*/ 11362660 w 12192417"/>
-              <a:gd name="connsiteY42" fmla="*/ 153085 h 5095933"/>
-              <a:gd name="connsiteX43" fmla="*/ 11639411 w 12192417"/>
-              <a:gd name="connsiteY43" fmla="*/ 104392 h 5095933"/>
-              <a:gd name="connsiteX44" fmla="*/ 11914944 w 12192417"/>
-              <a:gd name="connsiteY44" fmla="*/ 54648 h 5095933"/>
-              <a:gd name="connsiteX45" fmla="*/ 12191695 w 12192417"/>
-              <a:gd name="connsiteY45" fmla="*/ 2452 h 5095933"/>
-              <a:gd name="connsiteX46" fmla="*/ 12191695 w 12192417"/>
-              <a:gd name="connsiteY46" fmla="*/ 2162231 h 5095933"/>
-              <a:gd name="connsiteX47" fmla="*/ 12192417 w 12192417"/>
-              <a:gd name="connsiteY47" fmla="*/ 2162231 h 5095933"/>
-              <a:gd name="connsiteX48" fmla="*/ 12192417 w 12192417"/>
-              <a:gd name="connsiteY48" fmla="*/ 5095933 h 5095933"/>
-              <a:gd name="connsiteX49" fmla="*/ 0 w 12192417"/>
-              <a:gd name="connsiteY49" fmla="*/ 5095933 h 5095933"/>
-              <a:gd name="connsiteX50" fmla="*/ 0 w 12192417"/>
-              <a:gd name="connsiteY50" fmla="*/ 2791958 h 5095933"/>
-              <a:gd name="connsiteX51" fmla="*/ 0 w 12192417"/>
-              <a:gd name="connsiteY51" fmla="*/ 2162231 h 5095933"/>
-            </a:gdLst>
-            <a:ahLst/>
-            <a:cxnLst>
-              <a:cxn ang="0">
-                <a:pos x="connsiteX0" y="connsiteY0"/>
-              </a:cxn>
-              <a:cxn ang="0">
-                <a:pos x="connsiteX1" y="connsiteY1"/>
-              </a:cxn>
-              <a:cxn ang="0">
-                <a:pos x="connsiteX2" y="connsiteY2"/>
-              </a:cxn>
-              <a:cxn ang="0">
-                <a:pos x="connsiteX3" y="connsiteY3"/>
-              </a:cxn>
-              <a:cxn ang="0">
-                <a:pos x="connsiteX4" y="connsiteY4"/>
-              </a:cxn>
-              <a:cxn ang="0">
-                <a:pos x="connsiteX5" y="connsiteY5"/>
-              </a:cxn>
-              <a:cxn ang="0">
-                <a:pos x="connsiteX6" y="connsiteY6"/>
-              </a:cxn>
-              <a:cxn ang="0">
-                <a:pos x="connsiteX7" y="connsiteY7"/>
-              </a:cxn>
-              <a:cxn ang="0">
-                <a:pos x="connsiteX8" y="connsiteY8"/>
-              </a:cxn>
-              <a:cxn ang="0">
-                <a:pos x="connsiteX9" y="connsiteY9"/>
-              </a:cxn>
-              <a:cxn ang="0">
-                <a:pos x="connsiteX10" y="connsiteY10"/>
-              </a:cxn>
-              <a:cxn ang="0">
-                <a:pos x="connsiteX11" y="connsiteY11"/>
-              </a:cxn>
-              <a:cxn ang="0">
-                <a:pos x="connsiteX12" y="connsiteY12"/>
-              </a:cxn>
-              <a:cxn ang="0">
-                <a:pos x="connsiteX13" y="connsiteY13"/>
-              </a:cxn>
-              <a:cxn ang="0">
-                <a:pos x="connsiteX14" y="connsiteY14"/>
-              </a:cxn>
-              <a:cxn ang="0">
-                <a:pos x="connsiteX15" y="connsiteY15"/>
-              </a:cxn>
-              <a:cxn ang="0">
-                <a:pos x="connsiteX16" y="connsiteY16"/>
-              </a:cxn>
-              <a:cxn ang="0">
-                <a:pos x="connsiteX17" y="connsiteY17"/>
-              </a:cxn>
-              <a:cxn ang="0">
-                <a:pos x="connsiteX18" y="connsiteY18"/>
-              </a:cxn>
-              <a:cxn ang="0">
-                <a:pos x="connsiteX19" y="connsiteY19"/>
-              </a:cxn>
-              <a:cxn ang="0">
-                <a:pos x="connsiteX20" y="connsiteY20"/>
-              </a:cxn>
-              <a:cxn ang="0">
-                <a:pos x="connsiteX21" y="connsiteY21"/>
-              </a:cxn>
-              <a:cxn ang="0">
-                <a:pos x="connsiteX22" y="connsiteY22"/>
-              </a:cxn>
-              <a:cxn ang="0">
-                <a:pos x="connsiteX23" y="connsiteY23"/>
-              </a:cxn>
-              <a:cxn ang="0">
-                <a:pos x="connsiteX24" y="connsiteY24"/>
-              </a:cxn>
-              <a:cxn ang="0">
-                <a:pos x="connsiteX25" y="connsiteY25"/>
-              </a:cxn>
-              <a:cxn ang="0">
-                <a:pos x="connsiteX26" y="connsiteY26"/>
-              </a:cxn>
-              <a:cxn ang="0">
-                <a:pos x="connsiteX27" y="connsiteY27"/>
-              </a:cxn>
-              <a:cxn ang="0">
-                <a:pos x="connsiteX28" y="connsiteY28"/>
-              </a:cxn>
-              <a:cxn ang="0">
-                <a:pos x="connsiteX29" y="connsiteY29"/>
-              </a:cxn>
-              <a:cxn ang="0">
-                <a:pos x="connsiteX30" y="connsiteY30"/>
-              </a:cxn>
-              <a:cxn ang="0">
-                <a:pos x="connsiteX31" y="connsiteY31"/>
-              </a:cxn>
-              <a:cxn ang="0">
-                <a:pos x="connsiteX32" y="connsiteY32"/>
-              </a:cxn>
-              <a:cxn ang="0">
-                <a:pos x="connsiteX33" y="connsiteY33"/>
-              </a:cxn>
-              <a:cxn ang="0">
-                <a:pos x="connsiteX34" y="connsiteY34"/>
-              </a:cxn>
-              <a:cxn ang="0">
-                <a:pos x="connsiteX35" y="connsiteY35"/>
-              </a:cxn>
-              <a:cxn ang="0">
-                <a:pos x="connsiteX36" y="connsiteY36"/>
-              </a:cxn>
-              <a:cxn ang="0">
-                <a:pos x="connsiteX37" y="connsiteY37"/>
-              </a:cxn>
-              <a:cxn ang="0">
-                <a:pos x="connsiteX38" y="connsiteY38"/>
-              </a:cxn>
-              <a:cxn ang="0">
-                <a:pos x="connsiteX39" y="connsiteY39"/>
-              </a:cxn>
-              <a:cxn ang="0">
-                <a:pos x="connsiteX40" y="connsiteY40"/>
-              </a:cxn>
-              <a:cxn ang="0">
-                <a:pos x="connsiteX41" y="connsiteY41"/>
-              </a:cxn>
-              <a:cxn ang="0">
-                <a:pos x="connsiteX42" y="connsiteY42"/>
-              </a:cxn>
-              <a:cxn ang="0">
-                <a:pos x="connsiteX43" y="connsiteY43"/>
-              </a:cxn>
-              <a:cxn ang="0">
-                <a:pos x="connsiteX44" y="connsiteY44"/>
-              </a:cxn>
-              <a:cxn ang="0">
-                <a:pos x="connsiteX45" y="connsiteY45"/>
-              </a:cxn>
-              <a:cxn ang="0">
-                <a:pos x="connsiteX46" y="connsiteY46"/>
-              </a:cxn>
-              <a:cxn ang="0">
-                <a:pos x="connsiteX47" y="connsiteY47"/>
-              </a:cxn>
-              <a:cxn ang="0">
-                <a:pos x="connsiteX48" y="connsiteY48"/>
-              </a:cxn>
-              <a:cxn ang="0">
-                <a:pos x="connsiteX49" y="connsiteY49"/>
-              </a:cxn>
-              <a:cxn ang="0">
-                <a:pos x="connsiteX50" y="connsiteY50"/>
-              </a:cxn>
-              <a:cxn ang="0">
-                <a:pos x="connsiteX51" y="connsiteY51"/>
-              </a:cxn>
-            </a:cxnLst>
-            <a:rect l="l" t="t" r="r" b="b"/>
-            <a:pathLst>
-              <a:path w="12192417" h="5095933">
-                <a:moveTo>
-                  <a:pt x="0" y="0"/>
-                </a:moveTo>
-                <a:lnTo>
-                  <a:pt x="71931" y="12261"/>
-                </a:lnTo>
-                <a:lnTo>
-                  <a:pt x="282848" y="48343"/>
-                </a:lnTo>
-                <a:lnTo>
-                  <a:pt x="436463" y="73565"/>
-                </a:lnTo>
-                <a:lnTo>
-                  <a:pt x="619338" y="100188"/>
-                </a:lnTo>
-                <a:lnTo>
-                  <a:pt x="836350" y="132066"/>
-                </a:lnTo>
-                <a:lnTo>
-                  <a:pt x="1076527" y="165696"/>
-                </a:lnTo>
-                <a:lnTo>
-                  <a:pt x="1347183" y="201077"/>
-                </a:lnTo>
-                <a:lnTo>
-                  <a:pt x="1642222" y="238560"/>
-                </a:lnTo>
-                <a:lnTo>
-                  <a:pt x="1962863" y="276043"/>
-                </a:lnTo>
-                <a:lnTo>
-                  <a:pt x="2304231" y="314227"/>
-                </a:lnTo>
-                <a:lnTo>
-                  <a:pt x="2672420" y="349608"/>
-                </a:lnTo>
-                <a:lnTo>
-                  <a:pt x="3057677" y="383588"/>
-                </a:lnTo>
-                <a:lnTo>
-                  <a:pt x="3464880" y="414415"/>
-                </a:lnTo>
-                <a:lnTo>
-                  <a:pt x="3889151" y="443841"/>
-                </a:lnTo>
-                <a:lnTo>
-                  <a:pt x="4331709" y="471515"/>
-                </a:lnTo>
-                <a:lnTo>
-                  <a:pt x="4558475" y="481324"/>
-                </a:lnTo>
-                <a:lnTo>
-                  <a:pt x="4790117" y="492183"/>
-                </a:lnTo>
-                <a:lnTo>
-                  <a:pt x="5025417" y="502342"/>
-                </a:lnTo>
-                <a:lnTo>
-                  <a:pt x="5261936" y="508998"/>
-                </a:lnTo>
-                <a:lnTo>
-                  <a:pt x="5503331" y="514953"/>
-                </a:lnTo>
-                <a:lnTo>
-                  <a:pt x="5747166" y="521259"/>
-                </a:lnTo>
-                <a:lnTo>
-                  <a:pt x="5995876" y="525463"/>
-                </a:lnTo>
-                <a:lnTo>
-                  <a:pt x="6247025" y="525463"/>
-                </a:lnTo>
-                <a:lnTo>
-                  <a:pt x="6500612" y="527565"/>
-                </a:lnTo>
-                <a:lnTo>
-                  <a:pt x="6756638" y="525463"/>
-                </a:lnTo>
-                <a:lnTo>
-                  <a:pt x="7016321" y="521259"/>
-                </a:lnTo>
-                <a:lnTo>
-                  <a:pt x="7276004" y="517406"/>
-                </a:lnTo>
-                <a:lnTo>
-                  <a:pt x="7539344" y="508998"/>
-                </a:lnTo>
-                <a:lnTo>
-                  <a:pt x="7805123" y="500241"/>
-                </a:lnTo>
-                <a:lnTo>
-                  <a:pt x="8070902" y="490082"/>
-                </a:lnTo>
-                <a:lnTo>
-                  <a:pt x="8339120" y="475719"/>
-                </a:lnTo>
-                <a:lnTo>
-                  <a:pt x="8609775" y="458554"/>
-                </a:lnTo>
-                <a:lnTo>
-                  <a:pt x="8881650" y="442089"/>
-                </a:lnTo>
-                <a:lnTo>
-                  <a:pt x="9153525" y="421071"/>
-                </a:lnTo>
-                <a:lnTo>
-                  <a:pt x="9429057" y="395849"/>
-                </a:lnTo>
-                <a:lnTo>
-                  <a:pt x="9700932" y="370626"/>
-                </a:lnTo>
-                <a:lnTo>
-                  <a:pt x="9977683" y="341551"/>
-                </a:lnTo>
-                <a:lnTo>
-                  <a:pt x="10255654" y="309673"/>
-                </a:lnTo>
-                <a:lnTo>
-                  <a:pt x="10529967" y="276043"/>
-                </a:lnTo>
-                <a:lnTo>
-                  <a:pt x="10807938" y="236809"/>
-                </a:lnTo>
-                <a:lnTo>
-                  <a:pt x="11084689" y="194772"/>
-                </a:lnTo>
-                <a:lnTo>
-                  <a:pt x="11362660" y="153085"/>
-                </a:lnTo>
-                <a:lnTo>
-                  <a:pt x="11639411" y="104392"/>
-                </a:lnTo>
-                <a:lnTo>
-                  <a:pt x="11914944" y="54648"/>
-                </a:lnTo>
-                <a:lnTo>
-                  <a:pt x="12191695" y="2452"/>
-                </a:lnTo>
-                <a:lnTo>
-                  <a:pt x="12191695" y="2162231"/>
-                </a:lnTo>
-                <a:lnTo>
-                  <a:pt x="12192417" y="2162231"/>
-                </a:lnTo>
-                <a:lnTo>
-                  <a:pt x="12192417" y="5095933"/>
-                </a:lnTo>
-                <a:lnTo>
-                  <a:pt x="0" y="5095933"/>
-                </a:lnTo>
-                <a:lnTo>
-                  <a:pt x="0" y="2791958"/>
-                </a:lnTo>
-                <a:lnTo>
-                  <a:pt x="0" y="2162231"/>
-                </a:lnTo>
-                <a:close/>
-              </a:path>
-            </a:pathLst>
-          </a:custGeom>
-          <a:ln>
-            <a:noFill/>
-          </a:ln>
-        </p:spPr>
       </p:sp>
       <p:sp>
         <p:nvSpPr>
           <p:cNvPr id="2" name="Title 1">
             <a:extLst>
               <a:ext uri="{FF2B5EF4-FFF2-40B4-BE49-F238E27FC236}">
-                <a16:creationId xmlns:a16="http://schemas.microsoft.com/office/drawing/2014/main" id="{A62EC082-0249-42CE-9DF9-F78D5BD01E46}"/>
+                <a16:creationId xmlns:a16="http://schemas.microsoft.com/office/drawing/2014/main" id="{54FD9542-D42B-40B0-94D7-E673C95C17FF}"/>
               </a:ext>
             </a:extLst>
           </p:cNvPr>
@@ -10038,208 +13416,53 @@
         </p:nvSpPr>
         <p:spPr>
           <a:xfrm>
-            <a:off x="1103312" y="452718"/>
-            <a:ext cx="8947522" cy="1400530"/>
+            <a:off x="648930" y="629267"/>
+            <a:ext cx="9252154" cy="1016654"/>
           </a:xfrm>
         </p:spPr>
         <p:txBody>
-          <a:bodyPr anchor="ctr">
+          <a:bodyPr vert="horz" lIns="91440" tIns="45720" rIns="91440" bIns="45720" rtlCol="0" anchor="t">
             <a:normAutofit/>
           </a:bodyPr>
           <a:lstStyle/>
           <a:p>
-            <a:pPr algn="ctr"/>
+            <a:pPr>
+              <a:lnSpc>
+                <a:spcPct val="90000"/>
+              </a:lnSpc>
+            </a:pPr>
             <a:r>
-              <a:rPr lang="en-US" dirty="0">
+              <a:rPr lang="en-US" sz="3300">
                 <a:solidFill>
-                  <a:srgbClr val="FFFFFF"/>
+                  <a:srgbClr val="EBEBEB"/>
                 </a:solidFill>
               </a:rPr>
-              <a:t>Influential Factor: </a:t>
+              <a:t>Influential Factor:</a:t>
             </a:r>
             <a:br>
-              <a:rPr lang="en-US" dirty="0">
+              <a:rPr lang="en-US" sz="3300">
                 <a:solidFill>
-                  <a:srgbClr val="FFFFFF"/>
+                  <a:srgbClr val="EBEBEB"/>
                 </a:solidFill>
               </a:rPr>
             </a:br>
             <a:r>
-              <a:rPr lang="en-US" dirty="0">
+              <a:rPr lang="en-US" sz="3300">
                 <a:solidFill>
-                  <a:srgbClr val="FFFFFF"/>
+                  <a:srgbClr val="EBEBEB"/>
                 </a:solidFill>
               </a:rPr>
-              <a:t>View of the Waterfront</a:t>
+              <a:t>Your Zip Code</a:t>
             </a:r>
           </a:p>
         </p:txBody>
       </p:sp>
       <p:sp>
         <p:nvSpPr>
-          <p:cNvPr id="3" name="Content Placeholder 2">
+          <p:cNvPr id="31" name="Rectangle 30">
             <a:extLst>
               <a:ext uri="{FF2B5EF4-FFF2-40B4-BE49-F238E27FC236}">
-                <a16:creationId xmlns:a16="http://schemas.microsoft.com/office/drawing/2014/main" id="{C8DB8160-9091-43F6-B978-5CC1222072C4}"/>
-              </a:ext>
-            </a:extLst>
-          </p:cNvPr>
-          <p:cNvSpPr>
-            <a:spLocks noGrp="1"/>
-          </p:cNvSpPr>
-          <p:nvPr>
-            <p:ph idx="1"/>
-          </p:nvPr>
-        </p:nvSpPr>
-        <p:spPr>
-          <a:xfrm>
-            <a:off x="1103312" y="2763520"/>
-            <a:ext cx="8946541" cy="3484879"/>
-          </a:xfrm>
-        </p:spPr>
-        <p:txBody>
-          <a:bodyPr>
-            <a:normAutofit/>
-          </a:bodyPr>
-          <a:lstStyle/>
-          <a:p>
-            <a:endParaRPr lang="en-US" dirty="0"/>
-          </a:p>
-        </p:txBody>
-      </p:sp>
-    </p:spTree>
-    <p:extLst>
-      <p:ext uri="{BB962C8B-B14F-4D97-AF65-F5344CB8AC3E}">
-        <p14:creationId xmlns:p14="http://schemas.microsoft.com/office/powerpoint/2010/main" val="3371153288"/>
-      </p:ext>
-    </p:extLst>
-  </p:cSld>
-  <p:clrMapOvr>
-    <a:overrideClrMapping bg1="lt1" tx1="dk1" bg2="lt2" tx2="dk2" accent1="accent1" accent2="accent2" accent3="accent3" accent4="accent4" accent5="accent5" accent6="accent6" hlink="hlink" folHlink="folHlink"/>
-  </p:clrMapOvr>
-</p:sld>
-</file>
-
-<file path=ppt/slides/slide5.xml><?xml version="1.0" encoding="utf-8"?>
-<p:sld xmlns:a="http://schemas.openxmlformats.org/drawingml/2006/main" xmlns:r="http://schemas.openxmlformats.org/officeDocument/2006/relationships" xmlns:p="http://schemas.openxmlformats.org/presentationml/2006/main">
-  <p:cSld>
-    <p:bg>
-      <p:bgPr>
-        <a:solidFill>
-          <a:schemeClr val="bg1"/>
-        </a:solidFill>
-        <a:effectLst/>
-      </p:bgPr>
-    </p:bg>
-    <p:spTree>
-      <p:nvGrpSpPr>
-        <p:cNvPr id="1" name=""/>
-        <p:cNvGrpSpPr/>
-        <p:nvPr/>
-      </p:nvGrpSpPr>
-      <p:grpSpPr>
-        <a:xfrm>
-          <a:off x="0" y="0"/>
-          <a:ext cx="0" cy="0"/>
-          <a:chOff x="0" y="0"/>
-          <a:chExt cx="0" cy="0"/>
-        </a:xfrm>
-      </p:grpSpPr>
-      <p:sp>
-        <p:nvSpPr>
-          <p:cNvPr id="8" name="Rectangle 7">
-            <a:extLst>
-              <a:ext uri="{FF2B5EF4-FFF2-40B4-BE49-F238E27FC236}">
-                <a16:creationId xmlns:a16="http://schemas.microsoft.com/office/drawing/2014/main" id="{74CD14DB-BB81-479F-A1FC-1C75640E9F84}"/>
-              </a:ext>
-              <a:ext uri="{C183D7F6-B498-43B3-948B-1728B52AA6E4}">
-                <adec:decorative xmlns:adec="http://schemas.microsoft.com/office/drawing/2017/decorative" val="1"/>
-              </a:ext>
-            </a:extLst>
-          </p:cNvPr>
-          <p:cNvSpPr>
-            <a:spLocks noGrp="1" noRot="1" noChangeAspect="1" noMove="1" noResize="1" noEditPoints="1" noAdjustHandles="1" noChangeArrowheads="1" noChangeShapeType="1" noTextEdit="1"/>
-          </p:cNvSpPr>
-          <p:nvPr>
-            <p:extLst>
-              <p:ext uri="{386F3935-93C4-4BCD-93E2-E3B085C9AB24}">
-                <p16:designElem xmlns:p16="http://schemas.microsoft.com/office/powerpoint/2015/main" val="1"/>
-              </p:ext>
-            </p:extLst>
-          </p:nvPr>
-        </p:nvSpPr>
-        <p:spPr>
-          <a:xfrm>
-            <a:off x="0" y="0"/>
-            <a:ext cx="12192000" cy="6858000"/>
-          </a:xfrm>
-          <a:prstGeom prst="rect">
-            <a:avLst/>
-          </a:prstGeom>
-          <a:ln>
-            <a:noFill/>
-          </a:ln>
-        </p:spPr>
-        <p:style>
-          <a:lnRef idx="2">
-            <a:schemeClr val="accent1">
-              <a:shade val="50000"/>
-            </a:schemeClr>
-          </a:lnRef>
-          <a:fillRef idx="1003">
-            <a:schemeClr val="dk2"/>
-          </a:fillRef>
-          <a:effectRef idx="0">
-            <a:schemeClr val="accent1"/>
-          </a:effectRef>
-          <a:fontRef idx="minor">
-            <a:schemeClr val="lt1"/>
-          </a:fontRef>
-        </p:style>
-        <p:txBody>
-          <a:bodyPr rtlCol="0" anchor="ctr"/>
-          <a:lstStyle/>
-          <a:p>
-            <a:pPr marL="0" marR="0" lvl="0" indent="0" algn="ctr" defTabSz="914400" rtl="0" eaLnBrk="1" fontAlgn="auto" latinLnBrk="0" hangingPunct="1">
-              <a:lnSpc>
-                <a:spcPct val="100000"/>
-              </a:lnSpc>
-              <a:spcBef>
-                <a:spcPts val="0"/>
-              </a:spcBef>
-              <a:spcAft>
-                <a:spcPts val="0"/>
-              </a:spcAft>
-              <a:buClrTx/>
-              <a:buSzTx/>
-              <a:buFontTx/>
-              <a:buNone/>
-              <a:tabLst/>
-              <a:defRPr/>
-            </a:pPr>
-            <a:endParaRPr kumimoji="0" lang="en-US" sz="1800" b="0" i="0" u="none" strike="noStrike" kern="1200" cap="none" spc="0" normalizeH="0" baseline="0" noProof="0">
-              <a:ln>
-                <a:noFill/>
-              </a:ln>
-              <a:solidFill>
-                <a:prstClr val="white"/>
-              </a:solidFill>
-              <a:effectLst/>
-              <a:uLnTx/>
-              <a:uFillTx/>
-              <a:latin typeface="Century Gothic" panose="020B0502020202020204"/>
-              <a:ea typeface="+mn-ea"/>
-              <a:cs typeface="+mn-cs"/>
-            </a:endParaRPr>
-          </a:p>
-        </p:txBody>
-      </p:sp>
-      <p:sp>
-        <p:nvSpPr>
-          <p:cNvPr id="10" name="Rectangle 9">
-            <a:extLst>
-              <a:ext uri="{FF2B5EF4-FFF2-40B4-BE49-F238E27FC236}">
-                <a16:creationId xmlns:a16="http://schemas.microsoft.com/office/drawing/2014/main" id="{C943A91B-7CA7-4592-A975-73B1BF8C4C74}"/>
+                <a16:creationId xmlns:a16="http://schemas.microsoft.com/office/drawing/2014/main" id="{6EB83258-50E7-4A51-8C48-ADA7CD7FCA02}"/>
               </a:ext>
               <a:ext uri="{C183D7F6-B498-43B3-948B-1728B52AA6E4}">
                 <adec:decorative xmlns:adec="http://schemas.microsoft.com/office/drawing/2017/decorative" val="1"/>
@@ -10289,10 +13512,737 @@
       </p:sp>
       <p:sp>
         <p:nvSpPr>
-          <p:cNvPr id="12" name="Freeform 7">
+          <p:cNvPr id="33" name="Freeform: Shape 32">
             <a:extLst>
               <a:ext uri="{FF2B5EF4-FFF2-40B4-BE49-F238E27FC236}">
-                <a16:creationId xmlns:a16="http://schemas.microsoft.com/office/drawing/2014/main" id="{EC471314-E46A-414B-8D91-74880E84F187}"/>
+                <a16:creationId xmlns:a16="http://schemas.microsoft.com/office/drawing/2014/main" id="{A4188960-1398-409C-BA5D-F87CCB743390}"/>
+              </a:ext>
+              <a:ext uri="{C183D7F6-B498-43B3-948B-1728B52AA6E4}">
+                <adec:decorative xmlns:adec="http://schemas.microsoft.com/office/drawing/2017/decorative" val="1"/>
+              </a:ext>
+            </a:extLst>
+          </p:cNvPr>
+          <p:cNvSpPr>
+            <a:spLocks noGrp="1" noRot="1" noChangeAspect="1" noMove="1" noResize="1" noEditPoints="1" noAdjustHandles="1" noChangeArrowheads="1" noChangeShapeType="1" noTextEdit="1"/>
+          </p:cNvSpPr>
+          <p:nvPr>
+            <p:extLst>
+              <p:ext uri="{386F3935-93C4-4BCD-93E2-E3B085C9AB24}">
+                <p16:designElem xmlns:p16="http://schemas.microsoft.com/office/powerpoint/2015/main" val="1"/>
+              </p:ext>
+            </p:extLst>
+          </p:nvPr>
+        </p:nvSpPr>
+        <p:spPr bwMode="gray">
+          <a:xfrm>
+            <a:off x="-1" y="1762067"/>
+            <a:ext cx="12192418" cy="5095933"/>
+          </a:xfrm>
+          <a:custGeom>
+            <a:avLst/>
+            <a:gdLst>
+              <a:gd name="connsiteX0" fmla="*/ 1 w 12192418"/>
+              <a:gd name="connsiteY0" fmla="*/ 0 h 5095933"/>
+              <a:gd name="connsiteX1" fmla="*/ 71932 w 12192418"/>
+              <a:gd name="connsiteY1" fmla="*/ 12261 h 5095933"/>
+              <a:gd name="connsiteX2" fmla="*/ 282849 w 12192418"/>
+              <a:gd name="connsiteY2" fmla="*/ 48343 h 5095933"/>
+              <a:gd name="connsiteX3" fmla="*/ 436464 w 12192418"/>
+              <a:gd name="connsiteY3" fmla="*/ 73565 h 5095933"/>
+              <a:gd name="connsiteX4" fmla="*/ 619339 w 12192418"/>
+              <a:gd name="connsiteY4" fmla="*/ 100188 h 5095933"/>
+              <a:gd name="connsiteX5" fmla="*/ 836351 w 12192418"/>
+              <a:gd name="connsiteY5" fmla="*/ 132066 h 5095933"/>
+              <a:gd name="connsiteX6" fmla="*/ 1076528 w 12192418"/>
+              <a:gd name="connsiteY6" fmla="*/ 165696 h 5095933"/>
+              <a:gd name="connsiteX7" fmla="*/ 1347184 w 12192418"/>
+              <a:gd name="connsiteY7" fmla="*/ 201077 h 5095933"/>
+              <a:gd name="connsiteX8" fmla="*/ 1642223 w 12192418"/>
+              <a:gd name="connsiteY8" fmla="*/ 238560 h 5095933"/>
+              <a:gd name="connsiteX9" fmla="*/ 1962864 w 12192418"/>
+              <a:gd name="connsiteY9" fmla="*/ 276043 h 5095933"/>
+              <a:gd name="connsiteX10" fmla="*/ 2304232 w 12192418"/>
+              <a:gd name="connsiteY10" fmla="*/ 314227 h 5095933"/>
+              <a:gd name="connsiteX11" fmla="*/ 2672421 w 12192418"/>
+              <a:gd name="connsiteY11" fmla="*/ 349608 h 5095933"/>
+              <a:gd name="connsiteX12" fmla="*/ 3057678 w 12192418"/>
+              <a:gd name="connsiteY12" fmla="*/ 383588 h 5095933"/>
+              <a:gd name="connsiteX13" fmla="*/ 3464881 w 12192418"/>
+              <a:gd name="connsiteY13" fmla="*/ 414415 h 5095933"/>
+              <a:gd name="connsiteX14" fmla="*/ 3889152 w 12192418"/>
+              <a:gd name="connsiteY14" fmla="*/ 443841 h 5095933"/>
+              <a:gd name="connsiteX15" fmla="*/ 4331710 w 12192418"/>
+              <a:gd name="connsiteY15" fmla="*/ 471515 h 5095933"/>
+              <a:gd name="connsiteX16" fmla="*/ 4558476 w 12192418"/>
+              <a:gd name="connsiteY16" fmla="*/ 481324 h 5095933"/>
+              <a:gd name="connsiteX17" fmla="*/ 4790118 w 12192418"/>
+              <a:gd name="connsiteY17" fmla="*/ 492183 h 5095933"/>
+              <a:gd name="connsiteX18" fmla="*/ 5025418 w 12192418"/>
+              <a:gd name="connsiteY18" fmla="*/ 502342 h 5095933"/>
+              <a:gd name="connsiteX19" fmla="*/ 5261937 w 12192418"/>
+              <a:gd name="connsiteY19" fmla="*/ 508998 h 5095933"/>
+              <a:gd name="connsiteX20" fmla="*/ 5503332 w 12192418"/>
+              <a:gd name="connsiteY20" fmla="*/ 514953 h 5095933"/>
+              <a:gd name="connsiteX21" fmla="*/ 5747167 w 12192418"/>
+              <a:gd name="connsiteY21" fmla="*/ 521259 h 5095933"/>
+              <a:gd name="connsiteX22" fmla="*/ 5995877 w 12192418"/>
+              <a:gd name="connsiteY22" fmla="*/ 525463 h 5095933"/>
+              <a:gd name="connsiteX23" fmla="*/ 6247026 w 12192418"/>
+              <a:gd name="connsiteY23" fmla="*/ 525463 h 5095933"/>
+              <a:gd name="connsiteX24" fmla="*/ 6500613 w 12192418"/>
+              <a:gd name="connsiteY24" fmla="*/ 527565 h 5095933"/>
+              <a:gd name="connsiteX25" fmla="*/ 6756639 w 12192418"/>
+              <a:gd name="connsiteY25" fmla="*/ 525463 h 5095933"/>
+              <a:gd name="connsiteX26" fmla="*/ 7016322 w 12192418"/>
+              <a:gd name="connsiteY26" fmla="*/ 521259 h 5095933"/>
+              <a:gd name="connsiteX27" fmla="*/ 7276005 w 12192418"/>
+              <a:gd name="connsiteY27" fmla="*/ 517406 h 5095933"/>
+              <a:gd name="connsiteX28" fmla="*/ 7539345 w 12192418"/>
+              <a:gd name="connsiteY28" fmla="*/ 508998 h 5095933"/>
+              <a:gd name="connsiteX29" fmla="*/ 7805124 w 12192418"/>
+              <a:gd name="connsiteY29" fmla="*/ 500241 h 5095933"/>
+              <a:gd name="connsiteX30" fmla="*/ 8070903 w 12192418"/>
+              <a:gd name="connsiteY30" fmla="*/ 490082 h 5095933"/>
+              <a:gd name="connsiteX31" fmla="*/ 8339121 w 12192418"/>
+              <a:gd name="connsiteY31" fmla="*/ 475719 h 5095933"/>
+              <a:gd name="connsiteX32" fmla="*/ 8609776 w 12192418"/>
+              <a:gd name="connsiteY32" fmla="*/ 458554 h 5095933"/>
+              <a:gd name="connsiteX33" fmla="*/ 8881651 w 12192418"/>
+              <a:gd name="connsiteY33" fmla="*/ 442089 h 5095933"/>
+              <a:gd name="connsiteX34" fmla="*/ 9153526 w 12192418"/>
+              <a:gd name="connsiteY34" fmla="*/ 421071 h 5095933"/>
+              <a:gd name="connsiteX35" fmla="*/ 9429058 w 12192418"/>
+              <a:gd name="connsiteY35" fmla="*/ 395849 h 5095933"/>
+              <a:gd name="connsiteX36" fmla="*/ 9700933 w 12192418"/>
+              <a:gd name="connsiteY36" fmla="*/ 370626 h 5095933"/>
+              <a:gd name="connsiteX37" fmla="*/ 9977684 w 12192418"/>
+              <a:gd name="connsiteY37" fmla="*/ 341551 h 5095933"/>
+              <a:gd name="connsiteX38" fmla="*/ 10255655 w 12192418"/>
+              <a:gd name="connsiteY38" fmla="*/ 309673 h 5095933"/>
+              <a:gd name="connsiteX39" fmla="*/ 10529968 w 12192418"/>
+              <a:gd name="connsiteY39" fmla="*/ 276043 h 5095933"/>
+              <a:gd name="connsiteX40" fmla="*/ 10807939 w 12192418"/>
+              <a:gd name="connsiteY40" fmla="*/ 236809 h 5095933"/>
+              <a:gd name="connsiteX41" fmla="*/ 11084690 w 12192418"/>
+              <a:gd name="connsiteY41" fmla="*/ 194772 h 5095933"/>
+              <a:gd name="connsiteX42" fmla="*/ 11362661 w 12192418"/>
+              <a:gd name="connsiteY42" fmla="*/ 153085 h 5095933"/>
+              <a:gd name="connsiteX43" fmla="*/ 11639412 w 12192418"/>
+              <a:gd name="connsiteY43" fmla="*/ 104392 h 5095933"/>
+              <a:gd name="connsiteX44" fmla="*/ 11914945 w 12192418"/>
+              <a:gd name="connsiteY44" fmla="*/ 54648 h 5095933"/>
+              <a:gd name="connsiteX45" fmla="*/ 12191696 w 12192418"/>
+              <a:gd name="connsiteY45" fmla="*/ 2452 h 5095933"/>
+              <a:gd name="connsiteX46" fmla="*/ 12191696 w 12192418"/>
+              <a:gd name="connsiteY46" fmla="*/ 2109542 h 5095933"/>
+              <a:gd name="connsiteX47" fmla="*/ 12191999 w 12192418"/>
+              <a:gd name="connsiteY47" fmla="*/ 2109542 h 5095933"/>
+              <a:gd name="connsiteX48" fmla="*/ 12191999 w 12192418"/>
+              <a:gd name="connsiteY48" fmla="*/ 2802467 h 5095933"/>
+              <a:gd name="connsiteX49" fmla="*/ 12192418 w 12192418"/>
+              <a:gd name="connsiteY49" fmla="*/ 2802467 h 5095933"/>
+              <a:gd name="connsiteX50" fmla="*/ 12192418 w 12192418"/>
+              <a:gd name="connsiteY50" fmla="*/ 5095933 h 5095933"/>
+              <a:gd name="connsiteX51" fmla="*/ 1 w 12192418"/>
+              <a:gd name="connsiteY51" fmla="*/ 5095933 h 5095933"/>
+              <a:gd name="connsiteX52" fmla="*/ 1 w 12192418"/>
+              <a:gd name="connsiteY52" fmla="*/ 4074529 h 5095933"/>
+              <a:gd name="connsiteX53" fmla="*/ 0 w 12192418"/>
+              <a:gd name="connsiteY53" fmla="*/ 4074529 h 5095933"/>
+              <a:gd name="connsiteX54" fmla="*/ 0 w 12192418"/>
+              <a:gd name="connsiteY54" fmla="*/ 2109542 h 5095933"/>
+              <a:gd name="connsiteX55" fmla="*/ 1 w 12192418"/>
+              <a:gd name="connsiteY55" fmla="*/ 2109542 h 5095933"/>
+            </a:gdLst>
+            <a:ahLst/>
+            <a:cxnLst>
+              <a:cxn ang="0">
+                <a:pos x="connsiteX0" y="connsiteY0"/>
+              </a:cxn>
+              <a:cxn ang="0">
+                <a:pos x="connsiteX1" y="connsiteY1"/>
+              </a:cxn>
+              <a:cxn ang="0">
+                <a:pos x="connsiteX2" y="connsiteY2"/>
+              </a:cxn>
+              <a:cxn ang="0">
+                <a:pos x="connsiteX3" y="connsiteY3"/>
+              </a:cxn>
+              <a:cxn ang="0">
+                <a:pos x="connsiteX4" y="connsiteY4"/>
+              </a:cxn>
+              <a:cxn ang="0">
+                <a:pos x="connsiteX5" y="connsiteY5"/>
+              </a:cxn>
+              <a:cxn ang="0">
+                <a:pos x="connsiteX6" y="connsiteY6"/>
+              </a:cxn>
+              <a:cxn ang="0">
+                <a:pos x="connsiteX7" y="connsiteY7"/>
+              </a:cxn>
+              <a:cxn ang="0">
+                <a:pos x="connsiteX8" y="connsiteY8"/>
+              </a:cxn>
+              <a:cxn ang="0">
+                <a:pos x="connsiteX9" y="connsiteY9"/>
+              </a:cxn>
+              <a:cxn ang="0">
+                <a:pos x="connsiteX10" y="connsiteY10"/>
+              </a:cxn>
+              <a:cxn ang="0">
+                <a:pos x="connsiteX11" y="connsiteY11"/>
+              </a:cxn>
+              <a:cxn ang="0">
+                <a:pos x="connsiteX12" y="connsiteY12"/>
+              </a:cxn>
+              <a:cxn ang="0">
+                <a:pos x="connsiteX13" y="connsiteY13"/>
+              </a:cxn>
+              <a:cxn ang="0">
+                <a:pos x="connsiteX14" y="connsiteY14"/>
+              </a:cxn>
+              <a:cxn ang="0">
+                <a:pos x="connsiteX15" y="connsiteY15"/>
+              </a:cxn>
+              <a:cxn ang="0">
+                <a:pos x="connsiteX16" y="connsiteY16"/>
+              </a:cxn>
+              <a:cxn ang="0">
+                <a:pos x="connsiteX17" y="connsiteY17"/>
+              </a:cxn>
+              <a:cxn ang="0">
+                <a:pos x="connsiteX18" y="connsiteY18"/>
+              </a:cxn>
+              <a:cxn ang="0">
+                <a:pos x="connsiteX19" y="connsiteY19"/>
+              </a:cxn>
+              <a:cxn ang="0">
+                <a:pos x="connsiteX20" y="connsiteY20"/>
+              </a:cxn>
+              <a:cxn ang="0">
+                <a:pos x="connsiteX21" y="connsiteY21"/>
+              </a:cxn>
+              <a:cxn ang="0">
+                <a:pos x="connsiteX22" y="connsiteY22"/>
+              </a:cxn>
+              <a:cxn ang="0">
+                <a:pos x="connsiteX23" y="connsiteY23"/>
+              </a:cxn>
+              <a:cxn ang="0">
+                <a:pos x="connsiteX24" y="connsiteY24"/>
+              </a:cxn>
+              <a:cxn ang="0">
+                <a:pos x="connsiteX25" y="connsiteY25"/>
+              </a:cxn>
+              <a:cxn ang="0">
+                <a:pos x="connsiteX26" y="connsiteY26"/>
+              </a:cxn>
+              <a:cxn ang="0">
+                <a:pos x="connsiteX27" y="connsiteY27"/>
+              </a:cxn>
+              <a:cxn ang="0">
+                <a:pos x="connsiteX28" y="connsiteY28"/>
+              </a:cxn>
+              <a:cxn ang="0">
+                <a:pos x="connsiteX29" y="connsiteY29"/>
+              </a:cxn>
+              <a:cxn ang="0">
+                <a:pos x="connsiteX30" y="connsiteY30"/>
+              </a:cxn>
+              <a:cxn ang="0">
+                <a:pos x="connsiteX31" y="connsiteY31"/>
+              </a:cxn>
+              <a:cxn ang="0">
+                <a:pos x="connsiteX32" y="connsiteY32"/>
+              </a:cxn>
+              <a:cxn ang="0">
+                <a:pos x="connsiteX33" y="connsiteY33"/>
+              </a:cxn>
+              <a:cxn ang="0">
+                <a:pos x="connsiteX34" y="connsiteY34"/>
+              </a:cxn>
+              <a:cxn ang="0">
+                <a:pos x="connsiteX35" y="connsiteY35"/>
+              </a:cxn>
+              <a:cxn ang="0">
+                <a:pos x="connsiteX36" y="connsiteY36"/>
+              </a:cxn>
+              <a:cxn ang="0">
+                <a:pos x="connsiteX37" y="connsiteY37"/>
+              </a:cxn>
+              <a:cxn ang="0">
+                <a:pos x="connsiteX38" y="connsiteY38"/>
+              </a:cxn>
+              <a:cxn ang="0">
+                <a:pos x="connsiteX39" y="connsiteY39"/>
+              </a:cxn>
+              <a:cxn ang="0">
+                <a:pos x="connsiteX40" y="connsiteY40"/>
+              </a:cxn>
+              <a:cxn ang="0">
+                <a:pos x="connsiteX41" y="connsiteY41"/>
+              </a:cxn>
+              <a:cxn ang="0">
+                <a:pos x="connsiteX42" y="connsiteY42"/>
+              </a:cxn>
+              <a:cxn ang="0">
+                <a:pos x="connsiteX43" y="connsiteY43"/>
+              </a:cxn>
+              <a:cxn ang="0">
+                <a:pos x="connsiteX44" y="connsiteY44"/>
+              </a:cxn>
+              <a:cxn ang="0">
+                <a:pos x="connsiteX45" y="connsiteY45"/>
+              </a:cxn>
+              <a:cxn ang="0">
+                <a:pos x="connsiteX46" y="connsiteY46"/>
+              </a:cxn>
+              <a:cxn ang="0">
+                <a:pos x="connsiteX47" y="connsiteY47"/>
+              </a:cxn>
+              <a:cxn ang="0">
+                <a:pos x="connsiteX48" y="connsiteY48"/>
+              </a:cxn>
+              <a:cxn ang="0">
+                <a:pos x="connsiteX49" y="connsiteY49"/>
+              </a:cxn>
+              <a:cxn ang="0">
+                <a:pos x="connsiteX50" y="connsiteY50"/>
+              </a:cxn>
+              <a:cxn ang="0">
+                <a:pos x="connsiteX51" y="connsiteY51"/>
+              </a:cxn>
+              <a:cxn ang="0">
+                <a:pos x="connsiteX52" y="connsiteY52"/>
+              </a:cxn>
+              <a:cxn ang="0">
+                <a:pos x="connsiteX53" y="connsiteY53"/>
+              </a:cxn>
+              <a:cxn ang="0">
+                <a:pos x="connsiteX54" y="connsiteY54"/>
+              </a:cxn>
+              <a:cxn ang="0">
+                <a:pos x="connsiteX55" y="connsiteY55"/>
+              </a:cxn>
+            </a:cxnLst>
+            <a:rect l="l" t="t" r="r" b="b"/>
+            <a:pathLst>
+              <a:path w="12192418" h="5095933">
+                <a:moveTo>
+                  <a:pt x="1" y="0"/>
+                </a:moveTo>
+                <a:lnTo>
+                  <a:pt x="71932" y="12261"/>
+                </a:lnTo>
+                <a:lnTo>
+                  <a:pt x="282849" y="48343"/>
+                </a:lnTo>
+                <a:lnTo>
+                  <a:pt x="436464" y="73565"/>
+                </a:lnTo>
+                <a:lnTo>
+                  <a:pt x="619339" y="100188"/>
+                </a:lnTo>
+                <a:lnTo>
+                  <a:pt x="836351" y="132066"/>
+                </a:lnTo>
+                <a:lnTo>
+                  <a:pt x="1076528" y="165696"/>
+                </a:lnTo>
+                <a:lnTo>
+                  <a:pt x="1347184" y="201077"/>
+                </a:lnTo>
+                <a:lnTo>
+                  <a:pt x="1642223" y="238560"/>
+                </a:lnTo>
+                <a:lnTo>
+                  <a:pt x="1962864" y="276043"/>
+                </a:lnTo>
+                <a:lnTo>
+                  <a:pt x="2304232" y="314227"/>
+                </a:lnTo>
+                <a:lnTo>
+                  <a:pt x="2672421" y="349608"/>
+                </a:lnTo>
+                <a:lnTo>
+                  <a:pt x="3057678" y="383588"/>
+                </a:lnTo>
+                <a:lnTo>
+                  <a:pt x="3464881" y="414415"/>
+                </a:lnTo>
+                <a:lnTo>
+                  <a:pt x="3889152" y="443841"/>
+                </a:lnTo>
+                <a:lnTo>
+                  <a:pt x="4331710" y="471515"/>
+                </a:lnTo>
+                <a:lnTo>
+                  <a:pt x="4558476" y="481324"/>
+                </a:lnTo>
+                <a:lnTo>
+                  <a:pt x="4790118" y="492183"/>
+                </a:lnTo>
+                <a:lnTo>
+                  <a:pt x="5025418" y="502342"/>
+                </a:lnTo>
+                <a:lnTo>
+                  <a:pt x="5261937" y="508998"/>
+                </a:lnTo>
+                <a:lnTo>
+                  <a:pt x="5503332" y="514953"/>
+                </a:lnTo>
+                <a:lnTo>
+                  <a:pt x="5747167" y="521259"/>
+                </a:lnTo>
+                <a:lnTo>
+                  <a:pt x="5995877" y="525463"/>
+                </a:lnTo>
+                <a:lnTo>
+                  <a:pt x="6247026" y="525463"/>
+                </a:lnTo>
+                <a:lnTo>
+                  <a:pt x="6500613" y="527565"/>
+                </a:lnTo>
+                <a:lnTo>
+                  <a:pt x="6756639" y="525463"/>
+                </a:lnTo>
+                <a:lnTo>
+                  <a:pt x="7016322" y="521259"/>
+                </a:lnTo>
+                <a:lnTo>
+                  <a:pt x="7276005" y="517406"/>
+                </a:lnTo>
+                <a:lnTo>
+                  <a:pt x="7539345" y="508998"/>
+                </a:lnTo>
+                <a:lnTo>
+                  <a:pt x="7805124" y="500241"/>
+                </a:lnTo>
+                <a:lnTo>
+                  <a:pt x="8070903" y="490082"/>
+                </a:lnTo>
+                <a:lnTo>
+                  <a:pt x="8339121" y="475719"/>
+                </a:lnTo>
+                <a:lnTo>
+                  <a:pt x="8609776" y="458554"/>
+                </a:lnTo>
+                <a:lnTo>
+                  <a:pt x="8881651" y="442089"/>
+                </a:lnTo>
+                <a:lnTo>
+                  <a:pt x="9153526" y="421071"/>
+                </a:lnTo>
+                <a:lnTo>
+                  <a:pt x="9429058" y="395849"/>
+                </a:lnTo>
+                <a:lnTo>
+                  <a:pt x="9700933" y="370626"/>
+                </a:lnTo>
+                <a:lnTo>
+                  <a:pt x="9977684" y="341551"/>
+                </a:lnTo>
+                <a:lnTo>
+                  <a:pt x="10255655" y="309673"/>
+                </a:lnTo>
+                <a:lnTo>
+                  <a:pt x="10529968" y="276043"/>
+                </a:lnTo>
+                <a:lnTo>
+                  <a:pt x="10807939" y="236809"/>
+                </a:lnTo>
+                <a:lnTo>
+                  <a:pt x="11084690" y="194772"/>
+                </a:lnTo>
+                <a:lnTo>
+                  <a:pt x="11362661" y="153085"/>
+                </a:lnTo>
+                <a:lnTo>
+                  <a:pt x="11639412" y="104392"/>
+                </a:lnTo>
+                <a:lnTo>
+                  <a:pt x="11914945" y="54648"/>
+                </a:lnTo>
+                <a:lnTo>
+                  <a:pt x="12191696" y="2452"/>
+                </a:lnTo>
+                <a:lnTo>
+                  <a:pt x="12191696" y="2109542"/>
+                </a:lnTo>
+                <a:lnTo>
+                  <a:pt x="12191999" y="2109542"/>
+                </a:lnTo>
+                <a:lnTo>
+                  <a:pt x="12191999" y="2802467"/>
+                </a:lnTo>
+                <a:lnTo>
+                  <a:pt x="12192418" y="2802467"/>
+                </a:lnTo>
+                <a:lnTo>
+                  <a:pt x="12192418" y="5095933"/>
+                </a:lnTo>
+                <a:lnTo>
+                  <a:pt x="1" y="5095933"/>
+                </a:lnTo>
+                <a:lnTo>
+                  <a:pt x="1" y="4074529"/>
+                </a:lnTo>
+                <a:lnTo>
+                  <a:pt x="0" y="4074529"/>
+                </a:lnTo>
+                <a:lnTo>
+                  <a:pt x="0" y="2109542"/>
+                </a:lnTo>
+                <a:lnTo>
+                  <a:pt x="1" y="2109542"/>
+                </a:lnTo>
+                <a:close/>
+              </a:path>
+            </a:pathLst>
+          </a:custGeom>
+          <a:solidFill>
+            <a:schemeClr val="bg1"/>
+          </a:solidFill>
+          <a:ln>
+            <a:noFill/>
+          </a:ln>
+        </p:spPr>
+      </p:sp>
+      <p:graphicFrame>
+        <p:nvGraphicFramePr>
+          <p:cNvPr id="22" name="TextBox 3">
+            <a:extLst>
+              <a:ext uri="{FF2B5EF4-FFF2-40B4-BE49-F238E27FC236}">
+                <a16:creationId xmlns:a16="http://schemas.microsoft.com/office/drawing/2014/main" id="{872B917A-5B84-4A0A-AB84-B1F17B4D5DDB}"/>
+              </a:ext>
+            </a:extLst>
+          </p:cNvPr>
+          <p:cNvGraphicFramePr/>
+          <p:nvPr>
+            <p:extLst>
+              <p:ext uri="{D42A27DB-BD31-4B8C-83A1-F6EECF244321}">
+                <p14:modId xmlns:p14="http://schemas.microsoft.com/office/powerpoint/2010/main" val="1538035885"/>
+              </p:ext>
+            </p:extLst>
+          </p:nvPr>
+        </p:nvGraphicFramePr>
+        <p:xfrm>
+          <a:off x="648930" y="2810256"/>
+          <a:ext cx="10895370" cy="3404277"/>
+        </p:xfrm>
+        <a:graphic>
+          <a:graphicData uri="http://schemas.openxmlformats.org/drawingml/2006/diagram">
+            <dgm:relIds xmlns:dgm="http://schemas.openxmlformats.org/drawingml/2006/diagram" xmlns:r="http://schemas.openxmlformats.org/officeDocument/2006/relationships" r:dm="rId2" r:lo="rId3" r:qs="rId4" r:cs="rId5"/>
+          </a:graphicData>
+        </a:graphic>
+      </p:graphicFrame>
+    </p:spTree>
+    <p:extLst>
+      <p:ext uri="{BB962C8B-B14F-4D97-AF65-F5344CB8AC3E}">
+        <p14:creationId xmlns:p14="http://schemas.microsoft.com/office/powerpoint/2010/main" val="1839047577"/>
+      </p:ext>
+    </p:extLst>
+  </p:cSld>
+  <p:clrMapOvr>
+    <a:overrideClrMapping bg1="lt1" tx1="dk1" bg2="lt2" tx2="dk2" accent1="accent1" accent2="accent2" accent3="accent3" accent4="accent4" accent5="accent5" accent6="accent6" hlink="hlink" folHlink="folHlink"/>
+  </p:clrMapOvr>
+</p:sld>
+</file>
+
+<file path=ppt/slides/slide6.xml><?xml version="1.0" encoding="utf-8"?>
+<p:sld xmlns:a="http://schemas.openxmlformats.org/drawingml/2006/main" xmlns:r="http://schemas.openxmlformats.org/officeDocument/2006/relationships" xmlns:p="http://schemas.openxmlformats.org/presentationml/2006/main">
+  <p:cSld>
+    <p:bg>
+      <p:bgPr>
+        <a:blipFill rotWithShape="1">
+          <a:blip r:embed="rId2">
+            <a:duotone>
+              <a:schemeClr val="bg2">
+                <a:shade val="69000"/>
+                <a:hueMod val="91000"/>
+                <a:satMod val="164000"/>
+                <a:lumMod val="74000"/>
+              </a:schemeClr>
+              <a:schemeClr val="bg2">
+                <a:hueMod val="124000"/>
+                <a:satMod val="140000"/>
+                <a:lumMod val="142000"/>
+              </a:schemeClr>
+            </a:duotone>
+            <a:extLst/>
+          </a:blip>
+          <a:stretch/>
+        </a:blipFill>
+        <a:effectLst/>
+      </p:bgPr>
+    </p:bg>
+    <p:spTree>
+      <p:nvGrpSpPr>
+        <p:cNvPr id="1" name=""/>
+        <p:cNvGrpSpPr/>
+        <p:nvPr/>
+      </p:nvGrpSpPr>
+      <p:grpSpPr>
+        <a:xfrm>
+          <a:off x="0" y="0"/>
+          <a:ext cx="0" cy="0"/>
+          <a:chOff x="0" y="0"/>
+          <a:chExt cx="0" cy="0"/>
+        </a:xfrm>
+      </p:grpSpPr>
+      <p:sp>
+        <p:nvSpPr>
+          <p:cNvPr id="2" name="Title 1">
+            <a:extLst>
+              <a:ext uri="{FF2B5EF4-FFF2-40B4-BE49-F238E27FC236}">
+                <a16:creationId xmlns:a16="http://schemas.microsoft.com/office/drawing/2014/main" id="{A62EC082-0249-42CE-9DF9-F78D5BD01E46}"/>
+              </a:ext>
+            </a:extLst>
+          </p:cNvPr>
+          <p:cNvSpPr>
+            <a:spLocks noGrp="1"/>
+          </p:cNvSpPr>
+          <p:nvPr>
+            <p:ph type="title"/>
+          </p:nvPr>
+        </p:nvSpPr>
+        <p:spPr>
+          <a:xfrm>
+            <a:off x="648931" y="629266"/>
+            <a:ext cx="4166510" cy="1622321"/>
+          </a:xfrm>
+        </p:spPr>
+        <p:txBody>
+          <a:bodyPr vert="horz" lIns="91440" tIns="45720" rIns="91440" bIns="45720" rtlCol="0" anchor="t">
+            <a:normAutofit/>
+          </a:bodyPr>
+          <a:lstStyle/>
+          <a:p>
+            <a:pPr>
+              <a:lnSpc>
+                <a:spcPct val="90000"/>
+              </a:lnSpc>
+            </a:pPr>
+            <a:r>
+              <a:rPr lang="en-US" sz="3600" dirty="0"/>
+              <a:t>Influential Factor: </a:t>
+            </a:r>
+            <a:br>
+              <a:rPr lang="en-US" sz="3600" dirty="0"/>
+            </a:br>
+            <a:r>
+              <a:rPr lang="en-US" sz="3600" dirty="0"/>
+              <a:t>Waterfront View</a:t>
+            </a:r>
+          </a:p>
+        </p:txBody>
+      </p:sp>
+      <p:sp>
+        <p:nvSpPr>
+          <p:cNvPr id="6" name="TextBox 5">
+            <a:extLst>
+              <a:ext uri="{FF2B5EF4-FFF2-40B4-BE49-F238E27FC236}">
+                <a16:creationId xmlns:a16="http://schemas.microsoft.com/office/drawing/2014/main" id="{06760C68-1B94-4C83-83F2-EEFE82170808}"/>
+              </a:ext>
+            </a:extLst>
+          </p:cNvPr>
+          <p:cNvSpPr txBox="1"/>
+          <p:nvPr/>
+        </p:nvSpPr>
+        <p:spPr>
+          <a:xfrm>
+            <a:off x="648931" y="2438400"/>
+            <a:ext cx="4166509" cy="3785419"/>
+          </a:xfrm>
+          <a:prstGeom prst="rect">
+            <a:avLst/>
+          </a:prstGeom>
+        </p:spPr>
+        <p:txBody>
+          <a:bodyPr vert="horz" lIns="91440" tIns="45720" rIns="91440" bIns="45720" rtlCol="0">
+            <a:normAutofit/>
+          </a:bodyPr>
+          <a:lstStyle/>
+          <a:p>
+            <a:pPr marL="285750" indent="-285750">
+              <a:spcBef>
+                <a:spcPts val="1000"/>
+              </a:spcBef>
+              <a:buClr>
+                <a:schemeClr val="accent1">
+                  <a:lumMod val="60000"/>
+                  <a:lumOff val="40000"/>
+                </a:schemeClr>
+              </a:buClr>
+              <a:buSzPct val="80000"/>
+              <a:buFont typeface="Wingdings 3" charset="2"/>
+              <a:buChar char=""/>
+            </a:pPr>
+            <a:r>
+              <a:rPr lang="en-US" dirty="0">
+                <a:latin typeface="+mj-lt"/>
+                <a:ea typeface="+mj-ea"/>
+                <a:cs typeface="+mj-cs"/>
+              </a:rPr>
+              <a:t>Having a view dramatically increases the home value regardless.</a:t>
+            </a:r>
+          </a:p>
+          <a:p>
+            <a:pPr marL="285750" indent="-285750">
+              <a:spcBef>
+                <a:spcPts val="1000"/>
+              </a:spcBef>
+              <a:buClr>
+                <a:schemeClr val="accent1">
+                  <a:lumMod val="60000"/>
+                  <a:lumOff val="40000"/>
+                </a:schemeClr>
+              </a:buClr>
+              <a:buSzPct val="80000"/>
+              <a:buFont typeface="Wingdings 3" charset="2"/>
+              <a:buChar char=""/>
+            </a:pPr>
+            <a:r>
+              <a:rPr lang="en-US" dirty="0">
+                <a:latin typeface="+mj-lt"/>
+                <a:ea typeface="+mj-ea"/>
+                <a:cs typeface="+mj-cs"/>
+              </a:rPr>
+              <a:t>There is a correlation with Zip Codes as well for home near a body of water.</a:t>
+            </a:r>
+          </a:p>
+          <a:p>
+            <a:pPr marL="285750" indent="-285750">
+              <a:spcBef>
+                <a:spcPts val="1000"/>
+              </a:spcBef>
+              <a:buClr>
+                <a:schemeClr val="accent1">
+                  <a:lumMod val="60000"/>
+                  <a:lumOff val="40000"/>
+                </a:schemeClr>
+              </a:buClr>
+              <a:buSzPct val="80000"/>
+              <a:buFont typeface="Wingdings 3" charset="2"/>
+              <a:buChar char=""/>
+            </a:pPr>
+            <a:r>
+              <a:rPr lang="en-US" dirty="0">
+                <a:latin typeface="+mj-lt"/>
+                <a:ea typeface="+mj-ea"/>
+                <a:cs typeface="+mj-cs"/>
+              </a:rPr>
+              <a:t>There is an almost 1.5M increase in average home price for waterfront view alone.</a:t>
+            </a:r>
+          </a:p>
+        </p:txBody>
+      </p:sp>
+      <p:sp>
+        <p:nvSpPr>
+          <p:cNvPr id="141" name="Freeform 31">
+            <a:extLst>
+              <a:ext uri="{FF2B5EF4-FFF2-40B4-BE49-F238E27FC236}">
+                <a16:creationId xmlns:a16="http://schemas.microsoft.com/office/drawing/2014/main" id="{1288C528-6850-4309-8D5E-276D46744006}"/>
               </a:ext>
               <a:ext uri="{C183D7F6-B498-43B3-948B-1728B52AA6E4}">
                 <adec:decorative xmlns:adec="http://schemas.microsoft.com/office/drawing/2017/decorative" val="1"/>
@@ -10312,86 +14262,84 @@
         </p:nvSpPr>
         <p:spPr>
           <a:xfrm>
-            <a:off x="8719939" y="1460230"/>
-            <a:ext cx="3472060" cy="825932"/>
+            <a:off x="4994020" y="-1"/>
+            <a:ext cx="559472" cy="3709642"/>
           </a:xfrm>
           <a:custGeom>
             <a:avLst/>
             <a:gdLst>
-              <a:gd name="connsiteX0" fmla="*/ 3470310 w 3472060"/>
-              <a:gd name="connsiteY0" fmla="*/ 0 h 825932"/>
-              <a:gd name="connsiteX1" fmla="*/ 3472060 w 3472060"/>
-              <a:gd name="connsiteY1" fmla="*/ 12850 h 825932"/>
-              <a:gd name="connsiteX2" fmla="*/ 3472060 w 3472060"/>
-              <a:gd name="connsiteY2" fmla="*/ 480529 h 825932"/>
-              <a:gd name="connsiteX3" fmla="*/ 3363699 w 3472060"/>
-              <a:gd name="connsiteY3" fmla="*/ 498471 h 825932"/>
-              <a:gd name="connsiteX4" fmla="*/ 42060 w 3472060"/>
-              <a:gd name="connsiteY4" fmla="*/ 824486 h 825932"/>
-              <a:gd name="connsiteX5" fmla="*/ 0 w 3472060"/>
-              <a:gd name="connsiteY5" fmla="*/ 758452 h 825932"/>
-              <a:gd name="connsiteX6" fmla="*/ 188014 w 3472060"/>
-              <a:gd name="connsiteY6" fmla="*/ 735602 h 825932"/>
-              <a:gd name="connsiteX7" fmla="*/ 284087 w 3472060"/>
-              <a:gd name="connsiteY7" fmla="*/ 722590 h 825932"/>
-              <a:gd name="connsiteX8" fmla="*/ 382288 w 3472060"/>
-              <a:gd name="connsiteY8" fmla="*/ 709392 h 825932"/>
-              <a:gd name="connsiteX9" fmla="*/ 481858 w 3472060"/>
-              <a:gd name="connsiteY9" fmla="*/ 695774 h 825932"/>
-              <a:gd name="connsiteX10" fmla="*/ 581897 w 3472060"/>
-              <a:gd name="connsiteY10" fmla="*/ 680711 h 825932"/>
-              <a:gd name="connsiteX11" fmla="*/ 683670 w 3472060"/>
-              <a:gd name="connsiteY11" fmla="*/ 665256 h 825932"/>
-              <a:gd name="connsiteX12" fmla="*/ 787206 w 3472060"/>
-              <a:gd name="connsiteY12" fmla="*/ 649587 h 825932"/>
-              <a:gd name="connsiteX13" fmla="*/ 892019 w 3472060"/>
-              <a:gd name="connsiteY13" fmla="*/ 632968 h 825932"/>
-              <a:gd name="connsiteX14" fmla="*/ 997620 w 3472060"/>
-              <a:gd name="connsiteY14" fmla="*/ 614667 h 825932"/>
-              <a:gd name="connsiteX15" fmla="*/ 1104727 w 3472060"/>
-              <a:gd name="connsiteY15" fmla="*/ 596741 h 825932"/>
-              <a:gd name="connsiteX16" fmla="*/ 1212669 w 3472060"/>
-              <a:gd name="connsiteY16" fmla="*/ 577397 h 825932"/>
-              <a:gd name="connsiteX17" fmla="*/ 1321506 w 3472060"/>
-              <a:gd name="connsiteY17" fmla="*/ 556988 h 825932"/>
-              <a:gd name="connsiteX18" fmla="*/ 1430709 w 3472060"/>
-              <a:gd name="connsiteY18" fmla="*/ 536607 h 825932"/>
-              <a:gd name="connsiteX19" fmla="*/ 1541050 w 3472060"/>
-              <a:gd name="connsiteY19" fmla="*/ 514481 h 825932"/>
-              <a:gd name="connsiteX20" fmla="*/ 1652805 w 3472060"/>
-              <a:gd name="connsiteY20" fmla="*/ 492202 h 825932"/>
-              <a:gd name="connsiteX21" fmla="*/ 1763708 w 3472060"/>
-              <a:gd name="connsiteY21" fmla="*/ 469161 h 825932"/>
-              <a:gd name="connsiteX22" fmla="*/ 1875795 w 3472060"/>
-              <a:gd name="connsiteY22" fmla="*/ 444641 h 825932"/>
-              <a:gd name="connsiteX23" fmla="*/ 1989128 w 3472060"/>
-              <a:gd name="connsiteY23" fmla="*/ 418995 h 825932"/>
-              <a:gd name="connsiteX24" fmla="*/ 2102476 w 3472060"/>
-              <a:gd name="connsiteY24" fmla="*/ 393438 h 825932"/>
-              <a:gd name="connsiteX25" fmla="*/ 2215549 w 3472060"/>
-              <a:gd name="connsiteY25" fmla="*/ 366291 h 825932"/>
-              <a:gd name="connsiteX26" fmla="*/ 2330490 w 3472060"/>
-              <a:gd name="connsiteY26" fmla="*/ 337455 h 825932"/>
-              <a:gd name="connsiteX27" fmla="*/ 2443333 w 3472060"/>
-              <a:gd name="connsiteY27" fmla="*/ 308983 h 825932"/>
-              <a:gd name="connsiteX28" fmla="*/ 2558014 w 3472060"/>
-              <a:gd name="connsiteY28" fmla="*/ 278646 h 825932"/>
-              <a:gd name="connsiteX29" fmla="*/ 2673621 w 3472060"/>
-              <a:gd name="connsiteY29" fmla="*/ 247421 h 825932"/>
-              <a:gd name="connsiteX30" fmla="*/ 2787008 w 3472060"/>
-              <a:gd name="connsiteY30" fmla="*/ 215853 h 825932"/>
-              <a:gd name="connsiteX31" fmla="*/ 2901442 w 3472060"/>
-              <a:gd name="connsiteY31" fmla="*/ 182011 h 825932"/>
-              <a:gd name="connsiteX32" fmla="*/ 3015722 w 3472060"/>
-              <a:gd name="connsiteY32" fmla="*/ 147286 h 825932"/>
-              <a:gd name="connsiteX33" fmla="*/ 3130018 w 3472060"/>
-              <a:gd name="connsiteY33" fmla="*/ 112649 h 825932"/>
-              <a:gd name="connsiteX34" fmla="*/ 3243551 w 3472060"/>
-              <a:gd name="connsiteY34" fmla="*/ 75688 h 825932"/>
-              <a:gd name="connsiteX35" fmla="*/ 3356992 w 3472060"/>
-              <a:gd name="connsiteY35" fmla="*/ 38197 h 825932"/>
-              <a:gd name="connsiteX36" fmla="*/ 3470310 w 3472060"/>
-              <a:gd name="connsiteY36" fmla="*/ 0 h 825932"/>
+              <a:gd name="connsiteX0" fmla="*/ 0 w 559472"/>
+              <a:gd name="connsiteY0" fmla="*/ 0 h 3709642"/>
+              <a:gd name="connsiteX1" fmla="*/ 473952 w 559472"/>
+              <a:gd name="connsiteY1" fmla="*/ 0 h 3709642"/>
+              <a:gd name="connsiteX2" fmla="*/ 485840 w 559472"/>
+              <a:gd name="connsiteY2" fmla="*/ 161194 h 3709642"/>
+              <a:gd name="connsiteX3" fmla="*/ 523949 w 559472"/>
+              <a:gd name="connsiteY3" fmla="*/ 3672197 h 3709642"/>
+              <a:gd name="connsiteX4" fmla="*/ 454748 w 559472"/>
+              <a:gd name="connsiteY4" fmla="*/ 3709642 h 3709642"/>
+              <a:gd name="connsiteX5" fmla="*/ 448224 w 559472"/>
+              <a:gd name="connsiteY5" fmla="*/ 3510471 h 3709642"/>
+              <a:gd name="connsiteX6" fmla="*/ 443564 w 559472"/>
+              <a:gd name="connsiteY6" fmla="*/ 3408563 h 3709642"/>
+              <a:gd name="connsiteX7" fmla="*/ 438902 w 559472"/>
+              <a:gd name="connsiteY7" fmla="*/ 3304407 h 3709642"/>
+              <a:gd name="connsiteX8" fmla="*/ 433941 w 559472"/>
+              <a:gd name="connsiteY8" fmla="*/ 3198777 h 3709642"/>
+              <a:gd name="connsiteX9" fmla="*/ 427584 w 559472"/>
+              <a:gd name="connsiteY9" fmla="*/ 3092510 h 3709642"/>
+              <a:gd name="connsiteX10" fmla="*/ 420988 w 559472"/>
+              <a:gd name="connsiteY10" fmla="*/ 2984390 h 3709642"/>
+              <a:gd name="connsiteX11" fmla="*/ 414330 w 559472"/>
+              <a:gd name="connsiteY11" fmla="*/ 2874401 h 3709642"/>
+              <a:gd name="connsiteX12" fmla="*/ 406840 w 559472"/>
+              <a:gd name="connsiteY12" fmla="*/ 2762980 h 3709642"/>
+              <a:gd name="connsiteX13" fmla="*/ 397745 w 559472"/>
+              <a:gd name="connsiteY13" fmla="*/ 2650566 h 3709642"/>
+              <a:gd name="connsiteX14" fmla="*/ 389154 w 559472"/>
+              <a:gd name="connsiteY14" fmla="*/ 2536612 h 3709642"/>
+              <a:gd name="connsiteX15" fmla="*/ 379225 w 559472"/>
+              <a:gd name="connsiteY15" fmla="*/ 2421642 h 3709642"/>
+              <a:gd name="connsiteX16" fmla="*/ 368316 w 559472"/>
+              <a:gd name="connsiteY16" fmla="*/ 2305627 h 3709642"/>
+              <a:gd name="connsiteX17" fmla="*/ 357466 w 559472"/>
+              <a:gd name="connsiteY17" fmla="*/ 2189233 h 3709642"/>
+              <a:gd name="connsiteX18" fmla="*/ 344982 w 559472"/>
+              <a:gd name="connsiteY18" fmla="*/ 2071473 h 3709642"/>
+              <a:gd name="connsiteX19" fmla="*/ 332466 w 559472"/>
+              <a:gd name="connsiteY19" fmla="*/ 1952216 h 3709642"/>
+              <a:gd name="connsiteX20" fmla="*/ 319121 w 559472"/>
+              <a:gd name="connsiteY20" fmla="*/ 1833776 h 3709642"/>
+              <a:gd name="connsiteX21" fmla="*/ 304408 w 559472"/>
+              <a:gd name="connsiteY21" fmla="*/ 1713948 h 3709642"/>
+              <a:gd name="connsiteX22" fmla="*/ 288685 w 559472"/>
+              <a:gd name="connsiteY22" fmla="*/ 1592703 h 3709642"/>
+              <a:gd name="connsiteX23" fmla="*/ 273050 w 559472"/>
+              <a:gd name="connsiteY23" fmla="*/ 1471451 h 3709642"/>
+              <a:gd name="connsiteX24" fmla="*/ 255813 w 559472"/>
+              <a:gd name="connsiteY24" fmla="*/ 1350328 h 3709642"/>
+              <a:gd name="connsiteX25" fmla="*/ 237060 w 559472"/>
+              <a:gd name="connsiteY25" fmla="*/ 1227080 h 3709642"/>
+              <a:gd name="connsiteX26" fmla="*/ 218488 w 559472"/>
+              <a:gd name="connsiteY26" fmla="*/ 1106065 h 3709642"/>
+              <a:gd name="connsiteX27" fmla="*/ 198221 w 559472"/>
+              <a:gd name="connsiteY27" fmla="*/ 982940 h 3709642"/>
+              <a:gd name="connsiteX28" fmla="*/ 177152 w 559472"/>
+              <a:gd name="connsiteY28" fmla="*/ 858755 h 3709642"/>
+              <a:gd name="connsiteX29" fmla="*/ 155551 w 559472"/>
+              <a:gd name="connsiteY29" fmla="*/ 736861 h 3709642"/>
+              <a:gd name="connsiteX30" fmla="*/ 131782 w 559472"/>
+              <a:gd name="connsiteY30" fmla="*/ 613645 h 3709642"/>
+              <a:gd name="connsiteX31" fmla="*/ 107123 w 559472"/>
+              <a:gd name="connsiteY31" fmla="*/ 490500 h 3709642"/>
+              <a:gd name="connsiteX32" fmla="*/ 82552 w 559472"/>
+              <a:gd name="connsiteY32" fmla="*/ 367348 h 3709642"/>
+              <a:gd name="connsiteX33" fmla="*/ 55608 w 559472"/>
+              <a:gd name="connsiteY33" fmla="*/ 244762 h 3709642"/>
+              <a:gd name="connsiteX34" fmla="*/ 28130 w 559472"/>
+              <a:gd name="connsiteY34" fmla="*/ 122220 h 3709642"/>
+              <a:gd name="connsiteX35" fmla="*/ 0 w 559472"/>
+              <a:gd name="connsiteY35" fmla="*/ 0 h 3709642"/>
             </a:gdLst>
             <a:ahLst/>
             <a:cxnLst>
@@ -10503,134 +14451,128 @@
               <a:cxn ang="0">
                 <a:pos x="connsiteX35" y="connsiteY35"/>
               </a:cxn>
-              <a:cxn ang="0">
-                <a:pos x="connsiteX36" y="connsiteY36"/>
-              </a:cxn>
             </a:cxnLst>
             <a:rect l="l" t="t" r="r" b="b"/>
             <a:pathLst>
-              <a:path w="3472060" h="825932">
+              <a:path w="559472" h="3709642">
                 <a:moveTo>
-                  <a:pt x="3470310" y="0"/>
+                  <a:pt x="0" y="0"/>
                 </a:moveTo>
                 <a:lnTo>
-                  <a:pt x="3472060" y="12850"/>
-                </a:lnTo>
-                <a:lnTo>
-                  <a:pt x="3472060" y="480529"/>
-                </a:lnTo>
-                <a:lnTo>
-                  <a:pt x="3363699" y="498471"/>
+                  <a:pt x="473952" y="0"/>
+                </a:lnTo>
+                <a:lnTo>
+                  <a:pt x="485840" y="161194"/>
                 </a:lnTo>
                 <a:cubicBezTo>
-                  <a:pt x="2435623" y="645518"/>
-                  <a:pt x="603076" y="844866"/>
-                  <a:pt x="42060" y="824486"/>
+                  <a:pt x="552063" y="1147770"/>
+                  <a:pt x="592441" y="3086737"/>
+                  <a:pt x="523949" y="3672197"/>
                 </a:cubicBezTo>
                 <a:cubicBezTo>
-                  <a:pt x="28151" y="802425"/>
-                  <a:pt x="13909" y="780513"/>
-                  <a:pt x="0" y="758452"/>
+                  <a:pt x="500842" y="3684557"/>
+                  <a:pt x="477855" y="3697282"/>
+                  <a:pt x="454748" y="3709642"/>
                 </a:cubicBezTo>
                 <a:lnTo>
-                  <a:pt x="188014" y="735602"/>
-                </a:lnTo>
-                <a:lnTo>
-                  <a:pt x="284087" y="722590"/>
-                </a:lnTo>
-                <a:lnTo>
-                  <a:pt x="382288" y="709392"/>
-                </a:lnTo>
-                <a:lnTo>
-                  <a:pt x="481858" y="695774"/>
-                </a:lnTo>
-                <a:lnTo>
-                  <a:pt x="581897" y="680711"/>
-                </a:lnTo>
-                <a:lnTo>
-                  <a:pt x="683670" y="665256"/>
-                </a:lnTo>
-                <a:lnTo>
-                  <a:pt x="787206" y="649587"/>
-                </a:lnTo>
-                <a:lnTo>
-                  <a:pt x="892019" y="632968"/>
-                </a:lnTo>
-                <a:lnTo>
-                  <a:pt x="997620" y="614667"/>
-                </a:lnTo>
-                <a:lnTo>
-                  <a:pt x="1104727" y="596741"/>
-                </a:lnTo>
-                <a:lnTo>
-                  <a:pt x="1212669" y="577397"/>
-                </a:lnTo>
-                <a:lnTo>
-                  <a:pt x="1321506" y="556988"/>
-                </a:lnTo>
-                <a:lnTo>
-                  <a:pt x="1430709" y="536607"/>
-                </a:lnTo>
-                <a:lnTo>
-                  <a:pt x="1541050" y="514481"/>
-                </a:lnTo>
-                <a:lnTo>
-                  <a:pt x="1652805" y="492202"/>
-                </a:lnTo>
-                <a:lnTo>
-                  <a:pt x="1763708" y="469161"/>
-                </a:lnTo>
-                <a:lnTo>
-                  <a:pt x="1875795" y="444641"/>
-                </a:lnTo>
-                <a:lnTo>
-                  <a:pt x="1989128" y="418995"/>
-                </a:lnTo>
-                <a:lnTo>
-                  <a:pt x="2102476" y="393438"/>
-                </a:lnTo>
-                <a:lnTo>
-                  <a:pt x="2215549" y="366291"/>
-                </a:lnTo>
-                <a:lnTo>
-                  <a:pt x="2330490" y="337455"/>
-                </a:lnTo>
-                <a:lnTo>
-                  <a:pt x="2443333" y="308983"/>
-                </a:lnTo>
-                <a:lnTo>
-                  <a:pt x="2558014" y="278646"/>
-                </a:lnTo>
-                <a:lnTo>
-                  <a:pt x="2673621" y="247421"/>
-                </a:lnTo>
-                <a:lnTo>
-                  <a:pt x="2787008" y="215853"/>
-                </a:lnTo>
-                <a:lnTo>
-                  <a:pt x="2901442" y="182011"/>
-                </a:lnTo>
-                <a:lnTo>
-                  <a:pt x="3015722" y="147286"/>
-                </a:lnTo>
-                <a:lnTo>
-                  <a:pt x="3130018" y="112649"/>
-                </a:lnTo>
-                <a:lnTo>
-                  <a:pt x="3243551" y="75688"/>
-                </a:lnTo>
-                <a:lnTo>
-                  <a:pt x="3356992" y="38197"/>
-                </a:lnTo>
-                <a:lnTo>
-                  <a:pt x="3470310" y="0"/>
+                  <a:pt x="448224" y="3510471"/>
+                </a:lnTo>
+                <a:lnTo>
+                  <a:pt x="443564" y="3408563"/>
+                </a:lnTo>
+                <a:lnTo>
+                  <a:pt x="438902" y="3304407"/>
+                </a:lnTo>
+                <a:lnTo>
+                  <a:pt x="433941" y="3198777"/>
+                </a:lnTo>
+                <a:lnTo>
+                  <a:pt x="427584" y="3092510"/>
+                </a:lnTo>
+                <a:lnTo>
+                  <a:pt x="420988" y="2984390"/>
+                </a:lnTo>
+                <a:lnTo>
+                  <a:pt x="414330" y="2874401"/>
+                </a:lnTo>
+                <a:lnTo>
+                  <a:pt x="406840" y="2762980"/>
+                </a:lnTo>
+                <a:lnTo>
+                  <a:pt x="397745" y="2650566"/>
+                </a:lnTo>
+                <a:lnTo>
+                  <a:pt x="389154" y="2536612"/>
+                </a:lnTo>
+                <a:lnTo>
+                  <a:pt x="379225" y="2421642"/>
+                </a:lnTo>
+                <a:lnTo>
+                  <a:pt x="368316" y="2305627"/>
+                </a:lnTo>
+                <a:lnTo>
+                  <a:pt x="357466" y="2189233"/>
+                </a:lnTo>
+                <a:lnTo>
+                  <a:pt x="344982" y="2071473"/>
+                </a:lnTo>
+                <a:lnTo>
+                  <a:pt x="332466" y="1952216"/>
+                </a:lnTo>
+                <a:lnTo>
+                  <a:pt x="319121" y="1833776"/>
+                </a:lnTo>
+                <a:lnTo>
+                  <a:pt x="304408" y="1713948"/>
+                </a:lnTo>
+                <a:lnTo>
+                  <a:pt x="288685" y="1592703"/>
+                </a:lnTo>
+                <a:lnTo>
+                  <a:pt x="273050" y="1471451"/>
+                </a:lnTo>
+                <a:lnTo>
+                  <a:pt x="255813" y="1350328"/>
+                </a:lnTo>
+                <a:lnTo>
+                  <a:pt x="237060" y="1227080"/>
+                </a:lnTo>
+                <a:lnTo>
+                  <a:pt x="218488" y="1106065"/>
+                </a:lnTo>
+                <a:lnTo>
+                  <a:pt x="198221" y="982940"/>
+                </a:lnTo>
+                <a:lnTo>
+                  <a:pt x="177152" y="858755"/>
+                </a:lnTo>
+                <a:lnTo>
+                  <a:pt x="155551" y="736861"/>
+                </a:lnTo>
+                <a:lnTo>
+                  <a:pt x="131782" y="613645"/>
+                </a:lnTo>
+                <a:lnTo>
+                  <a:pt x="107123" y="490500"/>
+                </a:lnTo>
+                <a:lnTo>
+                  <a:pt x="82552" y="367348"/>
+                </a:lnTo>
+                <a:lnTo>
+                  <a:pt x="55608" y="244762"/>
+                </a:lnTo>
+                <a:lnTo>
+                  <a:pt x="28130" y="122220"/>
+                </a:lnTo>
+                <a:lnTo>
+                  <a:pt x="0" y="0"/>
                 </a:lnTo>
                 <a:close/>
               </a:path>
             </a:pathLst>
           </a:custGeom>
           <a:solidFill>
-            <a:schemeClr val="bg1">
+            <a:schemeClr val="tx1">
               <a:alpha val="20000"/>
             </a:schemeClr>
           </a:solidFill>
@@ -10642,634 +14584,17 @@
           <a:bodyPr rtlCol="0" anchor="ctr"/>
           <a:lstStyle/>
           <a:p>
-            <a:pPr marL="0" marR="0" lvl="0" indent="0" algn="ctr" defTabSz="914400" rtl="0" eaLnBrk="1" fontAlgn="auto" latinLnBrk="0" hangingPunct="1">
-              <a:lnSpc>
-                <a:spcPct val="100000"/>
-              </a:lnSpc>
-              <a:spcBef>
-                <a:spcPts val="0"/>
-              </a:spcBef>
-              <a:spcAft>
-                <a:spcPts val="0"/>
-              </a:spcAft>
-              <a:buClrTx/>
-              <a:buSzTx/>
-              <a:buFontTx/>
-              <a:buNone/>
-              <a:tabLst/>
-              <a:defRPr/>
-            </a:pPr>
-            <a:endParaRPr kumimoji="0" lang="en-US" sz="1800" b="0" i="0" u="none" strike="noStrike" kern="1200" cap="none" spc="0" normalizeH="0" baseline="0" noProof="0">
-              <a:ln>
-                <a:noFill/>
-              </a:ln>
-              <a:solidFill>
-                <a:prstClr val="black"/>
-              </a:solidFill>
-              <a:effectLst/>
-              <a:uLnTx/>
-              <a:uFillTx/>
-              <a:latin typeface="Century Gothic" panose="020B0502020202020204"/>
-              <a:ea typeface="+mn-ea"/>
-              <a:cs typeface="+mn-cs"/>
-            </a:endParaRPr>
-          </a:p>
-        </p:txBody>
-      </p:sp>
-      <p:sp useBgFill="1">
-        <p:nvSpPr>
-          <p:cNvPr id="14" name="Freeform: Shape 13">
-            <a:extLst>
-              <a:ext uri="{FF2B5EF4-FFF2-40B4-BE49-F238E27FC236}">
-                <a16:creationId xmlns:a16="http://schemas.microsoft.com/office/drawing/2014/main" id="{6A681326-1C9D-44A3-A627-3871BDAE4127}"/>
-              </a:ext>
-              <a:ext uri="{C183D7F6-B498-43B3-948B-1728B52AA6E4}">
-                <adec:decorative xmlns:adec="http://schemas.microsoft.com/office/drawing/2017/decorative" val="1"/>
-              </a:ext>
-            </a:extLst>
-          </p:cNvPr>
-          <p:cNvSpPr>
-            <a:spLocks noGrp="1" noRot="1" noChangeAspect="1" noMove="1" noResize="1" noEditPoints="1" noAdjustHandles="1" noChangeArrowheads="1" noChangeShapeType="1" noTextEdit="1"/>
-          </p:cNvSpPr>
-          <p:nvPr>
-            <p:extLst>
-              <p:ext uri="{386F3935-93C4-4BCD-93E2-E3B085C9AB24}">
-                <p16:designElem xmlns:p16="http://schemas.microsoft.com/office/powerpoint/2015/main" val="1"/>
-              </p:ext>
-            </p:extLst>
-          </p:nvPr>
-        </p:nvSpPr>
-        <p:spPr bwMode="gray">
-          <a:xfrm>
-            <a:off x="1" y="1762067"/>
-            <a:ext cx="12192417" cy="5095933"/>
-          </a:xfrm>
-          <a:custGeom>
-            <a:avLst/>
-            <a:gdLst>
-              <a:gd name="connsiteX0" fmla="*/ 0 w 12192417"/>
-              <a:gd name="connsiteY0" fmla="*/ 0 h 5095933"/>
-              <a:gd name="connsiteX1" fmla="*/ 71931 w 12192417"/>
-              <a:gd name="connsiteY1" fmla="*/ 12261 h 5095933"/>
-              <a:gd name="connsiteX2" fmla="*/ 282848 w 12192417"/>
-              <a:gd name="connsiteY2" fmla="*/ 48343 h 5095933"/>
-              <a:gd name="connsiteX3" fmla="*/ 436463 w 12192417"/>
-              <a:gd name="connsiteY3" fmla="*/ 73565 h 5095933"/>
-              <a:gd name="connsiteX4" fmla="*/ 619338 w 12192417"/>
-              <a:gd name="connsiteY4" fmla="*/ 100188 h 5095933"/>
-              <a:gd name="connsiteX5" fmla="*/ 836350 w 12192417"/>
-              <a:gd name="connsiteY5" fmla="*/ 132066 h 5095933"/>
-              <a:gd name="connsiteX6" fmla="*/ 1076527 w 12192417"/>
-              <a:gd name="connsiteY6" fmla="*/ 165696 h 5095933"/>
-              <a:gd name="connsiteX7" fmla="*/ 1347183 w 12192417"/>
-              <a:gd name="connsiteY7" fmla="*/ 201077 h 5095933"/>
-              <a:gd name="connsiteX8" fmla="*/ 1642222 w 12192417"/>
-              <a:gd name="connsiteY8" fmla="*/ 238560 h 5095933"/>
-              <a:gd name="connsiteX9" fmla="*/ 1962863 w 12192417"/>
-              <a:gd name="connsiteY9" fmla="*/ 276043 h 5095933"/>
-              <a:gd name="connsiteX10" fmla="*/ 2304231 w 12192417"/>
-              <a:gd name="connsiteY10" fmla="*/ 314227 h 5095933"/>
-              <a:gd name="connsiteX11" fmla="*/ 2672420 w 12192417"/>
-              <a:gd name="connsiteY11" fmla="*/ 349608 h 5095933"/>
-              <a:gd name="connsiteX12" fmla="*/ 3057677 w 12192417"/>
-              <a:gd name="connsiteY12" fmla="*/ 383588 h 5095933"/>
-              <a:gd name="connsiteX13" fmla="*/ 3464880 w 12192417"/>
-              <a:gd name="connsiteY13" fmla="*/ 414415 h 5095933"/>
-              <a:gd name="connsiteX14" fmla="*/ 3889151 w 12192417"/>
-              <a:gd name="connsiteY14" fmla="*/ 443841 h 5095933"/>
-              <a:gd name="connsiteX15" fmla="*/ 4331709 w 12192417"/>
-              <a:gd name="connsiteY15" fmla="*/ 471515 h 5095933"/>
-              <a:gd name="connsiteX16" fmla="*/ 4558475 w 12192417"/>
-              <a:gd name="connsiteY16" fmla="*/ 481324 h 5095933"/>
-              <a:gd name="connsiteX17" fmla="*/ 4790117 w 12192417"/>
-              <a:gd name="connsiteY17" fmla="*/ 492183 h 5095933"/>
-              <a:gd name="connsiteX18" fmla="*/ 5025417 w 12192417"/>
-              <a:gd name="connsiteY18" fmla="*/ 502342 h 5095933"/>
-              <a:gd name="connsiteX19" fmla="*/ 5261936 w 12192417"/>
-              <a:gd name="connsiteY19" fmla="*/ 508998 h 5095933"/>
-              <a:gd name="connsiteX20" fmla="*/ 5503331 w 12192417"/>
-              <a:gd name="connsiteY20" fmla="*/ 514953 h 5095933"/>
-              <a:gd name="connsiteX21" fmla="*/ 5747166 w 12192417"/>
-              <a:gd name="connsiteY21" fmla="*/ 521259 h 5095933"/>
-              <a:gd name="connsiteX22" fmla="*/ 5995876 w 12192417"/>
-              <a:gd name="connsiteY22" fmla="*/ 525463 h 5095933"/>
-              <a:gd name="connsiteX23" fmla="*/ 6247025 w 12192417"/>
-              <a:gd name="connsiteY23" fmla="*/ 525463 h 5095933"/>
-              <a:gd name="connsiteX24" fmla="*/ 6500612 w 12192417"/>
-              <a:gd name="connsiteY24" fmla="*/ 527565 h 5095933"/>
-              <a:gd name="connsiteX25" fmla="*/ 6756638 w 12192417"/>
-              <a:gd name="connsiteY25" fmla="*/ 525463 h 5095933"/>
-              <a:gd name="connsiteX26" fmla="*/ 7016321 w 12192417"/>
-              <a:gd name="connsiteY26" fmla="*/ 521259 h 5095933"/>
-              <a:gd name="connsiteX27" fmla="*/ 7276004 w 12192417"/>
-              <a:gd name="connsiteY27" fmla="*/ 517406 h 5095933"/>
-              <a:gd name="connsiteX28" fmla="*/ 7539344 w 12192417"/>
-              <a:gd name="connsiteY28" fmla="*/ 508998 h 5095933"/>
-              <a:gd name="connsiteX29" fmla="*/ 7805123 w 12192417"/>
-              <a:gd name="connsiteY29" fmla="*/ 500241 h 5095933"/>
-              <a:gd name="connsiteX30" fmla="*/ 8070902 w 12192417"/>
-              <a:gd name="connsiteY30" fmla="*/ 490082 h 5095933"/>
-              <a:gd name="connsiteX31" fmla="*/ 8339120 w 12192417"/>
-              <a:gd name="connsiteY31" fmla="*/ 475719 h 5095933"/>
-              <a:gd name="connsiteX32" fmla="*/ 8609775 w 12192417"/>
-              <a:gd name="connsiteY32" fmla="*/ 458554 h 5095933"/>
-              <a:gd name="connsiteX33" fmla="*/ 8881650 w 12192417"/>
-              <a:gd name="connsiteY33" fmla="*/ 442089 h 5095933"/>
-              <a:gd name="connsiteX34" fmla="*/ 9153525 w 12192417"/>
-              <a:gd name="connsiteY34" fmla="*/ 421071 h 5095933"/>
-              <a:gd name="connsiteX35" fmla="*/ 9429057 w 12192417"/>
-              <a:gd name="connsiteY35" fmla="*/ 395849 h 5095933"/>
-              <a:gd name="connsiteX36" fmla="*/ 9700932 w 12192417"/>
-              <a:gd name="connsiteY36" fmla="*/ 370626 h 5095933"/>
-              <a:gd name="connsiteX37" fmla="*/ 9977683 w 12192417"/>
-              <a:gd name="connsiteY37" fmla="*/ 341551 h 5095933"/>
-              <a:gd name="connsiteX38" fmla="*/ 10255654 w 12192417"/>
-              <a:gd name="connsiteY38" fmla="*/ 309673 h 5095933"/>
-              <a:gd name="connsiteX39" fmla="*/ 10529967 w 12192417"/>
-              <a:gd name="connsiteY39" fmla="*/ 276043 h 5095933"/>
-              <a:gd name="connsiteX40" fmla="*/ 10807938 w 12192417"/>
-              <a:gd name="connsiteY40" fmla="*/ 236809 h 5095933"/>
-              <a:gd name="connsiteX41" fmla="*/ 11084689 w 12192417"/>
-              <a:gd name="connsiteY41" fmla="*/ 194772 h 5095933"/>
-              <a:gd name="connsiteX42" fmla="*/ 11362660 w 12192417"/>
-              <a:gd name="connsiteY42" fmla="*/ 153085 h 5095933"/>
-              <a:gd name="connsiteX43" fmla="*/ 11639411 w 12192417"/>
-              <a:gd name="connsiteY43" fmla="*/ 104392 h 5095933"/>
-              <a:gd name="connsiteX44" fmla="*/ 11914944 w 12192417"/>
-              <a:gd name="connsiteY44" fmla="*/ 54648 h 5095933"/>
-              <a:gd name="connsiteX45" fmla="*/ 12191695 w 12192417"/>
-              <a:gd name="connsiteY45" fmla="*/ 2452 h 5095933"/>
-              <a:gd name="connsiteX46" fmla="*/ 12191695 w 12192417"/>
-              <a:gd name="connsiteY46" fmla="*/ 2162231 h 5095933"/>
-              <a:gd name="connsiteX47" fmla="*/ 12192417 w 12192417"/>
-              <a:gd name="connsiteY47" fmla="*/ 2162231 h 5095933"/>
-              <a:gd name="connsiteX48" fmla="*/ 12192417 w 12192417"/>
-              <a:gd name="connsiteY48" fmla="*/ 5095933 h 5095933"/>
-              <a:gd name="connsiteX49" fmla="*/ 0 w 12192417"/>
-              <a:gd name="connsiteY49" fmla="*/ 5095933 h 5095933"/>
-              <a:gd name="connsiteX50" fmla="*/ 0 w 12192417"/>
-              <a:gd name="connsiteY50" fmla="*/ 2791958 h 5095933"/>
-              <a:gd name="connsiteX51" fmla="*/ 0 w 12192417"/>
-              <a:gd name="connsiteY51" fmla="*/ 2162231 h 5095933"/>
-            </a:gdLst>
-            <a:ahLst/>
-            <a:cxnLst>
-              <a:cxn ang="0">
-                <a:pos x="connsiteX0" y="connsiteY0"/>
-              </a:cxn>
-              <a:cxn ang="0">
-                <a:pos x="connsiteX1" y="connsiteY1"/>
-              </a:cxn>
-              <a:cxn ang="0">
-                <a:pos x="connsiteX2" y="connsiteY2"/>
-              </a:cxn>
-              <a:cxn ang="0">
-                <a:pos x="connsiteX3" y="connsiteY3"/>
-              </a:cxn>
-              <a:cxn ang="0">
-                <a:pos x="connsiteX4" y="connsiteY4"/>
-              </a:cxn>
-              <a:cxn ang="0">
-                <a:pos x="connsiteX5" y="connsiteY5"/>
-              </a:cxn>
-              <a:cxn ang="0">
-                <a:pos x="connsiteX6" y="connsiteY6"/>
-              </a:cxn>
-              <a:cxn ang="0">
-                <a:pos x="connsiteX7" y="connsiteY7"/>
-              </a:cxn>
-              <a:cxn ang="0">
-                <a:pos x="connsiteX8" y="connsiteY8"/>
-              </a:cxn>
-              <a:cxn ang="0">
-                <a:pos x="connsiteX9" y="connsiteY9"/>
-              </a:cxn>
-              <a:cxn ang="0">
-                <a:pos x="connsiteX10" y="connsiteY10"/>
-              </a:cxn>
-              <a:cxn ang="0">
-                <a:pos x="connsiteX11" y="connsiteY11"/>
-              </a:cxn>
-              <a:cxn ang="0">
-                <a:pos x="connsiteX12" y="connsiteY12"/>
-              </a:cxn>
-              <a:cxn ang="0">
-                <a:pos x="connsiteX13" y="connsiteY13"/>
-              </a:cxn>
-              <a:cxn ang="0">
-                <a:pos x="connsiteX14" y="connsiteY14"/>
-              </a:cxn>
-              <a:cxn ang="0">
-                <a:pos x="connsiteX15" y="connsiteY15"/>
-              </a:cxn>
-              <a:cxn ang="0">
-                <a:pos x="connsiteX16" y="connsiteY16"/>
-              </a:cxn>
-              <a:cxn ang="0">
-                <a:pos x="connsiteX17" y="connsiteY17"/>
-              </a:cxn>
-              <a:cxn ang="0">
-                <a:pos x="connsiteX18" y="connsiteY18"/>
-              </a:cxn>
-              <a:cxn ang="0">
-                <a:pos x="connsiteX19" y="connsiteY19"/>
-              </a:cxn>
-              <a:cxn ang="0">
-                <a:pos x="connsiteX20" y="connsiteY20"/>
-              </a:cxn>
-              <a:cxn ang="0">
-                <a:pos x="connsiteX21" y="connsiteY21"/>
-              </a:cxn>
-              <a:cxn ang="0">
-                <a:pos x="connsiteX22" y="connsiteY22"/>
-              </a:cxn>
-              <a:cxn ang="0">
-                <a:pos x="connsiteX23" y="connsiteY23"/>
-              </a:cxn>
-              <a:cxn ang="0">
-                <a:pos x="connsiteX24" y="connsiteY24"/>
-              </a:cxn>
-              <a:cxn ang="0">
-                <a:pos x="connsiteX25" y="connsiteY25"/>
-              </a:cxn>
-              <a:cxn ang="0">
-                <a:pos x="connsiteX26" y="connsiteY26"/>
-              </a:cxn>
-              <a:cxn ang="0">
-                <a:pos x="connsiteX27" y="connsiteY27"/>
-              </a:cxn>
-              <a:cxn ang="0">
-                <a:pos x="connsiteX28" y="connsiteY28"/>
-              </a:cxn>
-              <a:cxn ang="0">
-                <a:pos x="connsiteX29" y="connsiteY29"/>
-              </a:cxn>
-              <a:cxn ang="0">
-                <a:pos x="connsiteX30" y="connsiteY30"/>
-              </a:cxn>
-              <a:cxn ang="0">
-                <a:pos x="connsiteX31" y="connsiteY31"/>
-              </a:cxn>
-              <a:cxn ang="0">
-                <a:pos x="connsiteX32" y="connsiteY32"/>
-              </a:cxn>
-              <a:cxn ang="0">
-                <a:pos x="connsiteX33" y="connsiteY33"/>
-              </a:cxn>
-              <a:cxn ang="0">
-                <a:pos x="connsiteX34" y="connsiteY34"/>
-              </a:cxn>
-              <a:cxn ang="0">
-                <a:pos x="connsiteX35" y="connsiteY35"/>
-              </a:cxn>
-              <a:cxn ang="0">
-                <a:pos x="connsiteX36" y="connsiteY36"/>
-              </a:cxn>
-              <a:cxn ang="0">
-                <a:pos x="connsiteX37" y="connsiteY37"/>
-              </a:cxn>
-              <a:cxn ang="0">
-                <a:pos x="connsiteX38" y="connsiteY38"/>
-              </a:cxn>
-              <a:cxn ang="0">
-                <a:pos x="connsiteX39" y="connsiteY39"/>
-              </a:cxn>
-              <a:cxn ang="0">
-                <a:pos x="connsiteX40" y="connsiteY40"/>
-              </a:cxn>
-              <a:cxn ang="0">
-                <a:pos x="connsiteX41" y="connsiteY41"/>
-              </a:cxn>
-              <a:cxn ang="0">
-                <a:pos x="connsiteX42" y="connsiteY42"/>
-              </a:cxn>
-              <a:cxn ang="0">
-                <a:pos x="connsiteX43" y="connsiteY43"/>
-              </a:cxn>
-              <a:cxn ang="0">
-                <a:pos x="connsiteX44" y="connsiteY44"/>
-              </a:cxn>
-              <a:cxn ang="0">
-                <a:pos x="connsiteX45" y="connsiteY45"/>
-              </a:cxn>
-              <a:cxn ang="0">
-                <a:pos x="connsiteX46" y="connsiteY46"/>
-              </a:cxn>
-              <a:cxn ang="0">
-                <a:pos x="connsiteX47" y="connsiteY47"/>
-              </a:cxn>
-              <a:cxn ang="0">
-                <a:pos x="connsiteX48" y="connsiteY48"/>
-              </a:cxn>
-              <a:cxn ang="0">
-                <a:pos x="connsiteX49" y="connsiteY49"/>
-              </a:cxn>
-              <a:cxn ang="0">
-                <a:pos x="connsiteX50" y="connsiteY50"/>
-              </a:cxn>
-              <a:cxn ang="0">
-                <a:pos x="connsiteX51" y="connsiteY51"/>
-              </a:cxn>
-            </a:cxnLst>
-            <a:rect l="l" t="t" r="r" b="b"/>
-            <a:pathLst>
-              <a:path w="12192417" h="5095933">
-                <a:moveTo>
-                  <a:pt x="0" y="0"/>
-                </a:moveTo>
-                <a:lnTo>
-                  <a:pt x="71931" y="12261"/>
-                </a:lnTo>
-                <a:lnTo>
-                  <a:pt x="282848" y="48343"/>
-                </a:lnTo>
-                <a:lnTo>
-                  <a:pt x="436463" y="73565"/>
-                </a:lnTo>
-                <a:lnTo>
-                  <a:pt x="619338" y="100188"/>
-                </a:lnTo>
-                <a:lnTo>
-                  <a:pt x="836350" y="132066"/>
-                </a:lnTo>
-                <a:lnTo>
-                  <a:pt x="1076527" y="165696"/>
-                </a:lnTo>
-                <a:lnTo>
-                  <a:pt x="1347183" y="201077"/>
-                </a:lnTo>
-                <a:lnTo>
-                  <a:pt x="1642222" y="238560"/>
-                </a:lnTo>
-                <a:lnTo>
-                  <a:pt x="1962863" y="276043"/>
-                </a:lnTo>
-                <a:lnTo>
-                  <a:pt x="2304231" y="314227"/>
-                </a:lnTo>
-                <a:lnTo>
-                  <a:pt x="2672420" y="349608"/>
-                </a:lnTo>
-                <a:lnTo>
-                  <a:pt x="3057677" y="383588"/>
-                </a:lnTo>
-                <a:lnTo>
-                  <a:pt x="3464880" y="414415"/>
-                </a:lnTo>
-                <a:lnTo>
-                  <a:pt x="3889151" y="443841"/>
-                </a:lnTo>
-                <a:lnTo>
-                  <a:pt x="4331709" y="471515"/>
-                </a:lnTo>
-                <a:lnTo>
-                  <a:pt x="4558475" y="481324"/>
-                </a:lnTo>
-                <a:lnTo>
-                  <a:pt x="4790117" y="492183"/>
-                </a:lnTo>
-                <a:lnTo>
-                  <a:pt x="5025417" y="502342"/>
-                </a:lnTo>
-                <a:lnTo>
-                  <a:pt x="5261936" y="508998"/>
-                </a:lnTo>
-                <a:lnTo>
-                  <a:pt x="5503331" y="514953"/>
-                </a:lnTo>
-                <a:lnTo>
-                  <a:pt x="5747166" y="521259"/>
-                </a:lnTo>
-                <a:lnTo>
-                  <a:pt x="5995876" y="525463"/>
-                </a:lnTo>
-                <a:lnTo>
-                  <a:pt x="6247025" y="525463"/>
-                </a:lnTo>
-                <a:lnTo>
-                  <a:pt x="6500612" y="527565"/>
-                </a:lnTo>
-                <a:lnTo>
-                  <a:pt x="6756638" y="525463"/>
-                </a:lnTo>
-                <a:lnTo>
-                  <a:pt x="7016321" y="521259"/>
-                </a:lnTo>
-                <a:lnTo>
-                  <a:pt x="7276004" y="517406"/>
-                </a:lnTo>
-                <a:lnTo>
-                  <a:pt x="7539344" y="508998"/>
-                </a:lnTo>
-                <a:lnTo>
-                  <a:pt x="7805123" y="500241"/>
-                </a:lnTo>
-                <a:lnTo>
-                  <a:pt x="8070902" y="490082"/>
-                </a:lnTo>
-                <a:lnTo>
-                  <a:pt x="8339120" y="475719"/>
-                </a:lnTo>
-                <a:lnTo>
-                  <a:pt x="8609775" y="458554"/>
-                </a:lnTo>
-                <a:lnTo>
-                  <a:pt x="8881650" y="442089"/>
-                </a:lnTo>
-                <a:lnTo>
-                  <a:pt x="9153525" y="421071"/>
-                </a:lnTo>
-                <a:lnTo>
-                  <a:pt x="9429057" y="395849"/>
-                </a:lnTo>
-                <a:lnTo>
-                  <a:pt x="9700932" y="370626"/>
-                </a:lnTo>
-                <a:lnTo>
-                  <a:pt x="9977683" y="341551"/>
-                </a:lnTo>
-                <a:lnTo>
-                  <a:pt x="10255654" y="309673"/>
-                </a:lnTo>
-                <a:lnTo>
-                  <a:pt x="10529967" y="276043"/>
-                </a:lnTo>
-                <a:lnTo>
-                  <a:pt x="10807938" y="236809"/>
-                </a:lnTo>
-                <a:lnTo>
-                  <a:pt x="11084689" y="194772"/>
-                </a:lnTo>
-                <a:lnTo>
-                  <a:pt x="11362660" y="153085"/>
-                </a:lnTo>
-                <a:lnTo>
-                  <a:pt x="11639411" y="104392"/>
-                </a:lnTo>
-                <a:lnTo>
-                  <a:pt x="11914944" y="54648"/>
-                </a:lnTo>
-                <a:lnTo>
-                  <a:pt x="12191695" y="2452"/>
-                </a:lnTo>
-                <a:lnTo>
-                  <a:pt x="12191695" y="2162231"/>
-                </a:lnTo>
-                <a:lnTo>
-                  <a:pt x="12192417" y="2162231"/>
-                </a:lnTo>
-                <a:lnTo>
-                  <a:pt x="12192417" y="5095933"/>
-                </a:lnTo>
-                <a:lnTo>
-                  <a:pt x="0" y="5095933"/>
-                </a:lnTo>
-                <a:lnTo>
-                  <a:pt x="0" y="2791958"/>
-                </a:lnTo>
-                <a:lnTo>
-                  <a:pt x="0" y="2162231"/>
-                </a:lnTo>
-                <a:close/>
-              </a:path>
-            </a:pathLst>
-          </a:custGeom>
-          <a:ln>
-            <a:noFill/>
-          </a:ln>
-        </p:spPr>
-      </p:sp>
-      <p:sp>
-        <p:nvSpPr>
-          <p:cNvPr id="2" name="Title 1">
-            <a:extLst>
-              <a:ext uri="{FF2B5EF4-FFF2-40B4-BE49-F238E27FC236}">
-                <a16:creationId xmlns:a16="http://schemas.microsoft.com/office/drawing/2014/main" id="{2F18F8AB-D460-427F-84D3-87AD137C0232}"/>
-              </a:ext>
-            </a:extLst>
-          </p:cNvPr>
-          <p:cNvSpPr>
-            <a:spLocks noGrp="1"/>
-          </p:cNvSpPr>
-          <p:nvPr>
-            <p:ph type="title"/>
-          </p:nvPr>
-        </p:nvSpPr>
-        <p:spPr>
-          <a:xfrm>
-            <a:off x="1103312" y="452718"/>
-            <a:ext cx="8947522" cy="1400530"/>
-          </a:xfrm>
-        </p:spPr>
-        <p:txBody>
-          <a:bodyPr anchor="ctr">
-            <a:normAutofit/>
-          </a:bodyPr>
-          <a:lstStyle/>
-          <a:p>
             <a:pPr algn="ctr"/>
-            <a:r>
-              <a:rPr lang="en-US" dirty="0">
-                <a:solidFill>
-                  <a:srgbClr val="FFFFFF"/>
-                </a:solidFill>
-              </a:rPr>
-              <a:t>Influential Factor:</a:t>
-            </a:r>
-            <a:br>
-              <a:rPr lang="en-US" dirty="0">
-                <a:solidFill>
-                  <a:srgbClr val="FFFFFF"/>
-                </a:solidFill>
-              </a:rPr>
-            </a:br>
-            <a:r>
-              <a:rPr lang="en-US" dirty="0">
-                <a:solidFill>
-                  <a:srgbClr val="FFFFFF"/>
-                </a:solidFill>
-              </a:rPr>
-              <a:t>Your Zip Code</a:t>
-            </a:r>
+            <a:endParaRPr lang="en-US"/>
           </a:p>
         </p:txBody>
       </p:sp>
       <p:sp>
         <p:nvSpPr>
-          <p:cNvPr id="3" name="Content Placeholder 2">
+          <p:cNvPr id="143" name="Rectangle 142">
             <a:extLst>
               <a:ext uri="{FF2B5EF4-FFF2-40B4-BE49-F238E27FC236}">
-                <a16:creationId xmlns:a16="http://schemas.microsoft.com/office/drawing/2014/main" id="{9CE26E3F-F04E-4AA1-A0CE-D8A739C4B9A8}"/>
-              </a:ext>
-            </a:extLst>
-          </p:cNvPr>
-          <p:cNvSpPr>
-            <a:spLocks noGrp="1"/>
-          </p:cNvSpPr>
-          <p:nvPr>
-            <p:ph idx="1"/>
-          </p:nvPr>
-        </p:nvSpPr>
-        <p:spPr>
-          <a:xfrm>
-            <a:off x="1103312" y="2763520"/>
-            <a:ext cx="8946541" cy="3484879"/>
-          </a:xfrm>
-        </p:spPr>
-        <p:txBody>
-          <a:bodyPr>
-            <a:normAutofit/>
-          </a:bodyPr>
-          <a:lstStyle/>
-          <a:p>
-            <a:endParaRPr lang="en-US" dirty="0"/>
-          </a:p>
-        </p:txBody>
-      </p:sp>
-    </p:spTree>
-    <p:extLst>
-      <p:ext uri="{BB962C8B-B14F-4D97-AF65-F5344CB8AC3E}">
-        <p14:creationId xmlns:p14="http://schemas.microsoft.com/office/powerpoint/2010/main" val="2155569192"/>
-      </p:ext>
-    </p:extLst>
-  </p:cSld>
-  <p:clrMapOvr>
-    <a:overrideClrMapping bg1="lt1" tx1="dk1" bg2="lt2" tx2="dk2" accent1="accent1" accent2="accent2" accent3="accent3" accent4="accent4" accent5="accent5" accent6="accent6" hlink="hlink" folHlink="folHlink"/>
-  </p:clrMapOvr>
-</p:sld>
-</file>
-
-<file path=ppt/slides/slide6.xml><?xml version="1.0" encoding="utf-8"?>
-<p:sld xmlns:a="http://schemas.openxmlformats.org/drawingml/2006/main" xmlns:r="http://schemas.openxmlformats.org/officeDocument/2006/relationships" xmlns:p="http://schemas.openxmlformats.org/presentationml/2006/main">
-  <p:cSld>
-    <p:bg>
-      <p:bgPr>
-        <a:solidFill>
-          <a:schemeClr val="bg1"/>
-        </a:solidFill>
-        <a:effectLst/>
-      </p:bgPr>
-    </p:bg>
-    <p:spTree>
-      <p:nvGrpSpPr>
-        <p:cNvPr id="1" name=""/>
-        <p:cNvGrpSpPr/>
-        <p:nvPr/>
-      </p:nvGrpSpPr>
-      <p:grpSpPr>
-        <a:xfrm>
-          <a:off x="0" y="0"/>
-          <a:ext cx="0" cy="0"/>
-          <a:chOff x="0" y="0"/>
-          <a:chExt cx="0" cy="0"/>
-        </a:xfrm>
-      </p:grpSpPr>
-      <p:sp>
-        <p:nvSpPr>
-          <p:cNvPr id="8" name="Rectangle 7">
-            <a:extLst>
-              <a:ext uri="{FF2B5EF4-FFF2-40B4-BE49-F238E27FC236}">
-                <a16:creationId xmlns:a16="http://schemas.microsoft.com/office/drawing/2014/main" id="{74CD14DB-BB81-479F-A1FC-1C75640E9F84}"/>
+                <a16:creationId xmlns:a16="http://schemas.microsoft.com/office/drawing/2014/main" id="{E83C4BF2-CE85-4725-91F5-903A0C253504}"/>
               </a:ext>
               <a:ext uri="{C183D7F6-B498-43B3-948B-1728B52AA6E4}">
                 <adec:decorative xmlns:adec="http://schemas.microsoft.com/office/drawing/2017/decorative" val="1"/>
@@ -11289,12 +14614,15 @@
         </p:nvSpPr>
         <p:spPr>
           <a:xfrm>
-            <a:off x="0" y="0"/>
-            <a:ext cx="12192000" cy="6858000"/>
+            <a:off x="6093992" y="0"/>
+            <a:ext cx="6098427" cy="6858000"/>
           </a:xfrm>
           <a:prstGeom prst="rect">
             <a:avLst/>
           </a:prstGeom>
+          <a:solidFill>
+            <a:srgbClr val="FFFFFF"/>
+          </a:solidFill>
           <a:ln>
             <a:noFill/>
           </a:ln>
@@ -11305,8 +14633,8 @@
               <a:shade val="50000"/>
             </a:schemeClr>
           </a:lnRef>
-          <a:fillRef idx="1003">
-            <a:schemeClr val="dk2"/>
+          <a:fillRef idx="1">
+            <a:schemeClr val="accent1"/>
           </a:fillRef>
           <a:effectRef idx="0">
             <a:schemeClr val="accent1"/>
@@ -11319,46 +14647,265 @@
           <a:bodyPr rtlCol="0" anchor="ctr"/>
           <a:lstStyle/>
           <a:p>
-            <a:pPr marL="0" marR="0" lvl="0" indent="0" algn="ctr" defTabSz="914400" rtl="0" eaLnBrk="1" fontAlgn="auto" latinLnBrk="0" hangingPunct="1">
-              <a:lnSpc>
-                <a:spcPct val="100000"/>
-              </a:lnSpc>
-              <a:spcBef>
-                <a:spcPts val="0"/>
-              </a:spcBef>
-              <a:spcAft>
-                <a:spcPts val="0"/>
-              </a:spcAft>
-              <a:buClrTx/>
-              <a:buSzTx/>
-              <a:buFontTx/>
-              <a:buNone/>
-              <a:tabLst/>
-              <a:defRPr/>
-            </a:pPr>
-            <a:endParaRPr kumimoji="0" lang="en-US" sz="1800" b="0" i="0" u="none" strike="noStrike" kern="1200" cap="none" spc="0" normalizeH="0" baseline="0" noProof="0">
-              <a:ln>
-                <a:noFill/>
-              </a:ln>
-              <a:solidFill>
-                <a:prstClr val="white"/>
-              </a:solidFill>
-              <a:effectLst/>
-              <a:uLnTx/>
-              <a:uFillTx/>
-              <a:latin typeface="Century Gothic" panose="020B0502020202020204"/>
-              <a:ea typeface="+mn-ea"/>
-              <a:cs typeface="+mn-cs"/>
-            </a:endParaRPr>
+            <a:pPr algn="ctr"/>
+            <a:endParaRPr lang="en-US"/>
           </a:p>
         </p:txBody>
       </p:sp>
       <p:sp>
         <p:nvSpPr>
-          <p:cNvPr id="10" name="Rectangle 9">
+          <p:cNvPr id="145" name="Freeform 5">
             <a:extLst>
               <a:ext uri="{FF2B5EF4-FFF2-40B4-BE49-F238E27FC236}">
-                <a16:creationId xmlns:a16="http://schemas.microsoft.com/office/drawing/2014/main" id="{C943A91B-7CA7-4592-A975-73B1BF8C4C74}"/>
+                <a16:creationId xmlns:a16="http://schemas.microsoft.com/office/drawing/2014/main" id="{F7E85553-125B-468C-B123-443207482B3E}"/>
+              </a:ext>
+              <a:ext uri="{C183D7F6-B498-43B3-948B-1728B52AA6E4}">
+                <adec:decorative xmlns:adec="http://schemas.microsoft.com/office/drawing/2017/decorative" val="1"/>
+              </a:ext>
+            </a:extLst>
+          </p:cNvPr>
+          <p:cNvSpPr>
+            <a:spLocks noGrp="1" noRot="1" noChangeAspect="1" noMove="1" noResize="1" noEditPoints="1" noAdjustHandles="1" noChangeArrowheads="1" noChangeShapeType="1" noTextEdit="1"/>
+          </p:cNvSpPr>
+          <p:nvPr>
+            <p:extLst>
+              <p:ext uri="{386F3935-93C4-4BCD-93E2-E3B085C9AB24}">
+                <p16:designElem xmlns:p16="http://schemas.microsoft.com/office/powerpoint/2015/main" val="1"/>
+              </p:ext>
+            </p:extLst>
+          </p:nvPr>
+        </p:nvSpPr>
+        <p:spPr bwMode="gray">
+          <a:xfrm rot="16200000">
+            <a:off x="2450577" y="2756642"/>
+            <a:ext cx="6858000" cy="1344715"/>
+          </a:xfrm>
+          <a:custGeom>
+            <a:avLst/>
+            <a:gdLst/>
+            <a:ahLst/>
+            <a:cxnLst/>
+            <a:rect l="l" t="t" r="r" b="b"/>
+            <a:pathLst>
+              <a:path w="10000" h="8000">
+                <a:moveTo>
+                  <a:pt x="0" y="0"/>
+                </a:moveTo>
+                <a:lnTo>
+                  <a:pt x="0" y="7970"/>
+                </a:lnTo>
+                <a:lnTo>
+                  <a:pt x="10000" y="8000"/>
+                </a:lnTo>
+                <a:lnTo>
+                  <a:pt x="10000" y="7"/>
+                </a:lnTo>
+                <a:lnTo>
+                  <a:pt x="10000" y="7"/>
+                </a:lnTo>
+                <a:lnTo>
+                  <a:pt x="9773" y="156"/>
+                </a:lnTo>
+                <a:lnTo>
+                  <a:pt x="9547" y="298"/>
+                </a:lnTo>
+                <a:lnTo>
+                  <a:pt x="9320" y="437"/>
+                </a:lnTo>
+                <a:lnTo>
+                  <a:pt x="9092" y="556"/>
+                </a:lnTo>
+                <a:lnTo>
+                  <a:pt x="8865" y="676"/>
+                </a:lnTo>
+                <a:lnTo>
+                  <a:pt x="8637" y="788"/>
+                </a:lnTo>
+                <a:lnTo>
+                  <a:pt x="8412" y="884"/>
+                </a:lnTo>
+                <a:lnTo>
+                  <a:pt x="8184" y="975"/>
+                </a:lnTo>
+                <a:lnTo>
+                  <a:pt x="7957" y="1058"/>
+                </a:lnTo>
+                <a:lnTo>
+                  <a:pt x="7734" y="1130"/>
+                </a:lnTo>
+                <a:lnTo>
+                  <a:pt x="7508" y="1202"/>
+                </a:lnTo>
+                <a:lnTo>
+                  <a:pt x="7285" y="1262"/>
+                </a:lnTo>
+                <a:lnTo>
+                  <a:pt x="7062" y="1309"/>
+                </a:lnTo>
+                <a:lnTo>
+                  <a:pt x="6840" y="1358"/>
+                </a:lnTo>
+                <a:lnTo>
+                  <a:pt x="6620" y="1399"/>
+                </a:lnTo>
+                <a:lnTo>
+                  <a:pt x="6402" y="1428"/>
+                </a:lnTo>
+                <a:lnTo>
+                  <a:pt x="6184" y="1453"/>
+                </a:lnTo>
+                <a:lnTo>
+                  <a:pt x="5968" y="1477"/>
+                </a:lnTo>
+                <a:lnTo>
+                  <a:pt x="5755" y="1488"/>
+                </a:lnTo>
+                <a:lnTo>
+                  <a:pt x="5542" y="1500"/>
+                </a:lnTo>
+                <a:lnTo>
+                  <a:pt x="5332" y="1506"/>
+                </a:lnTo>
+                <a:lnTo>
+                  <a:pt x="5124" y="1500"/>
+                </a:lnTo>
+                <a:lnTo>
+                  <a:pt x="4918" y="1500"/>
+                </a:lnTo>
+                <a:lnTo>
+                  <a:pt x="4714" y="1488"/>
+                </a:lnTo>
+                <a:lnTo>
+                  <a:pt x="4514" y="1470"/>
+                </a:lnTo>
+                <a:lnTo>
+                  <a:pt x="4316" y="1453"/>
+                </a:lnTo>
+                <a:lnTo>
+                  <a:pt x="4122" y="1434"/>
+                </a:lnTo>
+                <a:lnTo>
+                  <a:pt x="3929" y="1405"/>
+                </a:lnTo>
+                <a:lnTo>
+                  <a:pt x="3739" y="1374"/>
+                </a:lnTo>
+                <a:lnTo>
+                  <a:pt x="3553" y="1346"/>
+                </a:lnTo>
+                <a:lnTo>
+                  <a:pt x="3190" y="1267"/>
+                </a:lnTo>
+                <a:lnTo>
+                  <a:pt x="2842" y="1183"/>
+                </a:lnTo>
+                <a:lnTo>
+                  <a:pt x="2508" y="1095"/>
+                </a:lnTo>
+                <a:lnTo>
+                  <a:pt x="2192" y="998"/>
+                </a:lnTo>
+                <a:lnTo>
+                  <a:pt x="1890" y="897"/>
+                </a:lnTo>
+                <a:lnTo>
+                  <a:pt x="1610" y="788"/>
+                </a:lnTo>
+                <a:lnTo>
+                  <a:pt x="1347" y="681"/>
+                </a:lnTo>
+                <a:lnTo>
+                  <a:pt x="1105" y="574"/>
+                </a:lnTo>
+                <a:lnTo>
+                  <a:pt x="883" y="473"/>
+                </a:lnTo>
+                <a:lnTo>
+                  <a:pt x="686" y="377"/>
+                </a:lnTo>
+                <a:lnTo>
+                  <a:pt x="508" y="286"/>
+                </a:lnTo>
+                <a:lnTo>
+                  <a:pt x="358" y="210"/>
+                </a:lnTo>
+                <a:lnTo>
+                  <a:pt x="232" y="138"/>
+                </a:lnTo>
+                <a:lnTo>
+                  <a:pt x="59" y="35"/>
+                </a:lnTo>
+                <a:lnTo>
+                  <a:pt x="0" y="0"/>
+                </a:lnTo>
+                <a:lnTo>
+                  <a:pt x="0" y="0"/>
+                </a:lnTo>
+                <a:close/>
+              </a:path>
+            </a:pathLst>
+          </a:custGeom>
+          <a:solidFill>
+            <a:srgbClr val="FFFFFF"/>
+          </a:solidFill>
+          <a:ln>
+            <a:noFill/>
+          </a:ln>
+        </p:spPr>
+      </p:sp>
+      <p:pic>
+        <p:nvPicPr>
+          <p:cNvPr id="1032" name="Picture 8">
+            <a:extLst>
+              <a:ext uri="{FF2B5EF4-FFF2-40B4-BE49-F238E27FC236}">
+                <a16:creationId xmlns:a16="http://schemas.microsoft.com/office/drawing/2014/main" id="{3C838F74-1116-4A74-9024-90919B303BCD}"/>
+              </a:ext>
+            </a:extLst>
+          </p:cNvPr>
+          <p:cNvPicPr>
+            <a:picLocks noChangeAspect="1" noChangeArrowheads="1"/>
+          </p:cNvPicPr>
+          <p:nvPr/>
+        </p:nvPicPr>
+        <p:blipFill>
+          <a:blip r:embed="rId3">
+            <a:extLst>
+              <a:ext uri="{28A0092B-C50C-407E-A947-70E740481C1C}">
+                <a14:useLocalDpi xmlns:a14="http://schemas.microsoft.com/office/drawing/2010/main" val="0"/>
+              </a:ext>
+            </a:extLst>
+          </a:blip>
+          <a:stretch>
+            <a:fillRect/>
+          </a:stretch>
+        </p:blipFill>
+        <p:spPr bwMode="auto">
+          <a:xfrm>
+            <a:off x="6053072" y="1598502"/>
+            <a:ext cx="5449889" cy="3660994"/>
+          </a:xfrm>
+          <a:prstGeom prst="rect">
+            <a:avLst/>
+          </a:prstGeom>
+          <a:noFill/>
+          <a:effectLst/>
+          <a:extLst>
+            <a:ext uri="{909E8E84-426E-40DD-AFC4-6F175D3DCCD1}">
+              <a14:hiddenFill xmlns:a14="http://schemas.microsoft.com/office/drawing/2010/main">
+                <a:solidFill>
+                  <a:srgbClr val="FFFFFF"/>
+                </a:solidFill>
+              </a14:hiddenFill>
+            </a:ext>
+          </a:extLst>
+        </p:spPr>
+      </p:pic>
+      <p:sp>
+        <p:nvSpPr>
+          <p:cNvPr id="147" name="Rectangle 146">
+            <a:extLst>
+              <a:ext uri="{FF2B5EF4-FFF2-40B4-BE49-F238E27FC236}">
+                <a16:creationId xmlns:a16="http://schemas.microsoft.com/office/drawing/2014/main" id="{C1DE0CAB-0099-47AE-8A9D-F0C80866669D}"/>
               </a:ext>
               <a:ext uri="{C183D7F6-B498-43B3-948B-1728B52AA6E4}">
                 <adec:decorative xmlns:adec="http://schemas.microsoft.com/office/drawing/2017/decorative" val="1"/>
@@ -11378,7 +14925,7 @@
         </p:nvSpPr>
         <p:spPr>
           <a:xfrm>
-            <a:off x="10437812" y="0"/>
+            <a:off x="10442448" y="0"/>
             <a:ext cx="685800" cy="1143000"/>
           </a:xfrm>
           <a:prstGeom prst="rect">
@@ -11406,954 +14953,15 @@
           </a:fontRef>
         </p:style>
       </p:sp>
-      <p:sp>
-        <p:nvSpPr>
-          <p:cNvPr id="12" name="Freeform 7">
-            <a:extLst>
-              <a:ext uri="{FF2B5EF4-FFF2-40B4-BE49-F238E27FC236}">
-                <a16:creationId xmlns:a16="http://schemas.microsoft.com/office/drawing/2014/main" id="{EC471314-E46A-414B-8D91-74880E84F187}"/>
-              </a:ext>
-              <a:ext uri="{C183D7F6-B498-43B3-948B-1728B52AA6E4}">
-                <adec:decorative xmlns:adec="http://schemas.microsoft.com/office/drawing/2017/decorative" val="1"/>
-              </a:ext>
-            </a:extLst>
-          </p:cNvPr>
-          <p:cNvSpPr>
-            <a:spLocks noGrp="1" noRot="1" noChangeAspect="1" noMove="1" noResize="1" noEditPoints="1" noAdjustHandles="1" noChangeArrowheads="1" noChangeShapeType="1" noTextEdit="1"/>
-          </p:cNvSpPr>
-          <p:nvPr>
-            <p:extLst>
-              <p:ext uri="{386F3935-93C4-4BCD-93E2-E3B085C9AB24}">
-                <p16:designElem xmlns:p16="http://schemas.microsoft.com/office/powerpoint/2015/main" val="1"/>
-              </p:ext>
-            </p:extLst>
-          </p:nvPr>
-        </p:nvSpPr>
-        <p:spPr>
-          <a:xfrm>
-            <a:off x="8719939" y="1460230"/>
-            <a:ext cx="3472060" cy="825932"/>
-          </a:xfrm>
-          <a:custGeom>
-            <a:avLst/>
-            <a:gdLst>
-              <a:gd name="connsiteX0" fmla="*/ 3470310 w 3472060"/>
-              <a:gd name="connsiteY0" fmla="*/ 0 h 825932"/>
-              <a:gd name="connsiteX1" fmla="*/ 3472060 w 3472060"/>
-              <a:gd name="connsiteY1" fmla="*/ 12850 h 825932"/>
-              <a:gd name="connsiteX2" fmla="*/ 3472060 w 3472060"/>
-              <a:gd name="connsiteY2" fmla="*/ 480529 h 825932"/>
-              <a:gd name="connsiteX3" fmla="*/ 3363699 w 3472060"/>
-              <a:gd name="connsiteY3" fmla="*/ 498471 h 825932"/>
-              <a:gd name="connsiteX4" fmla="*/ 42060 w 3472060"/>
-              <a:gd name="connsiteY4" fmla="*/ 824486 h 825932"/>
-              <a:gd name="connsiteX5" fmla="*/ 0 w 3472060"/>
-              <a:gd name="connsiteY5" fmla="*/ 758452 h 825932"/>
-              <a:gd name="connsiteX6" fmla="*/ 188014 w 3472060"/>
-              <a:gd name="connsiteY6" fmla="*/ 735602 h 825932"/>
-              <a:gd name="connsiteX7" fmla="*/ 284087 w 3472060"/>
-              <a:gd name="connsiteY7" fmla="*/ 722590 h 825932"/>
-              <a:gd name="connsiteX8" fmla="*/ 382288 w 3472060"/>
-              <a:gd name="connsiteY8" fmla="*/ 709392 h 825932"/>
-              <a:gd name="connsiteX9" fmla="*/ 481858 w 3472060"/>
-              <a:gd name="connsiteY9" fmla="*/ 695774 h 825932"/>
-              <a:gd name="connsiteX10" fmla="*/ 581897 w 3472060"/>
-              <a:gd name="connsiteY10" fmla="*/ 680711 h 825932"/>
-              <a:gd name="connsiteX11" fmla="*/ 683670 w 3472060"/>
-              <a:gd name="connsiteY11" fmla="*/ 665256 h 825932"/>
-              <a:gd name="connsiteX12" fmla="*/ 787206 w 3472060"/>
-              <a:gd name="connsiteY12" fmla="*/ 649587 h 825932"/>
-              <a:gd name="connsiteX13" fmla="*/ 892019 w 3472060"/>
-              <a:gd name="connsiteY13" fmla="*/ 632968 h 825932"/>
-              <a:gd name="connsiteX14" fmla="*/ 997620 w 3472060"/>
-              <a:gd name="connsiteY14" fmla="*/ 614667 h 825932"/>
-              <a:gd name="connsiteX15" fmla="*/ 1104727 w 3472060"/>
-              <a:gd name="connsiteY15" fmla="*/ 596741 h 825932"/>
-              <a:gd name="connsiteX16" fmla="*/ 1212669 w 3472060"/>
-              <a:gd name="connsiteY16" fmla="*/ 577397 h 825932"/>
-              <a:gd name="connsiteX17" fmla="*/ 1321506 w 3472060"/>
-              <a:gd name="connsiteY17" fmla="*/ 556988 h 825932"/>
-              <a:gd name="connsiteX18" fmla="*/ 1430709 w 3472060"/>
-              <a:gd name="connsiteY18" fmla="*/ 536607 h 825932"/>
-              <a:gd name="connsiteX19" fmla="*/ 1541050 w 3472060"/>
-              <a:gd name="connsiteY19" fmla="*/ 514481 h 825932"/>
-              <a:gd name="connsiteX20" fmla="*/ 1652805 w 3472060"/>
-              <a:gd name="connsiteY20" fmla="*/ 492202 h 825932"/>
-              <a:gd name="connsiteX21" fmla="*/ 1763708 w 3472060"/>
-              <a:gd name="connsiteY21" fmla="*/ 469161 h 825932"/>
-              <a:gd name="connsiteX22" fmla="*/ 1875795 w 3472060"/>
-              <a:gd name="connsiteY22" fmla="*/ 444641 h 825932"/>
-              <a:gd name="connsiteX23" fmla="*/ 1989128 w 3472060"/>
-              <a:gd name="connsiteY23" fmla="*/ 418995 h 825932"/>
-              <a:gd name="connsiteX24" fmla="*/ 2102476 w 3472060"/>
-              <a:gd name="connsiteY24" fmla="*/ 393438 h 825932"/>
-              <a:gd name="connsiteX25" fmla="*/ 2215549 w 3472060"/>
-              <a:gd name="connsiteY25" fmla="*/ 366291 h 825932"/>
-              <a:gd name="connsiteX26" fmla="*/ 2330490 w 3472060"/>
-              <a:gd name="connsiteY26" fmla="*/ 337455 h 825932"/>
-              <a:gd name="connsiteX27" fmla="*/ 2443333 w 3472060"/>
-              <a:gd name="connsiteY27" fmla="*/ 308983 h 825932"/>
-              <a:gd name="connsiteX28" fmla="*/ 2558014 w 3472060"/>
-              <a:gd name="connsiteY28" fmla="*/ 278646 h 825932"/>
-              <a:gd name="connsiteX29" fmla="*/ 2673621 w 3472060"/>
-              <a:gd name="connsiteY29" fmla="*/ 247421 h 825932"/>
-              <a:gd name="connsiteX30" fmla="*/ 2787008 w 3472060"/>
-              <a:gd name="connsiteY30" fmla="*/ 215853 h 825932"/>
-              <a:gd name="connsiteX31" fmla="*/ 2901442 w 3472060"/>
-              <a:gd name="connsiteY31" fmla="*/ 182011 h 825932"/>
-              <a:gd name="connsiteX32" fmla="*/ 3015722 w 3472060"/>
-              <a:gd name="connsiteY32" fmla="*/ 147286 h 825932"/>
-              <a:gd name="connsiteX33" fmla="*/ 3130018 w 3472060"/>
-              <a:gd name="connsiteY33" fmla="*/ 112649 h 825932"/>
-              <a:gd name="connsiteX34" fmla="*/ 3243551 w 3472060"/>
-              <a:gd name="connsiteY34" fmla="*/ 75688 h 825932"/>
-              <a:gd name="connsiteX35" fmla="*/ 3356992 w 3472060"/>
-              <a:gd name="connsiteY35" fmla="*/ 38197 h 825932"/>
-              <a:gd name="connsiteX36" fmla="*/ 3470310 w 3472060"/>
-              <a:gd name="connsiteY36" fmla="*/ 0 h 825932"/>
-            </a:gdLst>
-            <a:ahLst/>
-            <a:cxnLst>
-              <a:cxn ang="0">
-                <a:pos x="connsiteX0" y="connsiteY0"/>
-              </a:cxn>
-              <a:cxn ang="0">
-                <a:pos x="connsiteX1" y="connsiteY1"/>
-              </a:cxn>
-              <a:cxn ang="0">
-                <a:pos x="connsiteX2" y="connsiteY2"/>
-              </a:cxn>
-              <a:cxn ang="0">
-                <a:pos x="connsiteX3" y="connsiteY3"/>
-              </a:cxn>
-              <a:cxn ang="0">
-                <a:pos x="connsiteX4" y="connsiteY4"/>
-              </a:cxn>
-              <a:cxn ang="0">
-                <a:pos x="connsiteX5" y="connsiteY5"/>
-              </a:cxn>
-              <a:cxn ang="0">
-                <a:pos x="connsiteX6" y="connsiteY6"/>
-              </a:cxn>
-              <a:cxn ang="0">
-                <a:pos x="connsiteX7" y="connsiteY7"/>
-              </a:cxn>
-              <a:cxn ang="0">
-                <a:pos x="connsiteX8" y="connsiteY8"/>
-              </a:cxn>
-              <a:cxn ang="0">
-                <a:pos x="connsiteX9" y="connsiteY9"/>
-              </a:cxn>
-              <a:cxn ang="0">
-                <a:pos x="connsiteX10" y="connsiteY10"/>
-              </a:cxn>
-              <a:cxn ang="0">
-                <a:pos x="connsiteX11" y="connsiteY11"/>
-              </a:cxn>
-              <a:cxn ang="0">
-                <a:pos x="connsiteX12" y="connsiteY12"/>
-              </a:cxn>
-              <a:cxn ang="0">
-                <a:pos x="connsiteX13" y="connsiteY13"/>
-              </a:cxn>
-              <a:cxn ang="0">
-                <a:pos x="connsiteX14" y="connsiteY14"/>
-              </a:cxn>
-              <a:cxn ang="0">
-                <a:pos x="connsiteX15" y="connsiteY15"/>
-              </a:cxn>
-              <a:cxn ang="0">
-                <a:pos x="connsiteX16" y="connsiteY16"/>
-              </a:cxn>
-              <a:cxn ang="0">
-                <a:pos x="connsiteX17" y="connsiteY17"/>
-              </a:cxn>
-              <a:cxn ang="0">
-                <a:pos x="connsiteX18" y="connsiteY18"/>
-              </a:cxn>
-              <a:cxn ang="0">
-                <a:pos x="connsiteX19" y="connsiteY19"/>
-              </a:cxn>
-              <a:cxn ang="0">
-                <a:pos x="connsiteX20" y="connsiteY20"/>
-              </a:cxn>
-              <a:cxn ang="0">
-                <a:pos x="connsiteX21" y="connsiteY21"/>
-              </a:cxn>
-              <a:cxn ang="0">
-                <a:pos x="connsiteX22" y="connsiteY22"/>
-              </a:cxn>
-              <a:cxn ang="0">
-                <a:pos x="connsiteX23" y="connsiteY23"/>
-              </a:cxn>
-              <a:cxn ang="0">
-                <a:pos x="connsiteX24" y="connsiteY24"/>
-              </a:cxn>
-              <a:cxn ang="0">
-                <a:pos x="connsiteX25" y="connsiteY25"/>
-              </a:cxn>
-              <a:cxn ang="0">
-                <a:pos x="connsiteX26" y="connsiteY26"/>
-              </a:cxn>
-              <a:cxn ang="0">
-                <a:pos x="connsiteX27" y="connsiteY27"/>
-              </a:cxn>
-              <a:cxn ang="0">
-                <a:pos x="connsiteX28" y="connsiteY28"/>
-              </a:cxn>
-              <a:cxn ang="0">
-                <a:pos x="connsiteX29" y="connsiteY29"/>
-              </a:cxn>
-              <a:cxn ang="0">
-                <a:pos x="connsiteX30" y="connsiteY30"/>
-              </a:cxn>
-              <a:cxn ang="0">
-                <a:pos x="connsiteX31" y="connsiteY31"/>
-              </a:cxn>
-              <a:cxn ang="0">
-                <a:pos x="connsiteX32" y="connsiteY32"/>
-              </a:cxn>
-              <a:cxn ang="0">
-                <a:pos x="connsiteX33" y="connsiteY33"/>
-              </a:cxn>
-              <a:cxn ang="0">
-                <a:pos x="connsiteX34" y="connsiteY34"/>
-              </a:cxn>
-              <a:cxn ang="0">
-                <a:pos x="connsiteX35" y="connsiteY35"/>
-              </a:cxn>
-              <a:cxn ang="0">
-                <a:pos x="connsiteX36" y="connsiteY36"/>
-              </a:cxn>
-            </a:cxnLst>
-            <a:rect l="l" t="t" r="r" b="b"/>
-            <a:pathLst>
-              <a:path w="3472060" h="825932">
-                <a:moveTo>
-                  <a:pt x="3470310" y="0"/>
-                </a:moveTo>
-                <a:lnTo>
-                  <a:pt x="3472060" y="12850"/>
-                </a:lnTo>
-                <a:lnTo>
-                  <a:pt x="3472060" y="480529"/>
-                </a:lnTo>
-                <a:lnTo>
-                  <a:pt x="3363699" y="498471"/>
-                </a:lnTo>
-                <a:cubicBezTo>
-                  <a:pt x="2435623" y="645518"/>
-                  <a:pt x="603076" y="844866"/>
-                  <a:pt x="42060" y="824486"/>
-                </a:cubicBezTo>
-                <a:cubicBezTo>
-                  <a:pt x="28151" y="802425"/>
-                  <a:pt x="13909" y="780513"/>
-                  <a:pt x="0" y="758452"/>
-                </a:cubicBezTo>
-                <a:lnTo>
-                  <a:pt x="188014" y="735602"/>
-                </a:lnTo>
-                <a:lnTo>
-                  <a:pt x="284087" y="722590"/>
-                </a:lnTo>
-                <a:lnTo>
-                  <a:pt x="382288" y="709392"/>
-                </a:lnTo>
-                <a:lnTo>
-                  <a:pt x="481858" y="695774"/>
-                </a:lnTo>
-                <a:lnTo>
-                  <a:pt x="581897" y="680711"/>
-                </a:lnTo>
-                <a:lnTo>
-                  <a:pt x="683670" y="665256"/>
-                </a:lnTo>
-                <a:lnTo>
-                  <a:pt x="787206" y="649587"/>
-                </a:lnTo>
-                <a:lnTo>
-                  <a:pt x="892019" y="632968"/>
-                </a:lnTo>
-                <a:lnTo>
-                  <a:pt x="997620" y="614667"/>
-                </a:lnTo>
-                <a:lnTo>
-                  <a:pt x="1104727" y="596741"/>
-                </a:lnTo>
-                <a:lnTo>
-                  <a:pt x="1212669" y="577397"/>
-                </a:lnTo>
-                <a:lnTo>
-                  <a:pt x="1321506" y="556988"/>
-                </a:lnTo>
-                <a:lnTo>
-                  <a:pt x="1430709" y="536607"/>
-                </a:lnTo>
-                <a:lnTo>
-                  <a:pt x="1541050" y="514481"/>
-                </a:lnTo>
-                <a:lnTo>
-                  <a:pt x="1652805" y="492202"/>
-                </a:lnTo>
-                <a:lnTo>
-                  <a:pt x="1763708" y="469161"/>
-                </a:lnTo>
-                <a:lnTo>
-                  <a:pt x="1875795" y="444641"/>
-                </a:lnTo>
-                <a:lnTo>
-                  <a:pt x="1989128" y="418995"/>
-                </a:lnTo>
-                <a:lnTo>
-                  <a:pt x="2102476" y="393438"/>
-                </a:lnTo>
-                <a:lnTo>
-                  <a:pt x="2215549" y="366291"/>
-                </a:lnTo>
-                <a:lnTo>
-                  <a:pt x="2330490" y="337455"/>
-                </a:lnTo>
-                <a:lnTo>
-                  <a:pt x="2443333" y="308983"/>
-                </a:lnTo>
-                <a:lnTo>
-                  <a:pt x="2558014" y="278646"/>
-                </a:lnTo>
-                <a:lnTo>
-                  <a:pt x="2673621" y="247421"/>
-                </a:lnTo>
-                <a:lnTo>
-                  <a:pt x="2787008" y="215853"/>
-                </a:lnTo>
-                <a:lnTo>
-                  <a:pt x="2901442" y="182011"/>
-                </a:lnTo>
-                <a:lnTo>
-                  <a:pt x="3015722" y="147286"/>
-                </a:lnTo>
-                <a:lnTo>
-                  <a:pt x="3130018" y="112649"/>
-                </a:lnTo>
-                <a:lnTo>
-                  <a:pt x="3243551" y="75688"/>
-                </a:lnTo>
-                <a:lnTo>
-                  <a:pt x="3356992" y="38197"/>
-                </a:lnTo>
-                <a:lnTo>
-                  <a:pt x="3470310" y="0"/>
-                </a:lnTo>
-                <a:close/>
-              </a:path>
-            </a:pathLst>
-          </a:custGeom>
-          <a:solidFill>
-            <a:schemeClr val="bg1">
-              <a:alpha val="20000"/>
-            </a:schemeClr>
-          </a:solidFill>
-          <a:ln>
-            <a:noFill/>
-          </a:ln>
-        </p:spPr>
-        <p:txBody>
-          <a:bodyPr rtlCol="0" anchor="ctr"/>
-          <a:lstStyle/>
-          <a:p>
-            <a:pPr marL="0" marR="0" lvl="0" indent="0" algn="ctr" defTabSz="914400" rtl="0" eaLnBrk="1" fontAlgn="auto" latinLnBrk="0" hangingPunct="1">
-              <a:lnSpc>
-                <a:spcPct val="100000"/>
-              </a:lnSpc>
-              <a:spcBef>
-                <a:spcPts val="0"/>
-              </a:spcBef>
-              <a:spcAft>
-                <a:spcPts val="0"/>
-              </a:spcAft>
-              <a:buClrTx/>
-              <a:buSzTx/>
-              <a:buFontTx/>
-              <a:buNone/>
-              <a:tabLst/>
-              <a:defRPr/>
-            </a:pPr>
-            <a:endParaRPr kumimoji="0" lang="en-US" sz="1800" b="0" i="0" u="none" strike="noStrike" kern="1200" cap="none" spc="0" normalizeH="0" baseline="0" noProof="0">
-              <a:ln>
-                <a:noFill/>
-              </a:ln>
-              <a:solidFill>
-                <a:prstClr val="black"/>
-              </a:solidFill>
-              <a:effectLst/>
-              <a:uLnTx/>
-              <a:uFillTx/>
-              <a:latin typeface="Century Gothic" panose="020B0502020202020204"/>
-              <a:ea typeface="+mn-ea"/>
-              <a:cs typeface="+mn-cs"/>
-            </a:endParaRPr>
-          </a:p>
-        </p:txBody>
-      </p:sp>
-      <p:sp useBgFill="1">
-        <p:nvSpPr>
-          <p:cNvPr id="14" name="Freeform: Shape 13">
-            <a:extLst>
-              <a:ext uri="{FF2B5EF4-FFF2-40B4-BE49-F238E27FC236}">
-                <a16:creationId xmlns:a16="http://schemas.microsoft.com/office/drawing/2014/main" id="{6A681326-1C9D-44A3-A627-3871BDAE4127}"/>
-              </a:ext>
-              <a:ext uri="{C183D7F6-B498-43B3-948B-1728B52AA6E4}">
-                <adec:decorative xmlns:adec="http://schemas.microsoft.com/office/drawing/2017/decorative" val="1"/>
-              </a:ext>
-            </a:extLst>
-          </p:cNvPr>
-          <p:cNvSpPr>
-            <a:spLocks noGrp="1" noRot="1" noChangeAspect="1" noMove="1" noResize="1" noEditPoints="1" noAdjustHandles="1" noChangeArrowheads="1" noChangeShapeType="1" noTextEdit="1"/>
-          </p:cNvSpPr>
-          <p:nvPr>
-            <p:extLst>
-              <p:ext uri="{386F3935-93C4-4BCD-93E2-E3B085C9AB24}">
-                <p16:designElem xmlns:p16="http://schemas.microsoft.com/office/powerpoint/2015/main" val="1"/>
-              </p:ext>
-            </p:extLst>
-          </p:nvPr>
-        </p:nvSpPr>
-        <p:spPr bwMode="gray">
-          <a:xfrm>
-            <a:off x="1" y="1762067"/>
-            <a:ext cx="12192417" cy="5095933"/>
-          </a:xfrm>
-          <a:custGeom>
-            <a:avLst/>
-            <a:gdLst>
-              <a:gd name="connsiteX0" fmla="*/ 0 w 12192417"/>
-              <a:gd name="connsiteY0" fmla="*/ 0 h 5095933"/>
-              <a:gd name="connsiteX1" fmla="*/ 71931 w 12192417"/>
-              <a:gd name="connsiteY1" fmla="*/ 12261 h 5095933"/>
-              <a:gd name="connsiteX2" fmla="*/ 282848 w 12192417"/>
-              <a:gd name="connsiteY2" fmla="*/ 48343 h 5095933"/>
-              <a:gd name="connsiteX3" fmla="*/ 436463 w 12192417"/>
-              <a:gd name="connsiteY3" fmla="*/ 73565 h 5095933"/>
-              <a:gd name="connsiteX4" fmla="*/ 619338 w 12192417"/>
-              <a:gd name="connsiteY4" fmla="*/ 100188 h 5095933"/>
-              <a:gd name="connsiteX5" fmla="*/ 836350 w 12192417"/>
-              <a:gd name="connsiteY5" fmla="*/ 132066 h 5095933"/>
-              <a:gd name="connsiteX6" fmla="*/ 1076527 w 12192417"/>
-              <a:gd name="connsiteY6" fmla="*/ 165696 h 5095933"/>
-              <a:gd name="connsiteX7" fmla="*/ 1347183 w 12192417"/>
-              <a:gd name="connsiteY7" fmla="*/ 201077 h 5095933"/>
-              <a:gd name="connsiteX8" fmla="*/ 1642222 w 12192417"/>
-              <a:gd name="connsiteY8" fmla="*/ 238560 h 5095933"/>
-              <a:gd name="connsiteX9" fmla="*/ 1962863 w 12192417"/>
-              <a:gd name="connsiteY9" fmla="*/ 276043 h 5095933"/>
-              <a:gd name="connsiteX10" fmla="*/ 2304231 w 12192417"/>
-              <a:gd name="connsiteY10" fmla="*/ 314227 h 5095933"/>
-              <a:gd name="connsiteX11" fmla="*/ 2672420 w 12192417"/>
-              <a:gd name="connsiteY11" fmla="*/ 349608 h 5095933"/>
-              <a:gd name="connsiteX12" fmla="*/ 3057677 w 12192417"/>
-              <a:gd name="connsiteY12" fmla="*/ 383588 h 5095933"/>
-              <a:gd name="connsiteX13" fmla="*/ 3464880 w 12192417"/>
-              <a:gd name="connsiteY13" fmla="*/ 414415 h 5095933"/>
-              <a:gd name="connsiteX14" fmla="*/ 3889151 w 12192417"/>
-              <a:gd name="connsiteY14" fmla="*/ 443841 h 5095933"/>
-              <a:gd name="connsiteX15" fmla="*/ 4331709 w 12192417"/>
-              <a:gd name="connsiteY15" fmla="*/ 471515 h 5095933"/>
-              <a:gd name="connsiteX16" fmla="*/ 4558475 w 12192417"/>
-              <a:gd name="connsiteY16" fmla="*/ 481324 h 5095933"/>
-              <a:gd name="connsiteX17" fmla="*/ 4790117 w 12192417"/>
-              <a:gd name="connsiteY17" fmla="*/ 492183 h 5095933"/>
-              <a:gd name="connsiteX18" fmla="*/ 5025417 w 12192417"/>
-              <a:gd name="connsiteY18" fmla="*/ 502342 h 5095933"/>
-              <a:gd name="connsiteX19" fmla="*/ 5261936 w 12192417"/>
-              <a:gd name="connsiteY19" fmla="*/ 508998 h 5095933"/>
-              <a:gd name="connsiteX20" fmla="*/ 5503331 w 12192417"/>
-              <a:gd name="connsiteY20" fmla="*/ 514953 h 5095933"/>
-              <a:gd name="connsiteX21" fmla="*/ 5747166 w 12192417"/>
-              <a:gd name="connsiteY21" fmla="*/ 521259 h 5095933"/>
-              <a:gd name="connsiteX22" fmla="*/ 5995876 w 12192417"/>
-              <a:gd name="connsiteY22" fmla="*/ 525463 h 5095933"/>
-              <a:gd name="connsiteX23" fmla="*/ 6247025 w 12192417"/>
-              <a:gd name="connsiteY23" fmla="*/ 525463 h 5095933"/>
-              <a:gd name="connsiteX24" fmla="*/ 6500612 w 12192417"/>
-              <a:gd name="connsiteY24" fmla="*/ 527565 h 5095933"/>
-              <a:gd name="connsiteX25" fmla="*/ 6756638 w 12192417"/>
-              <a:gd name="connsiteY25" fmla="*/ 525463 h 5095933"/>
-              <a:gd name="connsiteX26" fmla="*/ 7016321 w 12192417"/>
-              <a:gd name="connsiteY26" fmla="*/ 521259 h 5095933"/>
-              <a:gd name="connsiteX27" fmla="*/ 7276004 w 12192417"/>
-              <a:gd name="connsiteY27" fmla="*/ 517406 h 5095933"/>
-              <a:gd name="connsiteX28" fmla="*/ 7539344 w 12192417"/>
-              <a:gd name="connsiteY28" fmla="*/ 508998 h 5095933"/>
-              <a:gd name="connsiteX29" fmla="*/ 7805123 w 12192417"/>
-              <a:gd name="connsiteY29" fmla="*/ 500241 h 5095933"/>
-              <a:gd name="connsiteX30" fmla="*/ 8070902 w 12192417"/>
-              <a:gd name="connsiteY30" fmla="*/ 490082 h 5095933"/>
-              <a:gd name="connsiteX31" fmla="*/ 8339120 w 12192417"/>
-              <a:gd name="connsiteY31" fmla="*/ 475719 h 5095933"/>
-              <a:gd name="connsiteX32" fmla="*/ 8609775 w 12192417"/>
-              <a:gd name="connsiteY32" fmla="*/ 458554 h 5095933"/>
-              <a:gd name="connsiteX33" fmla="*/ 8881650 w 12192417"/>
-              <a:gd name="connsiteY33" fmla="*/ 442089 h 5095933"/>
-              <a:gd name="connsiteX34" fmla="*/ 9153525 w 12192417"/>
-              <a:gd name="connsiteY34" fmla="*/ 421071 h 5095933"/>
-              <a:gd name="connsiteX35" fmla="*/ 9429057 w 12192417"/>
-              <a:gd name="connsiteY35" fmla="*/ 395849 h 5095933"/>
-              <a:gd name="connsiteX36" fmla="*/ 9700932 w 12192417"/>
-              <a:gd name="connsiteY36" fmla="*/ 370626 h 5095933"/>
-              <a:gd name="connsiteX37" fmla="*/ 9977683 w 12192417"/>
-              <a:gd name="connsiteY37" fmla="*/ 341551 h 5095933"/>
-              <a:gd name="connsiteX38" fmla="*/ 10255654 w 12192417"/>
-              <a:gd name="connsiteY38" fmla="*/ 309673 h 5095933"/>
-              <a:gd name="connsiteX39" fmla="*/ 10529967 w 12192417"/>
-              <a:gd name="connsiteY39" fmla="*/ 276043 h 5095933"/>
-              <a:gd name="connsiteX40" fmla="*/ 10807938 w 12192417"/>
-              <a:gd name="connsiteY40" fmla="*/ 236809 h 5095933"/>
-              <a:gd name="connsiteX41" fmla="*/ 11084689 w 12192417"/>
-              <a:gd name="connsiteY41" fmla="*/ 194772 h 5095933"/>
-              <a:gd name="connsiteX42" fmla="*/ 11362660 w 12192417"/>
-              <a:gd name="connsiteY42" fmla="*/ 153085 h 5095933"/>
-              <a:gd name="connsiteX43" fmla="*/ 11639411 w 12192417"/>
-              <a:gd name="connsiteY43" fmla="*/ 104392 h 5095933"/>
-              <a:gd name="connsiteX44" fmla="*/ 11914944 w 12192417"/>
-              <a:gd name="connsiteY44" fmla="*/ 54648 h 5095933"/>
-              <a:gd name="connsiteX45" fmla="*/ 12191695 w 12192417"/>
-              <a:gd name="connsiteY45" fmla="*/ 2452 h 5095933"/>
-              <a:gd name="connsiteX46" fmla="*/ 12191695 w 12192417"/>
-              <a:gd name="connsiteY46" fmla="*/ 2162231 h 5095933"/>
-              <a:gd name="connsiteX47" fmla="*/ 12192417 w 12192417"/>
-              <a:gd name="connsiteY47" fmla="*/ 2162231 h 5095933"/>
-              <a:gd name="connsiteX48" fmla="*/ 12192417 w 12192417"/>
-              <a:gd name="connsiteY48" fmla="*/ 5095933 h 5095933"/>
-              <a:gd name="connsiteX49" fmla="*/ 0 w 12192417"/>
-              <a:gd name="connsiteY49" fmla="*/ 5095933 h 5095933"/>
-              <a:gd name="connsiteX50" fmla="*/ 0 w 12192417"/>
-              <a:gd name="connsiteY50" fmla="*/ 2791958 h 5095933"/>
-              <a:gd name="connsiteX51" fmla="*/ 0 w 12192417"/>
-              <a:gd name="connsiteY51" fmla="*/ 2162231 h 5095933"/>
-            </a:gdLst>
-            <a:ahLst/>
-            <a:cxnLst>
-              <a:cxn ang="0">
-                <a:pos x="connsiteX0" y="connsiteY0"/>
-              </a:cxn>
-              <a:cxn ang="0">
-                <a:pos x="connsiteX1" y="connsiteY1"/>
-              </a:cxn>
-              <a:cxn ang="0">
-                <a:pos x="connsiteX2" y="connsiteY2"/>
-              </a:cxn>
-              <a:cxn ang="0">
-                <a:pos x="connsiteX3" y="connsiteY3"/>
-              </a:cxn>
-              <a:cxn ang="0">
-                <a:pos x="connsiteX4" y="connsiteY4"/>
-              </a:cxn>
-              <a:cxn ang="0">
-                <a:pos x="connsiteX5" y="connsiteY5"/>
-              </a:cxn>
-              <a:cxn ang="0">
-                <a:pos x="connsiteX6" y="connsiteY6"/>
-              </a:cxn>
-              <a:cxn ang="0">
-                <a:pos x="connsiteX7" y="connsiteY7"/>
-              </a:cxn>
-              <a:cxn ang="0">
-                <a:pos x="connsiteX8" y="connsiteY8"/>
-              </a:cxn>
-              <a:cxn ang="0">
-                <a:pos x="connsiteX9" y="connsiteY9"/>
-              </a:cxn>
-              <a:cxn ang="0">
-                <a:pos x="connsiteX10" y="connsiteY10"/>
-              </a:cxn>
-              <a:cxn ang="0">
-                <a:pos x="connsiteX11" y="connsiteY11"/>
-              </a:cxn>
-              <a:cxn ang="0">
-                <a:pos x="connsiteX12" y="connsiteY12"/>
-              </a:cxn>
-              <a:cxn ang="0">
-                <a:pos x="connsiteX13" y="connsiteY13"/>
-              </a:cxn>
-              <a:cxn ang="0">
-                <a:pos x="connsiteX14" y="connsiteY14"/>
-              </a:cxn>
-              <a:cxn ang="0">
-                <a:pos x="connsiteX15" y="connsiteY15"/>
-              </a:cxn>
-              <a:cxn ang="0">
-                <a:pos x="connsiteX16" y="connsiteY16"/>
-              </a:cxn>
-              <a:cxn ang="0">
-                <a:pos x="connsiteX17" y="connsiteY17"/>
-              </a:cxn>
-              <a:cxn ang="0">
-                <a:pos x="connsiteX18" y="connsiteY18"/>
-              </a:cxn>
-              <a:cxn ang="0">
-                <a:pos x="connsiteX19" y="connsiteY19"/>
-              </a:cxn>
-              <a:cxn ang="0">
-                <a:pos x="connsiteX20" y="connsiteY20"/>
-              </a:cxn>
-              <a:cxn ang="0">
-                <a:pos x="connsiteX21" y="connsiteY21"/>
-              </a:cxn>
-              <a:cxn ang="0">
-                <a:pos x="connsiteX22" y="connsiteY22"/>
-              </a:cxn>
-              <a:cxn ang="0">
-                <a:pos x="connsiteX23" y="connsiteY23"/>
-              </a:cxn>
-              <a:cxn ang="0">
-                <a:pos x="connsiteX24" y="connsiteY24"/>
-              </a:cxn>
-              <a:cxn ang="0">
-                <a:pos x="connsiteX25" y="connsiteY25"/>
-              </a:cxn>
-              <a:cxn ang="0">
-                <a:pos x="connsiteX26" y="connsiteY26"/>
-              </a:cxn>
-              <a:cxn ang="0">
-                <a:pos x="connsiteX27" y="connsiteY27"/>
-              </a:cxn>
-              <a:cxn ang="0">
-                <a:pos x="connsiteX28" y="connsiteY28"/>
-              </a:cxn>
-              <a:cxn ang="0">
-                <a:pos x="connsiteX29" y="connsiteY29"/>
-              </a:cxn>
-              <a:cxn ang="0">
-                <a:pos x="connsiteX30" y="connsiteY30"/>
-              </a:cxn>
-              <a:cxn ang="0">
-                <a:pos x="connsiteX31" y="connsiteY31"/>
-              </a:cxn>
-              <a:cxn ang="0">
-                <a:pos x="connsiteX32" y="connsiteY32"/>
-              </a:cxn>
-              <a:cxn ang="0">
-                <a:pos x="connsiteX33" y="connsiteY33"/>
-              </a:cxn>
-              <a:cxn ang="0">
-                <a:pos x="connsiteX34" y="connsiteY34"/>
-              </a:cxn>
-              <a:cxn ang="0">
-                <a:pos x="connsiteX35" y="connsiteY35"/>
-              </a:cxn>
-              <a:cxn ang="0">
-                <a:pos x="connsiteX36" y="connsiteY36"/>
-              </a:cxn>
-              <a:cxn ang="0">
-                <a:pos x="connsiteX37" y="connsiteY37"/>
-              </a:cxn>
-              <a:cxn ang="0">
-                <a:pos x="connsiteX38" y="connsiteY38"/>
-              </a:cxn>
-              <a:cxn ang="0">
-                <a:pos x="connsiteX39" y="connsiteY39"/>
-              </a:cxn>
-              <a:cxn ang="0">
-                <a:pos x="connsiteX40" y="connsiteY40"/>
-              </a:cxn>
-              <a:cxn ang="0">
-                <a:pos x="connsiteX41" y="connsiteY41"/>
-              </a:cxn>
-              <a:cxn ang="0">
-                <a:pos x="connsiteX42" y="connsiteY42"/>
-              </a:cxn>
-              <a:cxn ang="0">
-                <a:pos x="connsiteX43" y="connsiteY43"/>
-              </a:cxn>
-              <a:cxn ang="0">
-                <a:pos x="connsiteX44" y="connsiteY44"/>
-              </a:cxn>
-              <a:cxn ang="0">
-                <a:pos x="connsiteX45" y="connsiteY45"/>
-              </a:cxn>
-              <a:cxn ang="0">
-                <a:pos x="connsiteX46" y="connsiteY46"/>
-              </a:cxn>
-              <a:cxn ang="0">
-                <a:pos x="connsiteX47" y="connsiteY47"/>
-              </a:cxn>
-              <a:cxn ang="0">
-                <a:pos x="connsiteX48" y="connsiteY48"/>
-              </a:cxn>
-              <a:cxn ang="0">
-                <a:pos x="connsiteX49" y="connsiteY49"/>
-              </a:cxn>
-              <a:cxn ang="0">
-                <a:pos x="connsiteX50" y="connsiteY50"/>
-              </a:cxn>
-              <a:cxn ang="0">
-                <a:pos x="connsiteX51" y="connsiteY51"/>
-              </a:cxn>
-            </a:cxnLst>
-            <a:rect l="l" t="t" r="r" b="b"/>
-            <a:pathLst>
-              <a:path w="12192417" h="5095933">
-                <a:moveTo>
-                  <a:pt x="0" y="0"/>
-                </a:moveTo>
-                <a:lnTo>
-                  <a:pt x="71931" y="12261"/>
-                </a:lnTo>
-                <a:lnTo>
-                  <a:pt x="282848" y="48343"/>
-                </a:lnTo>
-                <a:lnTo>
-                  <a:pt x="436463" y="73565"/>
-                </a:lnTo>
-                <a:lnTo>
-                  <a:pt x="619338" y="100188"/>
-                </a:lnTo>
-                <a:lnTo>
-                  <a:pt x="836350" y="132066"/>
-                </a:lnTo>
-                <a:lnTo>
-                  <a:pt x="1076527" y="165696"/>
-                </a:lnTo>
-                <a:lnTo>
-                  <a:pt x="1347183" y="201077"/>
-                </a:lnTo>
-                <a:lnTo>
-                  <a:pt x="1642222" y="238560"/>
-                </a:lnTo>
-                <a:lnTo>
-                  <a:pt x="1962863" y="276043"/>
-                </a:lnTo>
-                <a:lnTo>
-                  <a:pt x="2304231" y="314227"/>
-                </a:lnTo>
-                <a:lnTo>
-                  <a:pt x="2672420" y="349608"/>
-                </a:lnTo>
-                <a:lnTo>
-                  <a:pt x="3057677" y="383588"/>
-                </a:lnTo>
-                <a:lnTo>
-                  <a:pt x="3464880" y="414415"/>
-                </a:lnTo>
-                <a:lnTo>
-                  <a:pt x="3889151" y="443841"/>
-                </a:lnTo>
-                <a:lnTo>
-                  <a:pt x="4331709" y="471515"/>
-                </a:lnTo>
-                <a:lnTo>
-                  <a:pt x="4558475" y="481324"/>
-                </a:lnTo>
-                <a:lnTo>
-                  <a:pt x="4790117" y="492183"/>
-                </a:lnTo>
-                <a:lnTo>
-                  <a:pt x="5025417" y="502342"/>
-                </a:lnTo>
-                <a:lnTo>
-                  <a:pt x="5261936" y="508998"/>
-                </a:lnTo>
-                <a:lnTo>
-                  <a:pt x="5503331" y="514953"/>
-                </a:lnTo>
-                <a:lnTo>
-                  <a:pt x="5747166" y="521259"/>
-                </a:lnTo>
-                <a:lnTo>
-                  <a:pt x="5995876" y="525463"/>
-                </a:lnTo>
-                <a:lnTo>
-                  <a:pt x="6247025" y="525463"/>
-                </a:lnTo>
-                <a:lnTo>
-                  <a:pt x="6500612" y="527565"/>
-                </a:lnTo>
-                <a:lnTo>
-                  <a:pt x="6756638" y="525463"/>
-                </a:lnTo>
-                <a:lnTo>
-                  <a:pt x="7016321" y="521259"/>
-                </a:lnTo>
-                <a:lnTo>
-                  <a:pt x="7276004" y="517406"/>
-                </a:lnTo>
-                <a:lnTo>
-                  <a:pt x="7539344" y="508998"/>
-                </a:lnTo>
-                <a:lnTo>
-                  <a:pt x="7805123" y="500241"/>
-                </a:lnTo>
-                <a:lnTo>
-                  <a:pt x="8070902" y="490082"/>
-                </a:lnTo>
-                <a:lnTo>
-                  <a:pt x="8339120" y="475719"/>
-                </a:lnTo>
-                <a:lnTo>
-                  <a:pt x="8609775" y="458554"/>
-                </a:lnTo>
-                <a:lnTo>
-                  <a:pt x="8881650" y="442089"/>
-                </a:lnTo>
-                <a:lnTo>
-                  <a:pt x="9153525" y="421071"/>
-                </a:lnTo>
-                <a:lnTo>
-                  <a:pt x="9429057" y="395849"/>
-                </a:lnTo>
-                <a:lnTo>
-                  <a:pt x="9700932" y="370626"/>
-                </a:lnTo>
-                <a:lnTo>
-                  <a:pt x="9977683" y="341551"/>
-                </a:lnTo>
-                <a:lnTo>
-                  <a:pt x="10255654" y="309673"/>
-                </a:lnTo>
-                <a:lnTo>
-                  <a:pt x="10529967" y="276043"/>
-                </a:lnTo>
-                <a:lnTo>
-                  <a:pt x="10807938" y="236809"/>
-                </a:lnTo>
-                <a:lnTo>
-                  <a:pt x="11084689" y="194772"/>
-                </a:lnTo>
-                <a:lnTo>
-                  <a:pt x="11362660" y="153085"/>
-                </a:lnTo>
-                <a:lnTo>
-                  <a:pt x="11639411" y="104392"/>
-                </a:lnTo>
-                <a:lnTo>
-                  <a:pt x="11914944" y="54648"/>
-                </a:lnTo>
-                <a:lnTo>
-                  <a:pt x="12191695" y="2452"/>
-                </a:lnTo>
-                <a:lnTo>
-                  <a:pt x="12191695" y="2162231"/>
-                </a:lnTo>
-                <a:lnTo>
-                  <a:pt x="12192417" y="2162231"/>
-                </a:lnTo>
-                <a:lnTo>
-                  <a:pt x="12192417" y="5095933"/>
-                </a:lnTo>
-                <a:lnTo>
-                  <a:pt x="0" y="5095933"/>
-                </a:lnTo>
-                <a:lnTo>
-                  <a:pt x="0" y="2791958"/>
-                </a:lnTo>
-                <a:lnTo>
-                  <a:pt x="0" y="2162231"/>
-                </a:lnTo>
-                <a:close/>
-              </a:path>
-            </a:pathLst>
-          </a:custGeom>
-          <a:ln>
-            <a:noFill/>
-          </a:ln>
-        </p:spPr>
-      </p:sp>
-      <p:sp>
-        <p:nvSpPr>
-          <p:cNvPr id="2" name="Title 1">
-            <a:extLst>
-              <a:ext uri="{FF2B5EF4-FFF2-40B4-BE49-F238E27FC236}">
-                <a16:creationId xmlns:a16="http://schemas.microsoft.com/office/drawing/2014/main" id="{1DFED940-CA5D-4579-A600-4A70EF0592B0}"/>
-              </a:ext>
-            </a:extLst>
-          </p:cNvPr>
-          <p:cNvSpPr>
-            <a:spLocks noGrp="1"/>
-          </p:cNvSpPr>
-          <p:nvPr>
-            <p:ph type="title"/>
-          </p:nvPr>
-        </p:nvSpPr>
-        <p:spPr>
-          <a:xfrm>
-            <a:off x="1103312" y="452718"/>
-            <a:ext cx="8947522" cy="1400530"/>
-          </a:xfrm>
-        </p:spPr>
-        <p:txBody>
-          <a:bodyPr anchor="ctr">
-            <a:normAutofit/>
-          </a:bodyPr>
-          <a:lstStyle/>
-          <a:p>
-            <a:pPr algn="ctr"/>
-            <a:r>
-              <a:rPr lang="en-US" dirty="0">
-                <a:solidFill>
-                  <a:srgbClr val="FFFFFF"/>
-                </a:solidFill>
-              </a:rPr>
-              <a:t>Key Take-Aways and </a:t>
-            </a:r>
-            <a:br>
-              <a:rPr lang="en-US" dirty="0">
-                <a:solidFill>
-                  <a:srgbClr val="FFFFFF"/>
-                </a:solidFill>
-              </a:rPr>
-            </a:br>
-            <a:r>
-              <a:rPr lang="en-US" dirty="0">
-                <a:solidFill>
-                  <a:srgbClr val="FFFFFF"/>
-                </a:solidFill>
-              </a:rPr>
-              <a:t>How to Interpret Model</a:t>
-            </a:r>
-          </a:p>
-        </p:txBody>
-      </p:sp>
-      <p:sp>
-        <p:nvSpPr>
-          <p:cNvPr id="3" name="Content Placeholder 2">
-            <a:extLst>
-              <a:ext uri="{FF2B5EF4-FFF2-40B4-BE49-F238E27FC236}">
-                <a16:creationId xmlns:a16="http://schemas.microsoft.com/office/drawing/2014/main" id="{BDA45186-2E19-4B8A-B22D-AA7CE50F47BA}"/>
-              </a:ext>
-            </a:extLst>
-          </p:cNvPr>
-          <p:cNvSpPr>
-            <a:spLocks noGrp="1"/>
-          </p:cNvSpPr>
-          <p:nvPr>
-            <p:ph idx="1"/>
-          </p:nvPr>
-        </p:nvSpPr>
-        <p:spPr>
-          <a:xfrm>
-            <a:off x="1103312" y="2763520"/>
-            <a:ext cx="8946541" cy="3484879"/>
-          </a:xfrm>
-        </p:spPr>
-        <p:txBody>
-          <a:bodyPr>
-            <a:normAutofit/>
-          </a:bodyPr>
-          <a:lstStyle/>
-          <a:p>
-            <a:endParaRPr lang="en-US" dirty="0"/>
-          </a:p>
-        </p:txBody>
-      </p:sp>
     </p:spTree>
     <p:extLst>
       <p:ext uri="{BB962C8B-B14F-4D97-AF65-F5344CB8AC3E}">
-        <p14:creationId xmlns:p14="http://schemas.microsoft.com/office/powerpoint/2010/main" val="4198924169"/>
+        <p14:creationId xmlns:p14="http://schemas.microsoft.com/office/powerpoint/2010/main" val="3371153288"/>
       </p:ext>
     </p:extLst>
   </p:cSld>
   <p:clrMapOvr>
-    <a:overrideClrMapping bg1="lt1" tx1="dk1" bg2="lt2" tx2="dk2" accent1="accent1" accent2="accent2" accent3="accent3" accent4="accent4" accent5="accent5" accent6="accent6" hlink="hlink" folHlink="folHlink"/>
+    <a:masterClrMapping/>
   </p:clrMapOvr>
 </p:sld>
 </file>

--- a/Projects/Mod 1 Final Project/presentation.pptx
+++ b/Projects/Mod 1 Final Project/presentation.pptx
@@ -3111,7 +3111,7 @@
           <a:p>
             <a:fld id="{9866BB97-7527-472E-B458-4744210E0196}" type="datetimeFigureOut">
               <a:rPr lang="en-US" smtClean="0"/>
-              <a:t>5/10/2019</a:t>
+              <a:t>5/12/2019</a:t>
             </a:fld>
             <a:endParaRPr lang="en-US"/>
           </a:p>
@@ -3386,7 +3386,7 @@
           <a:p>
             <a:fld id="{9866BB97-7527-472E-B458-4744210E0196}" type="datetimeFigureOut">
               <a:rPr lang="en-US" smtClean="0"/>
-              <a:t>5/10/2019</a:t>
+              <a:t>5/12/2019</a:t>
             </a:fld>
             <a:endParaRPr lang="en-US"/>
           </a:p>
@@ -3580,7 +3580,7 @@
           <a:p>
             <a:fld id="{9866BB97-7527-472E-B458-4744210E0196}" type="datetimeFigureOut">
               <a:rPr lang="en-US" smtClean="0"/>
-              <a:t>5/10/2019</a:t>
+              <a:t>5/12/2019</a:t>
             </a:fld>
             <a:endParaRPr lang="en-US"/>
           </a:p>
@@ -3851,7 +3851,7 @@
           <a:p>
             <a:fld id="{9866BB97-7527-472E-B458-4744210E0196}" type="datetimeFigureOut">
               <a:rPr lang="en-US" smtClean="0"/>
-              <a:t>5/10/2019</a:t>
+              <a:t>5/12/2019</a:t>
             </a:fld>
             <a:endParaRPr lang="en-US"/>
           </a:p>
@@ -4178,7 +4178,7 @@
           <a:p>
             <a:fld id="{9866BB97-7527-472E-B458-4744210E0196}" type="datetimeFigureOut">
               <a:rPr lang="en-US" smtClean="0"/>
-              <a:t>5/10/2019</a:t>
+              <a:t>5/12/2019</a:t>
             </a:fld>
             <a:endParaRPr lang="en-US"/>
           </a:p>
@@ -4797,7 +4797,7 @@
           <a:p>
             <a:fld id="{9866BB97-7527-472E-B458-4744210E0196}" type="datetimeFigureOut">
               <a:rPr lang="en-US" smtClean="0"/>
-              <a:t>5/10/2019</a:t>
+              <a:t>5/12/2019</a:t>
             </a:fld>
             <a:endParaRPr lang="en-US"/>
           </a:p>
@@ -5644,7 +5644,7 @@
           <a:p>
             <a:fld id="{9866BB97-7527-472E-B458-4744210E0196}" type="datetimeFigureOut">
               <a:rPr lang="en-US" smtClean="0"/>
-              <a:t>5/10/2019</a:t>
+              <a:t>5/12/2019</a:t>
             </a:fld>
             <a:endParaRPr lang="en-US"/>
           </a:p>
@@ -5814,7 +5814,7 @@
           <a:p>
             <a:fld id="{9866BB97-7527-472E-B458-4744210E0196}" type="datetimeFigureOut">
               <a:rPr lang="en-US" smtClean="0"/>
-              <a:t>5/10/2019</a:t>
+              <a:t>5/12/2019</a:t>
             </a:fld>
             <a:endParaRPr lang="en-US"/>
           </a:p>
@@ -5994,7 +5994,7 @@
           <a:p>
             <a:fld id="{9866BB97-7527-472E-B458-4744210E0196}" type="datetimeFigureOut">
               <a:rPr lang="en-US" smtClean="0"/>
-              <a:t>5/10/2019</a:t>
+              <a:t>5/12/2019</a:t>
             </a:fld>
             <a:endParaRPr lang="en-US"/>
           </a:p>
@@ -6164,7 +6164,7 @@
           <a:p>
             <a:fld id="{9866BB97-7527-472E-B458-4744210E0196}" type="datetimeFigureOut">
               <a:rPr lang="en-US" smtClean="0"/>
-              <a:t>5/10/2019</a:t>
+              <a:t>5/12/2019</a:t>
             </a:fld>
             <a:endParaRPr lang="en-US"/>
           </a:p>
@@ -6411,7 +6411,7 @@
           <a:p>
             <a:fld id="{9866BB97-7527-472E-B458-4744210E0196}" type="datetimeFigureOut">
               <a:rPr lang="en-US" smtClean="0"/>
-              <a:t>5/10/2019</a:t>
+              <a:t>5/12/2019</a:t>
             </a:fld>
             <a:endParaRPr lang="en-US"/>
           </a:p>
@@ -6703,7 +6703,7 @@
           <a:p>
             <a:fld id="{9866BB97-7527-472E-B458-4744210E0196}" type="datetimeFigureOut">
               <a:rPr lang="en-US" smtClean="0"/>
-              <a:t>5/10/2019</a:t>
+              <a:t>5/12/2019</a:t>
             </a:fld>
             <a:endParaRPr lang="en-US"/>
           </a:p>
@@ -7147,7 +7147,7 @@
           <a:p>
             <a:fld id="{9866BB97-7527-472E-B458-4744210E0196}" type="datetimeFigureOut">
               <a:rPr lang="en-US" smtClean="0"/>
-              <a:t>5/10/2019</a:t>
+              <a:t>5/12/2019</a:t>
             </a:fld>
             <a:endParaRPr lang="en-US"/>
           </a:p>
@@ -7265,7 +7265,7 @@
           <a:p>
             <a:fld id="{9866BB97-7527-472E-B458-4744210E0196}" type="datetimeFigureOut">
               <a:rPr lang="en-US" smtClean="0"/>
-              <a:t>5/10/2019</a:t>
+              <a:t>5/12/2019</a:t>
             </a:fld>
             <a:endParaRPr lang="en-US"/>
           </a:p>
@@ -7360,7 +7360,7 @@
           <a:p>
             <a:fld id="{9866BB97-7527-472E-B458-4744210E0196}" type="datetimeFigureOut">
               <a:rPr lang="en-US" smtClean="0"/>
-              <a:t>5/10/2019</a:t>
+              <a:t>5/12/2019</a:t>
             </a:fld>
             <a:endParaRPr lang="en-US"/>
           </a:p>
@@ -7639,7 +7639,7 @@
           <a:p>
             <a:fld id="{9866BB97-7527-472E-B458-4744210E0196}" type="datetimeFigureOut">
               <a:rPr lang="en-US" smtClean="0"/>
-              <a:t>5/10/2019</a:t>
+              <a:t>5/12/2019</a:t>
             </a:fld>
             <a:endParaRPr lang="en-US"/>
           </a:p>
@@ -7914,7 +7914,7 @@
           <a:p>
             <a:fld id="{9866BB97-7527-472E-B458-4744210E0196}" type="datetimeFigureOut">
               <a:rPr lang="en-US" smtClean="0"/>
-              <a:t>5/10/2019</a:t>
+              <a:t>5/12/2019</a:t>
             </a:fld>
             <a:endParaRPr lang="en-US"/>
           </a:p>
@@ -8337,7 +8337,7 @@
           <a:p>
             <a:fld id="{9866BB97-7527-472E-B458-4744210E0196}" type="datetimeFigureOut">
               <a:rPr lang="en-US" smtClean="0"/>
-              <a:t>5/10/2019</a:t>
+              <a:t>5/12/2019</a:t>
             </a:fld>
             <a:endParaRPr lang="en-US"/>
           </a:p>
@@ -10971,7 +10971,15 @@
           <a:p>
             <a:r>
               <a:rPr lang="en-US" dirty="0"/>
-              <a:t>Predictive Model built for this data set is able to predict home prices with an 87% confidence rate.</a:t>
+              <a:t>Predictive Model built for this data set is able to predict home prices with </a:t>
+            </a:r>
+            <a:r>
+              <a:rPr lang="en-US"/>
+              <a:t>an 85% </a:t>
+            </a:r>
+            <a:r>
+              <a:rPr lang="en-US" dirty="0"/>
+              <a:t>confidence rate.</a:t>
             </a:r>
           </a:p>
           <a:p>
@@ -14853,53 +14861,6 @@
           </a:ln>
         </p:spPr>
       </p:sp>
-      <p:pic>
-        <p:nvPicPr>
-          <p:cNvPr id="1032" name="Picture 8">
-            <a:extLst>
-              <a:ext uri="{FF2B5EF4-FFF2-40B4-BE49-F238E27FC236}">
-                <a16:creationId xmlns:a16="http://schemas.microsoft.com/office/drawing/2014/main" id="{3C838F74-1116-4A74-9024-90919B303BCD}"/>
-              </a:ext>
-            </a:extLst>
-          </p:cNvPr>
-          <p:cNvPicPr>
-            <a:picLocks noChangeAspect="1" noChangeArrowheads="1"/>
-          </p:cNvPicPr>
-          <p:nvPr/>
-        </p:nvPicPr>
-        <p:blipFill>
-          <a:blip r:embed="rId3">
-            <a:extLst>
-              <a:ext uri="{28A0092B-C50C-407E-A947-70E740481C1C}">
-                <a14:useLocalDpi xmlns:a14="http://schemas.microsoft.com/office/drawing/2010/main" val="0"/>
-              </a:ext>
-            </a:extLst>
-          </a:blip>
-          <a:stretch>
-            <a:fillRect/>
-          </a:stretch>
-        </p:blipFill>
-        <p:spPr bwMode="auto">
-          <a:xfrm>
-            <a:off x="6053072" y="1598502"/>
-            <a:ext cx="5449889" cy="3660994"/>
-          </a:xfrm>
-          <a:prstGeom prst="rect">
-            <a:avLst/>
-          </a:prstGeom>
-          <a:noFill/>
-          <a:effectLst/>
-          <a:extLst>
-            <a:ext uri="{909E8E84-426E-40DD-AFC4-6F175D3DCCD1}">
-              <a14:hiddenFill xmlns:a14="http://schemas.microsoft.com/office/drawing/2010/main">
-                <a:solidFill>
-                  <a:srgbClr val="FFFFFF"/>
-                </a:solidFill>
-              </a14:hiddenFill>
-            </a:ext>
-          </a:extLst>
-        </p:spPr>
-      </p:pic>
       <p:sp>
         <p:nvSpPr>
           <p:cNvPr id="147" name="Rectangle 146">
@@ -14953,6 +14914,53 @@
           </a:fontRef>
         </p:style>
       </p:sp>
+      <p:pic>
+        <p:nvPicPr>
+          <p:cNvPr id="1026" name="Picture 2">
+            <a:extLst>
+              <a:ext uri="{FF2B5EF4-FFF2-40B4-BE49-F238E27FC236}">
+                <a16:creationId xmlns:a16="http://schemas.microsoft.com/office/drawing/2014/main" id="{DDEDA3D4-8F47-46B4-B45E-8C75B2FD616A}"/>
+              </a:ext>
+            </a:extLst>
+          </p:cNvPr>
+          <p:cNvPicPr>
+            <a:picLocks noChangeAspect="1" noChangeArrowheads="1"/>
+          </p:cNvPicPr>
+          <p:nvPr/>
+        </p:nvPicPr>
+        <p:blipFill>
+          <a:blip r:embed="rId3">
+            <a:extLst>
+              <a:ext uri="{28A0092B-C50C-407E-A947-70E740481C1C}">
+                <a14:useLocalDpi xmlns:a14="http://schemas.microsoft.com/office/drawing/2010/main" val="0"/>
+              </a:ext>
+            </a:extLst>
+          </a:blip>
+          <a:srcRect/>
+          <a:stretch>
+            <a:fillRect/>
+          </a:stretch>
+        </p:blipFill>
+        <p:spPr bwMode="auto">
+          <a:xfrm>
+            <a:off x="6551935" y="1901678"/>
+            <a:ext cx="4547251" cy="3054642"/>
+          </a:xfrm>
+          <a:prstGeom prst="rect">
+            <a:avLst/>
+          </a:prstGeom>
+          <a:noFill/>
+          <a:extLst>
+            <a:ext uri="{909E8E84-426E-40DD-AFC4-6F175D3DCCD1}">
+              <a14:hiddenFill xmlns:a14="http://schemas.microsoft.com/office/drawing/2010/main">
+                <a:solidFill>
+                  <a:srgbClr val="FFFFFF"/>
+                </a:solidFill>
+              </a14:hiddenFill>
+            </a:ext>
+          </a:extLst>
+        </p:spPr>
+      </p:pic>
     </p:spTree>
     <p:extLst>
       <p:ext uri="{BB962C8B-B14F-4D97-AF65-F5344CB8AC3E}">
